--- a/Presenations/Intro to Accessible Web Design_2021.pptx
+++ b/Presenations/Intro to Accessible Web Design_2021.pptx
@@ -1100,12 +1100,12 @@
   <pc:docChgLst>
     <pc:chgData name="Elizabeth Gray" userId="2112a60c0cddb7a4" providerId="LiveId" clId="{2704D1C1-7A4C-43B9-8791-2614C5C1E643}"/>
     <pc:docChg chg="undo redo custSel addSld delSld modSld sldOrd">
-      <pc:chgData name="Elizabeth Gray" userId="2112a60c0cddb7a4" providerId="LiveId" clId="{2704D1C1-7A4C-43B9-8791-2614C5C1E643}" dt="2021-08-20T01:41:25.159" v="1505" actId="20577"/>
+      <pc:chgData name="Elizabeth Gray" userId="2112a60c0cddb7a4" providerId="LiveId" clId="{2704D1C1-7A4C-43B9-8791-2614C5C1E643}" dt="2021-08-20T02:42:26.699" v="1512" actId="478"/>
       <pc:docMkLst>
         <pc:docMk/>
       </pc:docMkLst>
       <pc:sldChg chg="addSp delSp modSp mod">
-        <pc:chgData name="Elizabeth Gray" userId="2112a60c0cddb7a4" providerId="LiveId" clId="{2704D1C1-7A4C-43B9-8791-2614C5C1E643}" dt="2021-08-19T00:16:49.185" v="7"/>
+        <pc:chgData name="Elizabeth Gray" userId="2112a60c0cddb7a4" providerId="LiveId" clId="{2704D1C1-7A4C-43B9-8791-2614C5C1E643}" dt="2021-08-20T02:41:10.510" v="1506" actId="478"/>
         <pc:sldMkLst>
           <pc:docMk/>
           <pc:sldMk cId="3165525781" sldId="256"/>
@@ -1124,6 +1124,14 @@
             <pc:docMk/>
             <pc:sldMk cId="3165525781" sldId="256"/>
             <ac:spMk id="3" creationId="{045EE49E-75FC-42A8-BD0E-5D32CA76F003}"/>
+          </ac:spMkLst>
+        </pc:spChg>
+        <pc:spChg chg="del">
+          <ac:chgData name="Elizabeth Gray" userId="2112a60c0cddb7a4" providerId="LiveId" clId="{2704D1C1-7A4C-43B9-8791-2614C5C1E643}" dt="2021-08-20T02:41:10.510" v="1506" actId="478"/>
+          <ac:spMkLst>
+            <pc:docMk/>
+            <pc:sldMk cId="3165525781" sldId="256"/>
+            <ac:spMk id="4" creationId="{995352AF-C6CC-496E-9B20-40A29A879955}"/>
           </ac:spMkLst>
         </pc:spChg>
         <pc:spChg chg="add del mod">
@@ -1219,7 +1227,7 @@
         </pc:spChg>
       </pc:sldChg>
       <pc:sldChg chg="addSp delSp modSp mod ord">
-        <pc:chgData name="Elizabeth Gray" userId="2112a60c0cddb7a4" providerId="LiveId" clId="{2704D1C1-7A4C-43B9-8791-2614C5C1E643}" dt="2021-08-19T00:27:31.152" v="292"/>
+        <pc:chgData name="Elizabeth Gray" userId="2112a60c0cddb7a4" providerId="LiveId" clId="{2704D1C1-7A4C-43B9-8791-2614C5C1E643}" dt="2021-08-20T02:42:26.699" v="1512" actId="478"/>
         <pc:sldMkLst>
           <pc:docMk/>
           <pc:sldMk cId="3587248292" sldId="264"/>
@@ -1249,11 +1257,19 @@
           </ac:spMkLst>
         </pc:spChg>
         <pc:spChg chg="add del">
-          <ac:chgData name="Elizabeth Gray" userId="2112a60c0cddb7a4" providerId="LiveId" clId="{2704D1C1-7A4C-43B9-8791-2614C5C1E643}" dt="2021-08-19T00:22:12.317" v="233" actId="478"/>
+          <ac:chgData name="Elizabeth Gray" userId="2112a60c0cddb7a4" providerId="LiveId" clId="{2704D1C1-7A4C-43B9-8791-2614C5C1E643}" dt="2021-08-20T02:42:19.496" v="1511" actId="478"/>
           <ac:spMkLst>
             <pc:docMk/>
             <pc:sldMk cId="3587248292" sldId="264"/>
             <ac:spMk id="29" creationId="{60B26874-5AFA-4D1E-94A9-53AF9790D702}"/>
+          </ac:spMkLst>
+        </pc:spChg>
+        <pc:spChg chg="add del mod modVis">
+          <ac:chgData name="Elizabeth Gray" userId="2112a60c0cddb7a4" providerId="LiveId" clId="{2704D1C1-7A4C-43B9-8791-2614C5C1E643}" dt="2021-08-20T02:42:26.699" v="1512" actId="478"/>
+          <ac:spMkLst>
+            <pc:docMk/>
+            <pc:sldMk cId="3587248292" sldId="264"/>
+            <ac:spMk id="34" creationId="{CC28BCC9-4093-4FD5-83EB-7EC297F51396}"/>
           </ac:spMkLst>
         </pc:spChg>
         <pc:picChg chg="mod">
@@ -18095,7 +18111,7 @@
           <a:p>
             <a:fld id="{6BEA0962-65BB-41FC-8F83-27AD2119E7B1}" type="datetimeFigureOut">
               <a:rPr lang="en-US" smtClean="0"/>
-              <a:t>8/18/2021</a:t>
+              <a:t>8/19/2021</a:t>
             </a:fld>
             <a:endParaRPr lang="en-US"/>
           </a:p>
@@ -21103,7 +21119,7 @@
           <a:p>
             <a:fld id="{F766529D-BA39-40F6-82A5-7A10987C8459}" type="datetimeFigureOut">
               <a:rPr lang="en-US" smtClean="0"/>
-              <a:t>8/18/2021</a:t>
+              <a:t>8/19/2021</a:t>
             </a:fld>
             <a:endParaRPr lang="en-US"/>
           </a:p>
@@ -22189,7 +22205,7 @@
           <a:p>
             <a:fld id="{F766529D-BA39-40F6-82A5-7A10987C8459}" type="datetimeFigureOut">
               <a:rPr lang="en-US" smtClean="0"/>
-              <a:t>8/18/2021</a:t>
+              <a:t>8/19/2021</a:t>
             </a:fld>
             <a:endParaRPr lang="en-US"/>
           </a:p>
@@ -23168,7 +23184,7 @@
           <a:p>
             <a:fld id="{F766529D-BA39-40F6-82A5-7A10987C8459}" type="datetimeFigureOut">
               <a:rPr lang="en-US" smtClean="0"/>
-              <a:t>8/18/2021</a:t>
+              <a:t>8/19/2021</a:t>
             </a:fld>
             <a:endParaRPr lang="en-US"/>
           </a:p>
@@ -24301,7 +24317,7 @@
           <a:p>
             <a:fld id="{F766529D-BA39-40F6-82A5-7A10987C8459}" type="datetimeFigureOut">
               <a:rPr lang="en-US" smtClean="0"/>
-              <a:t>8/18/2021</a:t>
+              <a:t>8/19/2021</a:t>
             </a:fld>
             <a:endParaRPr lang="en-US"/>
           </a:p>
@@ -25333,7 +25349,7 @@
           <a:p>
             <a:fld id="{F766529D-BA39-40F6-82A5-7A10987C8459}" type="datetimeFigureOut">
               <a:rPr lang="en-US" smtClean="0"/>
-              <a:t>8/18/2021</a:t>
+              <a:t>8/19/2021</a:t>
             </a:fld>
             <a:endParaRPr lang="en-US"/>
           </a:p>
@@ -25992,7 +26008,7 @@
           <a:p>
             <a:fld id="{F766529D-BA39-40F6-82A5-7A10987C8459}" type="datetimeFigureOut">
               <a:rPr lang="en-US" smtClean="0"/>
-              <a:t>8/18/2021</a:t>
+              <a:t>8/19/2021</a:t>
             </a:fld>
             <a:endParaRPr lang="en-US"/>
           </a:p>
@@ -26849,7 +26865,7 @@
           <a:p>
             <a:fld id="{F766529D-BA39-40F6-82A5-7A10987C8459}" type="datetimeFigureOut">
               <a:rPr lang="en-US" smtClean="0"/>
-              <a:t>8/18/2021</a:t>
+              <a:t>8/19/2021</a:t>
             </a:fld>
             <a:endParaRPr lang="en-US"/>
           </a:p>
@@ -27037,7 +27053,7 @@
           <a:p>
             <a:fld id="{F766529D-BA39-40F6-82A5-7A10987C8459}" type="datetimeFigureOut">
               <a:rPr lang="en-US" smtClean="0"/>
-              <a:t>8/18/2021</a:t>
+              <a:t>8/19/2021</a:t>
             </a:fld>
             <a:endParaRPr lang="en-US"/>
           </a:p>
@@ -28007,7 +28023,7 @@
           <a:p>
             <a:fld id="{F766529D-BA39-40F6-82A5-7A10987C8459}" type="datetimeFigureOut">
               <a:rPr lang="en-US" smtClean="0"/>
-              <a:t>8/18/2021</a:t>
+              <a:t>8/19/2021</a:t>
             </a:fld>
             <a:endParaRPr lang="en-US"/>
           </a:p>
@@ -28216,7 +28232,7 @@
           <a:p>
             <a:fld id="{F766529D-BA39-40F6-82A5-7A10987C8459}" type="datetimeFigureOut">
               <a:rPr lang="en-US" smtClean="0"/>
-              <a:t>8/18/2021</a:t>
+              <a:t>8/19/2021</a:t>
             </a:fld>
             <a:endParaRPr lang="en-US"/>
           </a:p>
@@ -29249,7 +29265,7 @@
           <a:p>
             <a:fld id="{F766529D-BA39-40F6-82A5-7A10987C8459}" type="datetimeFigureOut">
               <a:rPr lang="en-US" smtClean="0"/>
-              <a:t>8/18/2021</a:t>
+              <a:t>8/19/2021</a:t>
             </a:fld>
             <a:endParaRPr lang="en-US"/>
           </a:p>
@@ -29518,7 +29534,7 @@
           <a:p>
             <a:fld id="{F766529D-BA39-40F6-82A5-7A10987C8459}" type="datetimeFigureOut">
               <a:rPr lang="en-US" smtClean="0"/>
-              <a:t>8/18/2021</a:t>
+              <a:t>8/19/2021</a:t>
             </a:fld>
             <a:endParaRPr lang="en-US"/>
           </a:p>
@@ -29925,7 +29941,7 @@
           <a:p>
             <a:fld id="{F766529D-BA39-40F6-82A5-7A10987C8459}" type="datetimeFigureOut">
               <a:rPr lang="en-US" smtClean="0"/>
-              <a:t>8/18/2021</a:t>
+              <a:t>8/19/2021</a:t>
             </a:fld>
             <a:endParaRPr lang="en-US"/>
           </a:p>
@@ -30051,7 +30067,7 @@
           <a:p>
             <a:fld id="{F766529D-BA39-40F6-82A5-7A10987C8459}" type="datetimeFigureOut">
               <a:rPr lang="en-US" smtClean="0"/>
-              <a:t>8/18/2021</a:t>
+              <a:t>8/19/2021</a:t>
             </a:fld>
             <a:endParaRPr lang="en-US"/>
           </a:p>
@@ -30146,7 +30162,7 @@
           <a:p>
             <a:fld id="{F766529D-BA39-40F6-82A5-7A10987C8459}" type="datetimeFigureOut">
               <a:rPr lang="en-US" smtClean="0"/>
-              <a:t>8/18/2021</a:t>
+              <a:t>8/19/2021</a:t>
             </a:fld>
             <a:endParaRPr lang="en-US"/>
           </a:p>
@@ -31225,7 +31241,7 @@
           <a:p>
             <a:fld id="{F766529D-BA39-40F6-82A5-7A10987C8459}" type="datetimeFigureOut">
               <a:rPr lang="en-US" smtClean="0"/>
-              <a:t>8/18/2021</a:t>
+              <a:t>8/19/2021</a:t>
             </a:fld>
             <a:endParaRPr lang="en-US"/>
           </a:p>
@@ -32331,7 +32347,7 @@
           <a:p>
             <a:fld id="{F766529D-BA39-40F6-82A5-7A10987C8459}" type="datetimeFigureOut">
               <a:rPr lang="en-US" smtClean="0"/>
-              <a:t>8/18/2021</a:t>
+              <a:t>8/19/2021</a:t>
             </a:fld>
             <a:endParaRPr lang="en-US"/>
           </a:p>
@@ -33326,7 +33342,7 @@
           <a:p>
             <a:fld id="{F766529D-BA39-40F6-82A5-7A10987C8459}" type="datetimeFigureOut">
               <a:rPr lang="en-US" smtClean="0"/>
-              <a:t>8/18/2021</a:t>
+              <a:t>8/19/2021</a:t>
             </a:fld>
             <a:endParaRPr lang="en-US"/>
           </a:p>
@@ -33885,46 +33901,6 @@
           <a:chExt cx="0" cy="0"/>
         </a:xfrm>
       </p:grpSpPr>
-      <p:sp>
-        <p:nvSpPr>
-          <p:cNvPr id="4" name="TextBox 3">
-            <a:extLst>
-              <a:ext uri="{FF2B5EF4-FFF2-40B4-BE49-F238E27FC236}">
-                <a16:creationId xmlns:a16="http://schemas.microsoft.com/office/drawing/2014/main" id="{995352AF-C6CC-496E-9B20-40A29A879955}"/>
-              </a:ext>
-            </a:extLst>
-          </p:cNvPr>
-          <p:cNvSpPr txBox="1"/>
-          <p:nvPr/>
-        </p:nvSpPr>
-        <p:spPr>
-          <a:xfrm>
-            <a:off x="7213600" y="5988756"/>
-            <a:ext cx="4413955" cy="369332"/>
-          </a:xfrm>
-          <a:prstGeom prst="rect">
-            <a:avLst/>
-          </a:prstGeom>
-          <a:noFill/>
-        </p:spPr>
-        <p:txBody>
-          <a:bodyPr wrap="square" rtlCol="0">
-            <a:spAutoFit/>
-          </a:bodyPr>
-          <a:lstStyle/>
-          <a:p>
-            <a:pPr algn="r"/>
-            <a:r>
-              <a:rPr lang="en-US" dirty="0">
-                <a:solidFill>
-                  <a:schemeClr val="bg1"/>
-                </a:solidFill>
-              </a:rPr>
-              <a:t>Beth Gray</a:t>
-            </a:r>
-          </a:p>
-        </p:txBody>
-      </p:sp>
       <p:sp>
         <p:nvSpPr>
           <p:cNvPr id="2" name="Title 1">

--- a/Presenations/Intro to Accessible Web Design_2021.pptx
+++ b/Presenations/Intro to Accessible Web Design_2021.pptx
@@ -27,7 +27,7 @@
     <p:sldId id="282" r:id="rId18"/>
   </p:sldIdLst>
   <p:sldSz cx="12192000" cy="6858000"/>
-  <p:notesSz cx="6858000" cy="9144000"/>
+  <p:notesSz cx="7102475" cy="9388475"/>
   <p:defaultTextStyle>
     <a:defPPr>
       <a:defRPr lang="en-US"/>
@@ -145,7 +145,7 @@
 <file path=ppt/revisionInfo.xml><?xml version="1.0" encoding="utf-8"?>
 <p1510:revInfo xmlns:a="http://schemas.openxmlformats.org/drawingml/2006/main" xmlns:r="http://schemas.openxmlformats.org/officeDocument/2006/relationships" xmlns:p1510="http://schemas.microsoft.com/office/powerpoint/2015/10/main">
   <p1510:revLst>
-    <p1510:client id="{2704D1C1-7A4C-43B9-8791-2614C5C1E643}" v="87" dt="2021-08-20T01:28:38.830"/>
+    <p1510:client id="{2704D1C1-7A4C-43B9-8791-2614C5C1E643}" v="312" dt="2021-08-20T16:28:25.595"/>
     <p1510:client id="{2A358DB6-CA4A-4848-9FDE-133B79F4BA8D}" v="1924" dt="2021-08-19T19:19:58.463"/>
     <p1510:client id="{635D1EA6-9A99-422C-8E7D-C7A3B5C6E349}" v="290" dt="2021-08-19T19:32:58.370"/>
   </p1510:revLst>
@@ -1099,8 +1099,8 @@
   </pc:docChgLst>
   <pc:docChgLst>
     <pc:chgData name="Elizabeth Gray" userId="2112a60c0cddb7a4" providerId="LiveId" clId="{2704D1C1-7A4C-43B9-8791-2614C5C1E643}"/>
-    <pc:docChg chg="undo redo custSel addSld delSld modSld sldOrd">
-      <pc:chgData name="Elizabeth Gray" userId="2112a60c0cddb7a4" providerId="LiveId" clId="{2704D1C1-7A4C-43B9-8791-2614C5C1E643}" dt="2021-08-20T02:42:26.699" v="1512" actId="478"/>
+    <pc:docChg chg="undo redo custSel addSld delSld modSld sldOrd modNotesMaster">
+      <pc:chgData name="Elizabeth Gray" userId="2112a60c0cddb7a4" providerId="LiveId" clId="{2704D1C1-7A4C-43B9-8791-2614C5C1E643}" dt="2021-08-20T16:28:25.595" v="1769" actId="12100"/>
       <pc:docMkLst>
         <pc:docMk/>
       </pc:docMkLst>
@@ -1226,8 +1226,8 @@
           </ac:spMkLst>
         </pc:spChg>
       </pc:sldChg>
-      <pc:sldChg chg="addSp delSp modSp mod ord">
-        <pc:chgData name="Elizabeth Gray" userId="2112a60c0cddb7a4" providerId="LiveId" clId="{2704D1C1-7A4C-43B9-8791-2614C5C1E643}" dt="2021-08-20T02:42:26.699" v="1512" actId="478"/>
+      <pc:sldChg chg="addSp delSp modSp mod ord modNotesTx">
+        <pc:chgData name="Elizabeth Gray" userId="2112a60c0cddb7a4" providerId="LiveId" clId="{2704D1C1-7A4C-43B9-8791-2614C5C1E643}" dt="2021-08-20T16:27:54.770" v="1768" actId="12100"/>
         <pc:sldMkLst>
           <pc:docMk/>
           <pc:sldMk cId="3587248292" sldId="264"/>
@@ -1272,6 +1272,14 @@
             <ac:spMk id="34" creationId="{CC28BCC9-4093-4FD5-83EB-7EC297F51396}"/>
           </ac:spMkLst>
         </pc:spChg>
+        <pc:graphicFrameChg chg="mod">
+          <ac:chgData name="Elizabeth Gray" userId="2112a60c0cddb7a4" providerId="LiveId" clId="{2704D1C1-7A4C-43B9-8791-2614C5C1E643}" dt="2021-08-20T16:27:54.770" v="1768" actId="12100"/>
+          <ac:graphicFrameMkLst>
+            <pc:docMk/>
+            <pc:sldMk cId="3587248292" sldId="264"/>
+            <ac:graphicFrameMk id="20" creationId="{DBBD2311-C66F-486D-950C-75E71AB9F0FA}"/>
+          </ac:graphicFrameMkLst>
+        </pc:graphicFrameChg>
         <pc:picChg chg="mod">
           <ac:chgData name="Elizabeth Gray" userId="2112a60c0cddb7a4" providerId="LiveId" clId="{2704D1C1-7A4C-43B9-8791-2614C5C1E643}" dt="2021-08-19T00:21:32.853" v="227" actId="962"/>
           <ac:picMkLst>
@@ -1282,7 +1290,7 @@
         </pc:picChg>
       </pc:sldChg>
       <pc:sldChg chg="addSp delSp modSp mod">
-        <pc:chgData name="Elizabeth Gray" userId="2112a60c0cddb7a4" providerId="LiveId" clId="{2704D1C1-7A4C-43B9-8791-2614C5C1E643}" dt="2021-08-20T01:10:09.557" v="1347" actId="20577"/>
+        <pc:chgData name="Elizabeth Gray" userId="2112a60c0cddb7a4" providerId="LiveId" clId="{2704D1C1-7A4C-43B9-8791-2614C5C1E643}" dt="2021-08-20T16:28:25.595" v="1769" actId="12100"/>
         <pc:sldMkLst>
           <pc:docMk/>
           <pc:sldMk cId="3673445269" sldId="265"/>
@@ -1328,7 +1336,7 @@
           </ac:spMkLst>
         </pc:spChg>
         <pc:graphicFrameChg chg="mod">
-          <ac:chgData name="Elizabeth Gray" userId="2112a60c0cddb7a4" providerId="LiveId" clId="{2704D1C1-7A4C-43B9-8791-2614C5C1E643}" dt="2021-08-20T01:10:09.557" v="1347" actId="20577"/>
+          <ac:chgData name="Elizabeth Gray" userId="2112a60c0cddb7a4" providerId="LiveId" clId="{2704D1C1-7A4C-43B9-8791-2614C5C1E643}" dt="2021-08-20T16:28:25.595" v="1769" actId="12100"/>
           <ac:graphicFrameMkLst>
             <pc:docMk/>
             <pc:sldMk cId="3673445269" sldId="265"/>
@@ -1635,14 +1643,30 @@
           </ac:spMkLst>
         </pc:spChg>
       </pc:sldChg>
-      <pc:sldChg chg="modSp mod">
-        <pc:chgData name="Elizabeth Gray" userId="2112a60c0cddb7a4" providerId="LiveId" clId="{2704D1C1-7A4C-43B9-8791-2614C5C1E643}" dt="2021-08-20T01:41:25.159" v="1505" actId="20577"/>
+      <pc:sldChg chg="addSp delSp modSp mod modClrScheme chgLayout modNotesTx">
+        <pc:chgData name="Elizabeth Gray" userId="2112a60c0cddb7a4" providerId="LiveId" clId="{2704D1C1-7A4C-43B9-8791-2614C5C1E643}" dt="2021-08-20T14:15:19.635" v="1543" actId="20577"/>
         <pc:sldMkLst>
           <pc:docMk/>
           <pc:sldMk cId="2005506207" sldId="281"/>
         </pc:sldMkLst>
+        <pc:spChg chg="add del mod ord">
+          <ac:chgData name="Elizabeth Gray" userId="2112a60c0cddb7a4" providerId="LiveId" clId="{2704D1C1-7A4C-43B9-8791-2614C5C1E643}" dt="2021-08-20T14:15:02.985" v="1533" actId="700"/>
+          <ac:spMkLst>
+            <pc:docMk/>
+            <pc:sldMk cId="2005506207" sldId="281"/>
+            <ac:spMk id="2" creationId="{DFA6134A-FA0F-4DF0-B8E9-7D7DC4F0964D}"/>
+          </ac:spMkLst>
+        </pc:spChg>
+        <pc:spChg chg="add del mod ord">
+          <ac:chgData name="Elizabeth Gray" userId="2112a60c0cddb7a4" providerId="LiveId" clId="{2704D1C1-7A4C-43B9-8791-2614C5C1E643}" dt="2021-08-20T14:15:02.985" v="1533" actId="700"/>
+          <ac:spMkLst>
+            <pc:docMk/>
+            <pc:sldMk cId="2005506207" sldId="281"/>
+            <ac:spMk id="3" creationId="{88EA7768-A66D-4F3C-A468-4878F50567B6}"/>
+          </ac:spMkLst>
+        </pc:spChg>
         <pc:spChg chg="mod">
-          <ac:chgData name="Elizabeth Gray" userId="2112a60c0cddb7a4" providerId="LiveId" clId="{2704D1C1-7A4C-43B9-8791-2614C5C1E643}" dt="2021-08-20T01:41:25.159" v="1505" actId="20577"/>
+          <ac:chgData name="Elizabeth Gray" userId="2112a60c0cddb7a4" providerId="LiveId" clId="{2704D1C1-7A4C-43B9-8791-2614C5C1E643}" dt="2021-08-20T14:15:19.635" v="1543" actId="20577"/>
           <ac:spMkLst>
             <pc:docMk/>
             <pc:sldMk cId="2005506207" sldId="281"/>
@@ -1679,11 +1703,11 @@
 </file>
 
 <file path=ppt/diagrams/colors1.xml><?xml version="1.0" encoding="utf-8"?>
-<dgm:colorsDef xmlns:dgm="http://schemas.openxmlformats.org/drawingml/2006/diagram" xmlns:a="http://schemas.openxmlformats.org/drawingml/2006/main" uniqueId="urn:microsoft.com/office/officeart/2005/8/colors/colorful2">
+<dgm:colorsDef xmlns:dgm="http://schemas.openxmlformats.org/drawingml/2006/diagram" xmlns:a="http://schemas.openxmlformats.org/drawingml/2006/main" uniqueId="urn:microsoft.com/office/officeart/2005/8/colors/accent1_2">
   <dgm:title val=""/>
   <dgm:desc val=""/>
   <dgm:catLst>
-    <dgm:cat type="colorful" pri="10200"/>
+    <dgm:cat type="accent1" pri="11200"/>
   </dgm:catLst>
   <dgm:styleLbl name="node0">
     <dgm:fillClrLst meth="repeat">
@@ -1697,10 +1721,21 @@
     <dgm:txFillClrLst/>
     <dgm:txEffectClrLst/>
   </dgm:styleLbl>
+  <dgm:styleLbl name="alignNode1">
+    <dgm:fillClrLst meth="repeat">
+      <a:schemeClr val="accent1"/>
+    </dgm:fillClrLst>
+    <dgm:linClrLst meth="repeat">
+      <a:schemeClr val="accent1"/>
+    </dgm:linClrLst>
+    <dgm:effectClrLst/>
+    <dgm:txLinClrLst/>
+    <dgm:txFillClrLst/>
+    <dgm:txEffectClrLst/>
+  </dgm:styleLbl>
   <dgm:styleLbl name="node1">
-    <dgm:fillClrLst>
-      <a:schemeClr val="accent2"/>
-      <a:schemeClr val="accent3"/>
+    <dgm:fillClrLst meth="repeat">
+      <a:schemeClr val="accent1"/>
     </dgm:fillClrLst>
     <dgm:linClrLst meth="repeat">
       <a:schemeClr val="lt1"/>
@@ -1710,24 +1745,9 @@
     <dgm:txFillClrLst/>
     <dgm:txEffectClrLst/>
   </dgm:styleLbl>
-  <dgm:styleLbl name="alignNode1">
-    <dgm:fillClrLst>
-      <a:schemeClr val="accent2"/>
-      <a:schemeClr val="accent3"/>
-    </dgm:fillClrLst>
-    <dgm:linClrLst>
-      <a:schemeClr val="accent2"/>
-      <a:schemeClr val="accent3"/>
-    </dgm:linClrLst>
-    <dgm:effectClrLst/>
-    <dgm:txLinClrLst/>
-    <dgm:txFillClrLst/>
-    <dgm:txEffectClrLst/>
-  </dgm:styleLbl>
   <dgm:styleLbl name="lnNode1">
-    <dgm:fillClrLst>
-      <a:schemeClr val="accent2"/>
-      <a:schemeClr val="accent3"/>
+    <dgm:fillClrLst meth="repeat">
+      <a:schemeClr val="accent1"/>
     </dgm:fillClrLst>
     <dgm:linClrLst meth="repeat">
       <a:schemeClr val="lt1"/>
@@ -1738,11 +1758,8 @@
     <dgm:txEffectClrLst/>
   </dgm:styleLbl>
   <dgm:styleLbl name="vennNode1">
-    <dgm:fillClrLst>
-      <a:schemeClr val="accent2">
-        <a:alpha val="50000"/>
-      </a:schemeClr>
-      <a:schemeClr val="accent3">
+    <dgm:fillClrLst meth="repeat">
+      <a:schemeClr val="accent1">
         <a:alpha val="50000"/>
       </a:schemeClr>
     </dgm:fillClrLst>
@@ -1755,8 +1772,8 @@
     <dgm:txEffectClrLst/>
   </dgm:styleLbl>
   <dgm:styleLbl name="node2">
-    <dgm:fillClrLst>
-      <a:schemeClr val="accent3"/>
+    <dgm:fillClrLst meth="repeat">
+      <a:schemeClr val="accent1"/>
     </dgm:fillClrLst>
     <dgm:linClrLst meth="repeat">
       <a:schemeClr val="lt1"/>
@@ -1767,8 +1784,8 @@
     <dgm:txEffectClrLst/>
   </dgm:styleLbl>
   <dgm:styleLbl name="node3">
-    <dgm:fillClrLst>
-      <a:schemeClr val="accent4"/>
+    <dgm:fillClrLst meth="repeat">
+      <a:schemeClr val="accent1"/>
     </dgm:fillClrLst>
     <dgm:linClrLst meth="repeat">
       <a:schemeClr val="lt1"/>
@@ -1779,8 +1796,8 @@
     <dgm:txEffectClrLst/>
   </dgm:styleLbl>
   <dgm:styleLbl name="node4">
-    <dgm:fillClrLst>
-      <a:schemeClr val="accent5"/>
+    <dgm:fillClrLst meth="repeat">
+      <a:schemeClr val="accent1"/>
     </dgm:fillClrLst>
     <dgm:linClrLst meth="repeat">
       <a:schemeClr val="lt1"/>
@@ -1791,11 +1808,8 @@
     <dgm:txEffectClrLst/>
   </dgm:styleLbl>
   <dgm:styleLbl name="fgImgPlace1">
-    <dgm:fillClrLst>
-      <a:schemeClr val="accent2">
-        <a:tint val="50000"/>
-      </a:schemeClr>
-      <a:schemeClr val="accent3">
+    <dgm:fillClrLst meth="repeat">
+      <a:schemeClr val="accent1">
         <a:tint val="50000"/>
       </a:schemeClr>
     </dgm:fillClrLst>
@@ -1810,12 +1824,9 @@
     <dgm:txEffectClrLst/>
   </dgm:styleLbl>
   <dgm:styleLbl name="alignImgPlace1">
-    <dgm:fillClrLst>
-      <a:schemeClr val="accent2">
+    <dgm:fillClrLst meth="repeat">
+      <a:schemeClr val="accent1">
         <a:tint val="50000"/>
-      </a:schemeClr>
-      <a:schemeClr val="accent3">
-        <a:tint val="20000"/>
       </a:schemeClr>
     </dgm:fillClrLst>
     <dgm:linClrLst meth="repeat">
@@ -1829,12 +1840,9 @@
     <dgm:txEffectClrLst/>
   </dgm:styleLbl>
   <dgm:styleLbl name="bgImgPlace1">
-    <dgm:fillClrLst>
-      <a:schemeClr val="accent2">
+    <dgm:fillClrLst meth="repeat">
+      <a:schemeClr val="accent1">
         <a:tint val="50000"/>
-      </a:schemeClr>
-      <a:schemeClr val="accent3">
-        <a:tint val="20000"/>
       </a:schemeClr>
     </dgm:fillClrLst>
     <dgm:linClrLst meth="repeat">
@@ -1848,12 +1856,15 @@
     <dgm:txEffectClrLst/>
   </dgm:styleLbl>
   <dgm:styleLbl name="sibTrans2D1">
-    <dgm:fillClrLst>
-      <a:schemeClr val="accent2"/>
-      <a:schemeClr val="accent3"/>
+    <dgm:fillClrLst meth="repeat">
+      <a:schemeClr val="accent1">
+        <a:tint val="60000"/>
+      </a:schemeClr>
     </dgm:fillClrLst>
     <dgm:linClrLst meth="repeat">
-      <a:schemeClr val="lt1"/>
+      <a:schemeClr val="accent1">
+        <a:tint val="60000"/>
+      </a:schemeClr>
     </dgm:linClrLst>
     <dgm:effectClrLst/>
     <dgm:txLinClrLst/>
@@ -1861,40 +1872,43 @@
     <dgm:txEffectClrLst/>
   </dgm:styleLbl>
   <dgm:styleLbl name="fgSibTrans2D1">
-    <dgm:fillClrLst>
-      <a:schemeClr val="accent2"/>
-      <a:schemeClr val="accent3"/>
+    <dgm:fillClrLst meth="repeat">
+      <a:schemeClr val="accent1">
+        <a:tint val="60000"/>
+      </a:schemeClr>
     </dgm:fillClrLst>
     <dgm:linClrLst meth="repeat">
-      <a:schemeClr val="lt1"/>
+      <a:schemeClr val="accent1">
+        <a:tint val="60000"/>
+      </a:schemeClr>
     </dgm:linClrLst>
     <dgm:effectClrLst/>
     <dgm:txLinClrLst/>
-    <dgm:txFillClrLst meth="repeat">
-      <a:schemeClr val="lt1"/>
-    </dgm:txFillClrLst>
+    <dgm:txFillClrLst/>
     <dgm:txEffectClrLst/>
   </dgm:styleLbl>
   <dgm:styleLbl name="bgSibTrans2D1">
-    <dgm:fillClrLst>
-      <a:schemeClr val="accent2"/>
-      <a:schemeClr val="accent3"/>
+    <dgm:fillClrLst meth="repeat">
+      <a:schemeClr val="accent1">
+        <a:tint val="60000"/>
+      </a:schemeClr>
     </dgm:fillClrLst>
     <dgm:linClrLst meth="repeat">
-      <a:schemeClr val="lt1"/>
+      <a:schemeClr val="accent1">
+        <a:tint val="60000"/>
+      </a:schemeClr>
     </dgm:linClrLst>
     <dgm:effectClrLst/>
     <dgm:txLinClrLst/>
-    <dgm:txFillClrLst meth="repeat">
-      <a:schemeClr val="lt1"/>
-    </dgm:txFillClrLst>
+    <dgm:txFillClrLst/>
     <dgm:txEffectClrLst/>
   </dgm:styleLbl>
   <dgm:styleLbl name="sibTrans1D1">
-    <dgm:fillClrLst/>
-    <dgm:linClrLst>
-      <a:schemeClr val="accent2"/>
-      <a:schemeClr val="accent3"/>
+    <dgm:fillClrLst meth="repeat">
+      <a:schemeClr val="accent1"/>
+    </dgm:fillClrLst>
+    <dgm:linClrLst meth="repeat">
+      <a:schemeClr val="accent1"/>
     </dgm:linClrLst>
     <dgm:effectClrLst/>
     <dgm:txLinClrLst/>
@@ -1905,10 +1919,10 @@
   </dgm:styleLbl>
   <dgm:styleLbl name="callout">
     <dgm:fillClrLst meth="repeat">
-      <a:schemeClr val="accent2"/>
+      <a:schemeClr val="accent1"/>
     </dgm:fillClrLst>
     <dgm:linClrLst meth="repeat">
-      <a:schemeClr val="accent2">
+      <a:schemeClr val="accent1">
         <a:tint val="50000"/>
       </a:schemeClr>
     </dgm:linClrLst>
@@ -1921,35 +1935,7 @@
   </dgm:styleLbl>
   <dgm:styleLbl name="asst0">
     <dgm:fillClrLst meth="repeat">
-      <a:schemeClr val="accent2"/>
-    </dgm:fillClrLst>
-    <dgm:linClrLst meth="repeat">
-      <a:schemeClr val="lt1">
-        <a:shade val="80000"/>
-      </a:schemeClr>
-    </dgm:linClrLst>
-    <dgm:effectClrLst/>
-    <dgm:txLinClrLst/>
-    <dgm:txFillClrLst/>
-    <dgm:txEffectClrLst/>
-  </dgm:styleLbl>
-  <dgm:styleLbl name="asst1">
-    <dgm:fillClrLst meth="repeat">
-      <a:schemeClr val="accent3"/>
-    </dgm:fillClrLst>
-    <dgm:linClrLst meth="repeat">
-      <a:schemeClr val="lt1">
-        <a:shade val="80000"/>
-      </a:schemeClr>
-    </dgm:linClrLst>
-    <dgm:effectClrLst/>
-    <dgm:txLinClrLst/>
-    <dgm:txFillClrLst/>
-    <dgm:txEffectClrLst/>
-  </dgm:styleLbl>
-  <dgm:styleLbl name="asst2">
-    <dgm:fillClrLst>
-      <a:schemeClr val="accent4"/>
+      <a:schemeClr val="accent1"/>
     </dgm:fillClrLst>
     <dgm:linClrLst meth="repeat">
       <a:schemeClr val="lt1"/>
@@ -1959,9 +1945,9 @@
     <dgm:txFillClrLst/>
     <dgm:txEffectClrLst/>
   </dgm:styleLbl>
-  <dgm:styleLbl name="asst3">
-    <dgm:fillClrLst>
-      <a:schemeClr val="accent5"/>
+  <dgm:styleLbl name="asst1">
+    <dgm:fillClrLst meth="repeat">
+      <a:schemeClr val="accent1"/>
     </dgm:fillClrLst>
     <dgm:linClrLst meth="repeat">
       <a:schemeClr val="lt1"/>
@@ -1971,9 +1957,9 @@
     <dgm:txFillClrLst/>
     <dgm:txEffectClrLst/>
   </dgm:styleLbl>
-  <dgm:styleLbl name="asst4">
-    <dgm:fillClrLst>
-      <a:schemeClr val="accent6"/>
+  <dgm:styleLbl name="asst2">
+    <dgm:fillClrLst meth="repeat">
+      <a:schemeClr val="accent1"/>
     </dgm:fillClrLst>
     <dgm:linClrLst meth="repeat">
       <a:schemeClr val="lt1"/>
@@ -1983,23 +1969,9 @@
     <dgm:txFillClrLst/>
     <dgm:txEffectClrLst/>
   </dgm:styleLbl>
-  <dgm:styleLbl name="parChTrans2D1">
+  <dgm:styleLbl name="asst3">
     <dgm:fillClrLst meth="repeat">
-      <a:schemeClr val="accent2"/>
-    </dgm:fillClrLst>
-    <dgm:linClrLst meth="repeat">
-      <a:schemeClr val="lt1"/>
-    </dgm:linClrLst>
-    <dgm:effectClrLst/>
-    <dgm:txLinClrLst/>
-    <dgm:txFillClrLst meth="repeat">
-      <a:schemeClr val="lt1"/>
-    </dgm:txFillClrLst>
-    <dgm:txEffectClrLst/>
-  </dgm:styleLbl>
-  <dgm:styleLbl name="parChTrans2D2">
-    <dgm:fillClrLst meth="repeat">
-      <a:schemeClr val="accent3"/>
+      <a:schemeClr val="accent1"/>
     </dgm:fillClrLst>
     <dgm:linClrLst meth="repeat">
       <a:schemeClr val="lt1"/>
@@ -2009,9 +1981,9 @@
     <dgm:txFillClrLst/>
     <dgm:txEffectClrLst/>
   </dgm:styleLbl>
-  <dgm:styleLbl name="parChTrans2D3">
+  <dgm:styleLbl name="asst4">
     <dgm:fillClrLst meth="repeat">
-      <a:schemeClr val="accent4"/>
+      <a:schemeClr val="accent1"/>
     </dgm:fillClrLst>
     <dgm:linClrLst meth="repeat">
       <a:schemeClr val="lt1"/>
@@ -2021,12 +1993,16 @@
     <dgm:txFillClrLst/>
     <dgm:txEffectClrLst/>
   </dgm:styleLbl>
-  <dgm:styleLbl name="parChTrans2D4">
+  <dgm:styleLbl name="parChTrans2D1">
     <dgm:fillClrLst meth="repeat">
-      <a:schemeClr val="accent5"/>
+      <a:schemeClr val="accent1">
+        <a:tint val="60000"/>
+      </a:schemeClr>
     </dgm:fillClrLst>
     <dgm:linClrLst meth="repeat">
-      <a:schemeClr val="lt1"/>
+      <a:schemeClr val="accent1">
+        <a:tint val="60000"/>
+      </a:schemeClr>
     </dgm:linClrLst>
     <dgm:effectClrLst/>
     <dgm:txLinClrLst/>
@@ -2035,12 +2011,56 @@
     </dgm:txFillClrLst>
     <dgm:txEffectClrLst/>
   </dgm:styleLbl>
+  <dgm:styleLbl name="parChTrans2D2">
+    <dgm:fillClrLst meth="repeat">
+      <a:schemeClr val="accent1"/>
+    </dgm:fillClrLst>
+    <dgm:linClrLst meth="repeat">
+      <a:schemeClr val="accent1"/>
+    </dgm:linClrLst>
+    <dgm:effectClrLst/>
+    <dgm:txLinClrLst/>
+    <dgm:txFillClrLst meth="repeat">
+      <a:schemeClr val="lt1"/>
+    </dgm:txFillClrLst>
+    <dgm:txEffectClrLst/>
+  </dgm:styleLbl>
+  <dgm:styleLbl name="parChTrans2D3">
+    <dgm:fillClrLst meth="repeat">
+      <a:schemeClr val="accent1"/>
+    </dgm:fillClrLst>
+    <dgm:linClrLst meth="repeat">
+      <a:schemeClr val="accent1"/>
+    </dgm:linClrLst>
+    <dgm:effectClrLst/>
+    <dgm:txLinClrLst/>
+    <dgm:txFillClrLst meth="repeat">
+      <a:schemeClr val="lt1"/>
+    </dgm:txFillClrLst>
+    <dgm:txEffectClrLst/>
+  </dgm:styleLbl>
+  <dgm:styleLbl name="parChTrans2D4">
+    <dgm:fillClrLst meth="repeat">
+      <a:schemeClr val="accent1"/>
+    </dgm:fillClrLst>
+    <dgm:linClrLst meth="repeat">
+      <a:schemeClr val="accent1"/>
+    </dgm:linClrLst>
+    <dgm:effectClrLst/>
+    <dgm:txLinClrLst/>
+    <dgm:txFillClrLst meth="repeat">
+      <a:schemeClr val="lt1"/>
+    </dgm:txFillClrLst>
+    <dgm:txEffectClrLst/>
+  </dgm:styleLbl>
   <dgm:styleLbl name="parChTrans1D1">
     <dgm:fillClrLst meth="repeat">
-      <a:schemeClr val="accent2"/>
+      <a:schemeClr val="accent1"/>
     </dgm:fillClrLst>
     <dgm:linClrLst meth="repeat">
-      <a:schemeClr val="accent2"/>
+      <a:schemeClr val="accent1">
+        <a:shade val="60000"/>
+      </a:schemeClr>
     </dgm:linClrLst>
     <dgm:effectClrLst/>
     <dgm:txLinClrLst/>
@@ -2051,12 +2071,12 @@
   </dgm:styleLbl>
   <dgm:styleLbl name="parChTrans1D2">
     <dgm:fillClrLst meth="repeat">
-      <a:schemeClr val="accent2">
-        <a:tint val="90000"/>
-      </a:schemeClr>
+      <a:schemeClr val="accent1"/>
     </dgm:fillClrLst>
     <dgm:linClrLst meth="repeat">
-      <a:schemeClr val="accent3"/>
+      <a:schemeClr val="accent1">
+        <a:shade val="60000"/>
+      </a:schemeClr>
     </dgm:linClrLst>
     <dgm:effectClrLst/>
     <dgm:txLinClrLst/>
@@ -2067,12 +2087,12 @@
   </dgm:styleLbl>
   <dgm:styleLbl name="parChTrans1D3">
     <dgm:fillClrLst meth="repeat">
-      <a:schemeClr val="accent2">
-        <a:tint val="70000"/>
-      </a:schemeClr>
+      <a:schemeClr val="accent1"/>
     </dgm:fillClrLst>
     <dgm:linClrLst meth="repeat">
-      <a:schemeClr val="accent4"/>
+      <a:schemeClr val="accent1">
+        <a:shade val="80000"/>
+      </a:schemeClr>
     </dgm:linClrLst>
     <dgm:effectClrLst/>
     <dgm:txLinClrLst/>
@@ -2083,12 +2103,12 @@
   </dgm:styleLbl>
   <dgm:styleLbl name="parChTrans1D4">
     <dgm:fillClrLst meth="repeat">
-      <a:schemeClr val="accent2">
-        <a:tint val="50000"/>
-      </a:schemeClr>
+      <a:schemeClr val="accent1"/>
     </dgm:fillClrLst>
     <dgm:linClrLst meth="repeat">
-      <a:schemeClr val="accent5"/>
+      <a:schemeClr val="accent1">
+        <a:shade val="80000"/>
+      </a:schemeClr>
     </dgm:linClrLst>
     <dgm:effectClrLst/>
     <dgm:txLinClrLst/>
@@ -2103,9 +2123,8 @@
         <a:alpha val="90000"/>
       </a:schemeClr>
     </dgm:fillClrLst>
-    <dgm:linClrLst>
-      <a:schemeClr val="accent2"/>
-      <a:schemeClr val="accent3"/>
+    <dgm:linClrLst meth="repeat">
+      <a:schemeClr val="accent1"/>
     </dgm:linClrLst>
     <dgm:effectClrLst/>
     <dgm:txLinClrLst/>
@@ -2120,9 +2139,8 @@
         <a:alpha val="90000"/>
       </a:schemeClr>
     </dgm:fillClrLst>
-    <dgm:linClrLst>
-      <a:schemeClr val="accent2"/>
-      <a:schemeClr val="accent3"/>
+    <dgm:linClrLst meth="repeat">
+      <a:schemeClr val="accent1"/>
     </dgm:linClrLst>
     <dgm:effectClrLst/>
     <dgm:txLinClrLst/>
@@ -2137,9 +2155,8 @@
         <a:alpha val="90000"/>
       </a:schemeClr>
     </dgm:fillClrLst>
-    <dgm:linClrLst>
-      <a:schemeClr val="accent2"/>
-      <a:schemeClr val="accent3"/>
+    <dgm:linClrLst meth="repeat">
+      <a:schemeClr val="accent1"/>
     </dgm:linClrLst>
     <dgm:effectClrLst/>
     <dgm:txLinClrLst/>
@@ -2155,7 +2172,7 @@
       </a:schemeClr>
     </dgm:fillClrLst>
     <dgm:linClrLst meth="repeat">
-      <a:schemeClr val="accent2"/>
+      <a:schemeClr val="accent1"/>
     </dgm:linClrLst>
     <dgm:effectClrLst/>
     <dgm:txLinClrLst/>
@@ -2170,9 +2187,8 @@
         <a:alpha val="90000"/>
       </a:schemeClr>
     </dgm:fillClrLst>
-    <dgm:linClrLst>
-      <a:schemeClr val="accent2"/>
-      <a:schemeClr val="accent3"/>
+    <dgm:linClrLst meth="repeat">
+      <a:schemeClr val="accent1"/>
     </dgm:linClrLst>
     <dgm:effectClrLst/>
     <dgm:txLinClrLst/>
@@ -2185,9 +2201,8 @@
     <dgm:fillClrLst meth="repeat">
       <a:schemeClr val="lt1"/>
     </dgm:fillClrLst>
-    <dgm:linClrLst>
-      <a:schemeClr val="accent2"/>
-      <a:schemeClr val="accent3"/>
+    <dgm:linClrLst meth="repeat">
+      <a:schemeClr val="accent1"/>
     </dgm:linClrLst>
     <dgm:effectClrLst/>
     <dgm:txLinClrLst/>
@@ -2200,9 +2215,8 @@
     <dgm:fillClrLst meth="repeat">
       <a:schemeClr val="lt1"/>
     </dgm:fillClrLst>
-    <dgm:linClrLst>
-      <a:schemeClr val="accent2"/>
-      <a:schemeClr val="accent3"/>
+    <dgm:linClrLst meth="repeat">
+      <a:schemeClr val="accent1"/>
     </dgm:linClrLst>
     <dgm:effectClrLst/>
     <dgm:txLinClrLst/>
@@ -2215,9 +2229,8 @@
     <dgm:fillClrLst meth="repeat">
       <a:schemeClr val="lt1"/>
     </dgm:fillClrLst>
-    <dgm:linClrLst>
-      <a:schemeClr val="accent2"/>
-      <a:schemeClr val="accent3"/>
+    <dgm:linClrLst meth="repeat">
+      <a:schemeClr val="accent1"/>
     </dgm:linClrLst>
     <dgm:effectClrLst/>
     <dgm:txLinClrLst/>
@@ -2227,24 +2240,16 @@
     <dgm:txEffectClrLst/>
   </dgm:styleLbl>
   <dgm:styleLbl name="fgAccFollowNode1">
-    <dgm:fillClrLst>
-      <a:schemeClr val="accent2">
+    <dgm:fillClrLst meth="repeat">
+      <a:schemeClr val="accent1">
+        <a:alpha val="90000"/>
         <a:tint val="40000"/>
-        <a:alpha val="90000"/>
-      </a:schemeClr>
-      <a:schemeClr val="accent3">
-        <a:tint val="40000"/>
-        <a:alpha val="90000"/>
       </a:schemeClr>
     </dgm:fillClrLst>
-    <dgm:linClrLst>
-      <a:schemeClr val="accent2">
+    <dgm:linClrLst meth="repeat">
+      <a:schemeClr val="accent1">
+        <a:alpha val="90000"/>
         <a:tint val="40000"/>
-        <a:alpha val="90000"/>
-      </a:schemeClr>
-      <a:schemeClr val="accent3">
-        <a:tint val="40000"/>
-        <a:alpha val="90000"/>
       </a:schemeClr>
     </dgm:linClrLst>
     <dgm:effectClrLst/>
@@ -2255,24 +2260,16 @@
     <dgm:txEffectClrLst/>
   </dgm:styleLbl>
   <dgm:styleLbl name="alignAccFollowNode1">
-    <dgm:fillClrLst>
-      <a:schemeClr val="accent2">
+    <dgm:fillClrLst meth="repeat">
+      <a:schemeClr val="accent1">
+        <a:alpha val="90000"/>
         <a:tint val="40000"/>
-        <a:alpha val="90000"/>
-      </a:schemeClr>
-      <a:schemeClr val="accent3">
-        <a:tint val="40000"/>
-        <a:alpha val="90000"/>
       </a:schemeClr>
     </dgm:fillClrLst>
-    <dgm:linClrLst>
-      <a:schemeClr val="accent2">
+    <dgm:linClrLst meth="repeat">
+      <a:schemeClr val="accent1">
+        <a:alpha val="90000"/>
         <a:tint val="40000"/>
-        <a:alpha val="90000"/>
-      </a:schemeClr>
-      <a:schemeClr val="accent3">
-        <a:tint val="40000"/>
-        <a:alpha val="90000"/>
       </a:schemeClr>
     </dgm:linClrLst>
     <dgm:effectClrLst/>
@@ -2283,24 +2280,16 @@
     <dgm:txEffectClrLst/>
   </dgm:styleLbl>
   <dgm:styleLbl name="bgAccFollowNode1">
-    <dgm:fillClrLst>
-      <a:schemeClr val="accent2">
+    <dgm:fillClrLst meth="repeat">
+      <a:schemeClr val="accent1">
+        <a:alpha val="90000"/>
         <a:tint val="40000"/>
-        <a:alpha val="90000"/>
-      </a:schemeClr>
-      <a:schemeClr val="accent3">
-        <a:tint val="40000"/>
-        <a:alpha val="90000"/>
       </a:schemeClr>
     </dgm:fillClrLst>
-    <dgm:linClrLst>
-      <a:schemeClr val="accent2">
+    <dgm:linClrLst meth="repeat">
+      <a:schemeClr val="accent1">
+        <a:alpha val="90000"/>
         <a:tint val="40000"/>
-        <a:alpha val="90000"/>
-      </a:schemeClr>
-      <a:schemeClr val="accent3">
-        <a:tint val="40000"/>
-        <a:alpha val="90000"/>
       </a:schemeClr>
     </dgm:linClrLst>
     <dgm:effectClrLst/>
@@ -2316,7 +2305,7 @@
         <a:alpha val="90000"/>
       </a:schemeClr>
     </dgm:fillClrLst>
-    <dgm:linClrLst>
+    <dgm:linClrLst meth="repeat">
       <a:schemeClr val="accent1"/>
     </dgm:linClrLst>
     <dgm:effectClrLst/>
@@ -2332,8 +2321,8 @@
         <a:alpha val="90000"/>
       </a:schemeClr>
     </dgm:fillClrLst>
-    <dgm:linClrLst>
-      <a:schemeClr val="accent3"/>
+    <dgm:linClrLst meth="repeat">
+      <a:schemeClr val="accent1"/>
     </dgm:linClrLst>
     <dgm:effectClrLst/>
     <dgm:txLinClrLst/>
@@ -2348,8 +2337,8 @@
         <a:alpha val="90000"/>
       </a:schemeClr>
     </dgm:fillClrLst>
-    <dgm:linClrLst>
-      <a:schemeClr val="accent4"/>
+    <dgm:linClrLst meth="repeat">
+      <a:schemeClr val="accent1"/>
     </dgm:linClrLst>
     <dgm:effectClrLst/>
     <dgm:txLinClrLst/>
@@ -2364,8 +2353,8 @@
         <a:alpha val="90000"/>
       </a:schemeClr>
     </dgm:fillClrLst>
-    <dgm:linClrLst>
-      <a:schemeClr val="accent5"/>
+    <dgm:linClrLst meth="repeat">
+      <a:schemeClr val="accent1"/>
     </dgm:linClrLst>
     <dgm:effectClrLst/>
     <dgm:txLinClrLst/>
@@ -2376,12 +2365,12 @@
   </dgm:styleLbl>
   <dgm:styleLbl name="bgShp">
     <dgm:fillClrLst meth="repeat">
-      <a:schemeClr val="accent2">
+      <a:schemeClr val="accent1">
         <a:tint val="40000"/>
       </a:schemeClr>
     </dgm:fillClrLst>
     <dgm:linClrLst meth="repeat">
-      <a:schemeClr val="dk1"/>
+      <a:schemeClr val="accent1"/>
     </dgm:linClrLst>
     <dgm:effectClrLst/>
     <dgm:txLinClrLst/>
@@ -2392,12 +2381,12 @@
   </dgm:styleLbl>
   <dgm:styleLbl name="dkBgShp">
     <dgm:fillClrLst meth="repeat">
-      <a:schemeClr val="accent2">
-        <a:shade val="90000"/>
+      <a:schemeClr val="accent1">
+        <a:shade val="80000"/>
       </a:schemeClr>
     </dgm:fillClrLst>
     <dgm:linClrLst meth="repeat">
-      <a:schemeClr val="dk1"/>
+      <a:schemeClr val="accent1"/>
     </dgm:linClrLst>
     <dgm:effectClrLst/>
     <dgm:txLinClrLst/>
@@ -2408,13 +2397,13 @@
   </dgm:styleLbl>
   <dgm:styleLbl name="trBgShp">
     <dgm:fillClrLst meth="repeat">
-      <a:schemeClr val="accent2">
+      <a:schemeClr val="accent1">
         <a:tint val="50000"/>
         <a:alpha val="40000"/>
       </a:schemeClr>
     </dgm:fillClrLst>
     <dgm:linClrLst meth="repeat">
-      <a:schemeClr val="accent2"/>
+      <a:schemeClr val="accent1"/>
     </dgm:linClrLst>
     <dgm:effectClrLst/>
     <dgm:txLinClrLst/>
@@ -2425,8 +2414,8 @@
   </dgm:styleLbl>
   <dgm:styleLbl name="fgShp">
     <dgm:fillClrLst meth="repeat">
-      <a:schemeClr val="accent2">
-        <a:tint val="40000"/>
+      <a:schemeClr val="accent1">
+        <a:tint val="60000"/>
       </a:schemeClr>
     </dgm:fillClrLst>
     <dgm:linClrLst meth="repeat">
@@ -2461,789 +2450,7 @@
 </file>
 
 <file path=ppt/diagrams/colors2.xml><?xml version="1.0" encoding="utf-8"?>
-<dgm:colorsDef xmlns:dgm="http://schemas.openxmlformats.org/drawingml/2006/diagram" xmlns:a="http://schemas.openxmlformats.org/drawingml/2006/main" uniqueId="urn:microsoft.com/office/officeart/2005/8/colors/colorful2">
-  <dgm:title val=""/>
-  <dgm:desc val=""/>
-  <dgm:catLst>
-    <dgm:cat type="colorful" pri="10200"/>
-  </dgm:catLst>
-  <dgm:styleLbl name="node0">
-    <dgm:fillClrLst meth="repeat">
-      <a:schemeClr val="accent1"/>
-    </dgm:fillClrLst>
-    <dgm:linClrLst meth="repeat">
-      <a:schemeClr val="lt1"/>
-    </dgm:linClrLst>
-    <dgm:effectClrLst/>
-    <dgm:txLinClrLst/>
-    <dgm:txFillClrLst/>
-    <dgm:txEffectClrLst/>
-  </dgm:styleLbl>
-  <dgm:styleLbl name="node1">
-    <dgm:fillClrLst>
-      <a:schemeClr val="accent2"/>
-      <a:schemeClr val="accent3"/>
-    </dgm:fillClrLst>
-    <dgm:linClrLst meth="repeat">
-      <a:schemeClr val="lt1"/>
-    </dgm:linClrLst>
-    <dgm:effectClrLst/>
-    <dgm:txLinClrLst/>
-    <dgm:txFillClrLst/>
-    <dgm:txEffectClrLst/>
-  </dgm:styleLbl>
-  <dgm:styleLbl name="alignNode1">
-    <dgm:fillClrLst>
-      <a:schemeClr val="accent2"/>
-      <a:schemeClr val="accent3"/>
-    </dgm:fillClrLst>
-    <dgm:linClrLst>
-      <a:schemeClr val="accent2"/>
-      <a:schemeClr val="accent3"/>
-    </dgm:linClrLst>
-    <dgm:effectClrLst/>
-    <dgm:txLinClrLst/>
-    <dgm:txFillClrLst/>
-    <dgm:txEffectClrLst/>
-  </dgm:styleLbl>
-  <dgm:styleLbl name="lnNode1">
-    <dgm:fillClrLst>
-      <a:schemeClr val="accent2"/>
-      <a:schemeClr val="accent3"/>
-    </dgm:fillClrLst>
-    <dgm:linClrLst meth="repeat">
-      <a:schemeClr val="lt1"/>
-    </dgm:linClrLst>
-    <dgm:effectClrLst/>
-    <dgm:txLinClrLst/>
-    <dgm:txFillClrLst/>
-    <dgm:txEffectClrLst/>
-  </dgm:styleLbl>
-  <dgm:styleLbl name="vennNode1">
-    <dgm:fillClrLst>
-      <a:schemeClr val="accent2">
-        <a:alpha val="50000"/>
-      </a:schemeClr>
-      <a:schemeClr val="accent3">
-        <a:alpha val="50000"/>
-      </a:schemeClr>
-    </dgm:fillClrLst>
-    <dgm:linClrLst meth="repeat">
-      <a:schemeClr val="lt1"/>
-    </dgm:linClrLst>
-    <dgm:effectClrLst/>
-    <dgm:txLinClrLst/>
-    <dgm:txFillClrLst/>
-    <dgm:txEffectClrLst/>
-  </dgm:styleLbl>
-  <dgm:styleLbl name="node2">
-    <dgm:fillClrLst>
-      <a:schemeClr val="accent3"/>
-    </dgm:fillClrLst>
-    <dgm:linClrLst meth="repeat">
-      <a:schemeClr val="lt1"/>
-    </dgm:linClrLst>
-    <dgm:effectClrLst/>
-    <dgm:txLinClrLst/>
-    <dgm:txFillClrLst/>
-    <dgm:txEffectClrLst/>
-  </dgm:styleLbl>
-  <dgm:styleLbl name="node3">
-    <dgm:fillClrLst>
-      <a:schemeClr val="accent4"/>
-    </dgm:fillClrLst>
-    <dgm:linClrLst meth="repeat">
-      <a:schemeClr val="lt1"/>
-    </dgm:linClrLst>
-    <dgm:effectClrLst/>
-    <dgm:txLinClrLst/>
-    <dgm:txFillClrLst/>
-    <dgm:txEffectClrLst/>
-  </dgm:styleLbl>
-  <dgm:styleLbl name="node4">
-    <dgm:fillClrLst>
-      <a:schemeClr val="accent5"/>
-    </dgm:fillClrLst>
-    <dgm:linClrLst meth="repeat">
-      <a:schemeClr val="lt1"/>
-    </dgm:linClrLst>
-    <dgm:effectClrLst/>
-    <dgm:txLinClrLst/>
-    <dgm:txFillClrLst/>
-    <dgm:txEffectClrLst/>
-  </dgm:styleLbl>
-  <dgm:styleLbl name="fgImgPlace1">
-    <dgm:fillClrLst>
-      <a:schemeClr val="accent2">
-        <a:tint val="50000"/>
-      </a:schemeClr>
-      <a:schemeClr val="accent3">
-        <a:tint val="50000"/>
-      </a:schemeClr>
-    </dgm:fillClrLst>
-    <dgm:linClrLst meth="repeat">
-      <a:schemeClr val="lt1"/>
-    </dgm:linClrLst>
-    <dgm:effectClrLst/>
-    <dgm:txLinClrLst/>
-    <dgm:txFillClrLst meth="repeat">
-      <a:schemeClr val="lt1"/>
-    </dgm:txFillClrLst>
-    <dgm:txEffectClrLst/>
-  </dgm:styleLbl>
-  <dgm:styleLbl name="alignImgPlace1">
-    <dgm:fillClrLst>
-      <a:schemeClr val="accent2">
-        <a:tint val="50000"/>
-      </a:schemeClr>
-      <a:schemeClr val="accent3">
-        <a:tint val="20000"/>
-      </a:schemeClr>
-    </dgm:fillClrLst>
-    <dgm:linClrLst meth="repeat">
-      <a:schemeClr val="lt1"/>
-    </dgm:linClrLst>
-    <dgm:effectClrLst/>
-    <dgm:txLinClrLst/>
-    <dgm:txFillClrLst meth="repeat">
-      <a:schemeClr val="lt1"/>
-    </dgm:txFillClrLst>
-    <dgm:txEffectClrLst/>
-  </dgm:styleLbl>
-  <dgm:styleLbl name="bgImgPlace1">
-    <dgm:fillClrLst>
-      <a:schemeClr val="accent2">
-        <a:tint val="50000"/>
-      </a:schemeClr>
-      <a:schemeClr val="accent3">
-        <a:tint val="20000"/>
-      </a:schemeClr>
-    </dgm:fillClrLst>
-    <dgm:linClrLst meth="repeat">
-      <a:schemeClr val="lt1"/>
-    </dgm:linClrLst>
-    <dgm:effectClrLst/>
-    <dgm:txLinClrLst/>
-    <dgm:txFillClrLst meth="repeat">
-      <a:schemeClr val="lt1"/>
-    </dgm:txFillClrLst>
-    <dgm:txEffectClrLst/>
-  </dgm:styleLbl>
-  <dgm:styleLbl name="sibTrans2D1">
-    <dgm:fillClrLst>
-      <a:schemeClr val="accent2"/>
-      <a:schemeClr val="accent3"/>
-    </dgm:fillClrLst>
-    <dgm:linClrLst meth="repeat">
-      <a:schemeClr val="lt1"/>
-    </dgm:linClrLst>
-    <dgm:effectClrLst/>
-    <dgm:txLinClrLst/>
-    <dgm:txFillClrLst/>
-    <dgm:txEffectClrLst/>
-  </dgm:styleLbl>
-  <dgm:styleLbl name="fgSibTrans2D1">
-    <dgm:fillClrLst>
-      <a:schemeClr val="accent2"/>
-      <a:schemeClr val="accent3"/>
-    </dgm:fillClrLst>
-    <dgm:linClrLst meth="repeat">
-      <a:schemeClr val="lt1"/>
-    </dgm:linClrLst>
-    <dgm:effectClrLst/>
-    <dgm:txLinClrLst/>
-    <dgm:txFillClrLst meth="repeat">
-      <a:schemeClr val="lt1"/>
-    </dgm:txFillClrLst>
-    <dgm:txEffectClrLst/>
-  </dgm:styleLbl>
-  <dgm:styleLbl name="bgSibTrans2D1">
-    <dgm:fillClrLst>
-      <a:schemeClr val="accent2"/>
-      <a:schemeClr val="accent3"/>
-    </dgm:fillClrLst>
-    <dgm:linClrLst meth="repeat">
-      <a:schemeClr val="lt1"/>
-    </dgm:linClrLst>
-    <dgm:effectClrLst/>
-    <dgm:txLinClrLst/>
-    <dgm:txFillClrLst meth="repeat">
-      <a:schemeClr val="lt1"/>
-    </dgm:txFillClrLst>
-    <dgm:txEffectClrLst/>
-  </dgm:styleLbl>
-  <dgm:styleLbl name="sibTrans1D1">
-    <dgm:fillClrLst/>
-    <dgm:linClrLst>
-      <a:schemeClr val="accent2"/>
-      <a:schemeClr val="accent3"/>
-    </dgm:linClrLst>
-    <dgm:effectClrLst/>
-    <dgm:txLinClrLst/>
-    <dgm:txFillClrLst meth="repeat">
-      <a:schemeClr val="tx1"/>
-    </dgm:txFillClrLst>
-    <dgm:txEffectClrLst/>
-  </dgm:styleLbl>
-  <dgm:styleLbl name="callout">
-    <dgm:fillClrLst meth="repeat">
-      <a:schemeClr val="accent2"/>
-    </dgm:fillClrLst>
-    <dgm:linClrLst meth="repeat">
-      <a:schemeClr val="accent2">
-        <a:tint val="50000"/>
-      </a:schemeClr>
-    </dgm:linClrLst>
-    <dgm:effectClrLst/>
-    <dgm:txLinClrLst/>
-    <dgm:txFillClrLst meth="repeat">
-      <a:schemeClr val="tx1"/>
-    </dgm:txFillClrLst>
-    <dgm:txEffectClrLst/>
-  </dgm:styleLbl>
-  <dgm:styleLbl name="asst0">
-    <dgm:fillClrLst meth="repeat">
-      <a:schemeClr val="accent2"/>
-    </dgm:fillClrLst>
-    <dgm:linClrLst meth="repeat">
-      <a:schemeClr val="lt1">
-        <a:shade val="80000"/>
-      </a:schemeClr>
-    </dgm:linClrLst>
-    <dgm:effectClrLst/>
-    <dgm:txLinClrLst/>
-    <dgm:txFillClrLst/>
-    <dgm:txEffectClrLst/>
-  </dgm:styleLbl>
-  <dgm:styleLbl name="asst1">
-    <dgm:fillClrLst meth="repeat">
-      <a:schemeClr val="accent3"/>
-    </dgm:fillClrLst>
-    <dgm:linClrLst meth="repeat">
-      <a:schemeClr val="lt1">
-        <a:shade val="80000"/>
-      </a:schemeClr>
-    </dgm:linClrLst>
-    <dgm:effectClrLst/>
-    <dgm:txLinClrLst/>
-    <dgm:txFillClrLst/>
-    <dgm:txEffectClrLst/>
-  </dgm:styleLbl>
-  <dgm:styleLbl name="asst2">
-    <dgm:fillClrLst>
-      <a:schemeClr val="accent4"/>
-    </dgm:fillClrLst>
-    <dgm:linClrLst meth="repeat">
-      <a:schemeClr val="lt1"/>
-    </dgm:linClrLst>
-    <dgm:effectClrLst/>
-    <dgm:txLinClrLst/>
-    <dgm:txFillClrLst/>
-    <dgm:txEffectClrLst/>
-  </dgm:styleLbl>
-  <dgm:styleLbl name="asst3">
-    <dgm:fillClrLst>
-      <a:schemeClr val="accent5"/>
-    </dgm:fillClrLst>
-    <dgm:linClrLst meth="repeat">
-      <a:schemeClr val="lt1"/>
-    </dgm:linClrLst>
-    <dgm:effectClrLst/>
-    <dgm:txLinClrLst/>
-    <dgm:txFillClrLst/>
-    <dgm:txEffectClrLst/>
-  </dgm:styleLbl>
-  <dgm:styleLbl name="asst4">
-    <dgm:fillClrLst>
-      <a:schemeClr val="accent6"/>
-    </dgm:fillClrLst>
-    <dgm:linClrLst meth="repeat">
-      <a:schemeClr val="lt1"/>
-    </dgm:linClrLst>
-    <dgm:effectClrLst/>
-    <dgm:txLinClrLst/>
-    <dgm:txFillClrLst/>
-    <dgm:txEffectClrLst/>
-  </dgm:styleLbl>
-  <dgm:styleLbl name="parChTrans2D1">
-    <dgm:fillClrLst meth="repeat">
-      <a:schemeClr val="accent2"/>
-    </dgm:fillClrLst>
-    <dgm:linClrLst meth="repeat">
-      <a:schemeClr val="lt1"/>
-    </dgm:linClrLst>
-    <dgm:effectClrLst/>
-    <dgm:txLinClrLst/>
-    <dgm:txFillClrLst meth="repeat">
-      <a:schemeClr val="lt1"/>
-    </dgm:txFillClrLst>
-    <dgm:txEffectClrLst/>
-  </dgm:styleLbl>
-  <dgm:styleLbl name="parChTrans2D2">
-    <dgm:fillClrLst meth="repeat">
-      <a:schemeClr val="accent3"/>
-    </dgm:fillClrLst>
-    <dgm:linClrLst meth="repeat">
-      <a:schemeClr val="lt1"/>
-    </dgm:linClrLst>
-    <dgm:effectClrLst/>
-    <dgm:txLinClrLst/>
-    <dgm:txFillClrLst/>
-    <dgm:txEffectClrLst/>
-  </dgm:styleLbl>
-  <dgm:styleLbl name="parChTrans2D3">
-    <dgm:fillClrLst meth="repeat">
-      <a:schemeClr val="accent4"/>
-    </dgm:fillClrLst>
-    <dgm:linClrLst meth="repeat">
-      <a:schemeClr val="lt1"/>
-    </dgm:linClrLst>
-    <dgm:effectClrLst/>
-    <dgm:txLinClrLst/>
-    <dgm:txFillClrLst/>
-    <dgm:txEffectClrLst/>
-  </dgm:styleLbl>
-  <dgm:styleLbl name="parChTrans2D4">
-    <dgm:fillClrLst meth="repeat">
-      <a:schemeClr val="accent5"/>
-    </dgm:fillClrLst>
-    <dgm:linClrLst meth="repeat">
-      <a:schemeClr val="lt1"/>
-    </dgm:linClrLst>
-    <dgm:effectClrLst/>
-    <dgm:txLinClrLst/>
-    <dgm:txFillClrLst meth="repeat">
-      <a:schemeClr val="lt1"/>
-    </dgm:txFillClrLst>
-    <dgm:txEffectClrLst/>
-  </dgm:styleLbl>
-  <dgm:styleLbl name="parChTrans1D1">
-    <dgm:fillClrLst meth="repeat">
-      <a:schemeClr val="accent2"/>
-    </dgm:fillClrLst>
-    <dgm:linClrLst meth="repeat">
-      <a:schemeClr val="accent2"/>
-    </dgm:linClrLst>
-    <dgm:effectClrLst/>
-    <dgm:txLinClrLst/>
-    <dgm:txFillClrLst meth="repeat">
-      <a:schemeClr val="tx1"/>
-    </dgm:txFillClrLst>
-    <dgm:txEffectClrLst/>
-  </dgm:styleLbl>
-  <dgm:styleLbl name="parChTrans1D2">
-    <dgm:fillClrLst meth="repeat">
-      <a:schemeClr val="accent2">
-        <a:tint val="90000"/>
-      </a:schemeClr>
-    </dgm:fillClrLst>
-    <dgm:linClrLst meth="repeat">
-      <a:schemeClr val="accent3"/>
-    </dgm:linClrLst>
-    <dgm:effectClrLst/>
-    <dgm:txLinClrLst/>
-    <dgm:txFillClrLst meth="repeat">
-      <a:schemeClr val="tx1"/>
-    </dgm:txFillClrLst>
-    <dgm:txEffectClrLst/>
-  </dgm:styleLbl>
-  <dgm:styleLbl name="parChTrans1D3">
-    <dgm:fillClrLst meth="repeat">
-      <a:schemeClr val="accent2">
-        <a:tint val="70000"/>
-      </a:schemeClr>
-    </dgm:fillClrLst>
-    <dgm:linClrLst meth="repeat">
-      <a:schemeClr val="accent4"/>
-    </dgm:linClrLst>
-    <dgm:effectClrLst/>
-    <dgm:txLinClrLst/>
-    <dgm:txFillClrLst meth="repeat">
-      <a:schemeClr val="tx1"/>
-    </dgm:txFillClrLst>
-    <dgm:txEffectClrLst/>
-  </dgm:styleLbl>
-  <dgm:styleLbl name="parChTrans1D4">
-    <dgm:fillClrLst meth="repeat">
-      <a:schemeClr val="accent2">
-        <a:tint val="50000"/>
-      </a:schemeClr>
-    </dgm:fillClrLst>
-    <dgm:linClrLst meth="repeat">
-      <a:schemeClr val="accent5"/>
-    </dgm:linClrLst>
-    <dgm:effectClrLst/>
-    <dgm:txLinClrLst/>
-    <dgm:txFillClrLst meth="repeat">
-      <a:schemeClr val="tx1"/>
-    </dgm:txFillClrLst>
-    <dgm:txEffectClrLst/>
-  </dgm:styleLbl>
-  <dgm:styleLbl name="fgAcc1">
-    <dgm:fillClrLst meth="repeat">
-      <a:schemeClr val="lt1">
-        <a:alpha val="90000"/>
-      </a:schemeClr>
-    </dgm:fillClrLst>
-    <dgm:linClrLst>
-      <a:schemeClr val="accent2"/>
-      <a:schemeClr val="accent3"/>
-    </dgm:linClrLst>
-    <dgm:effectClrLst/>
-    <dgm:txLinClrLst/>
-    <dgm:txFillClrLst meth="repeat">
-      <a:schemeClr val="dk1"/>
-    </dgm:txFillClrLst>
-    <dgm:txEffectClrLst/>
-  </dgm:styleLbl>
-  <dgm:styleLbl name="conFgAcc1">
-    <dgm:fillClrLst meth="repeat">
-      <a:schemeClr val="lt1">
-        <a:alpha val="90000"/>
-      </a:schemeClr>
-    </dgm:fillClrLst>
-    <dgm:linClrLst>
-      <a:schemeClr val="accent2"/>
-      <a:schemeClr val="accent3"/>
-    </dgm:linClrLst>
-    <dgm:effectClrLst/>
-    <dgm:txLinClrLst/>
-    <dgm:txFillClrLst meth="repeat">
-      <a:schemeClr val="dk1"/>
-    </dgm:txFillClrLst>
-    <dgm:txEffectClrLst/>
-  </dgm:styleLbl>
-  <dgm:styleLbl name="alignAcc1">
-    <dgm:fillClrLst meth="repeat">
-      <a:schemeClr val="lt1">
-        <a:alpha val="90000"/>
-      </a:schemeClr>
-    </dgm:fillClrLst>
-    <dgm:linClrLst>
-      <a:schemeClr val="accent2"/>
-      <a:schemeClr val="accent3"/>
-    </dgm:linClrLst>
-    <dgm:effectClrLst/>
-    <dgm:txLinClrLst/>
-    <dgm:txFillClrLst meth="repeat">
-      <a:schemeClr val="dk1"/>
-    </dgm:txFillClrLst>
-    <dgm:txEffectClrLst/>
-  </dgm:styleLbl>
-  <dgm:styleLbl name="trAlignAcc1">
-    <dgm:fillClrLst meth="repeat">
-      <a:schemeClr val="lt1">
-        <a:alpha val="40000"/>
-      </a:schemeClr>
-    </dgm:fillClrLst>
-    <dgm:linClrLst meth="repeat">
-      <a:schemeClr val="accent2"/>
-    </dgm:linClrLst>
-    <dgm:effectClrLst/>
-    <dgm:txLinClrLst/>
-    <dgm:txFillClrLst meth="repeat">
-      <a:schemeClr val="dk1"/>
-    </dgm:txFillClrLst>
-    <dgm:txEffectClrLst/>
-  </dgm:styleLbl>
-  <dgm:styleLbl name="bgAcc1">
-    <dgm:fillClrLst meth="repeat">
-      <a:schemeClr val="lt1">
-        <a:alpha val="90000"/>
-      </a:schemeClr>
-    </dgm:fillClrLst>
-    <dgm:linClrLst>
-      <a:schemeClr val="accent2"/>
-      <a:schemeClr val="accent3"/>
-    </dgm:linClrLst>
-    <dgm:effectClrLst/>
-    <dgm:txLinClrLst/>
-    <dgm:txFillClrLst meth="repeat">
-      <a:schemeClr val="dk1"/>
-    </dgm:txFillClrLst>
-    <dgm:txEffectClrLst/>
-  </dgm:styleLbl>
-  <dgm:styleLbl name="solidFgAcc1">
-    <dgm:fillClrLst meth="repeat">
-      <a:schemeClr val="lt1"/>
-    </dgm:fillClrLst>
-    <dgm:linClrLst>
-      <a:schemeClr val="accent2"/>
-      <a:schemeClr val="accent3"/>
-    </dgm:linClrLst>
-    <dgm:effectClrLst/>
-    <dgm:txLinClrLst/>
-    <dgm:txFillClrLst meth="repeat">
-      <a:schemeClr val="dk1"/>
-    </dgm:txFillClrLst>
-    <dgm:txEffectClrLst/>
-  </dgm:styleLbl>
-  <dgm:styleLbl name="solidAlignAcc1">
-    <dgm:fillClrLst meth="repeat">
-      <a:schemeClr val="lt1"/>
-    </dgm:fillClrLst>
-    <dgm:linClrLst>
-      <a:schemeClr val="accent2"/>
-      <a:schemeClr val="accent3"/>
-    </dgm:linClrLst>
-    <dgm:effectClrLst/>
-    <dgm:txLinClrLst/>
-    <dgm:txFillClrLst meth="repeat">
-      <a:schemeClr val="dk1"/>
-    </dgm:txFillClrLst>
-    <dgm:txEffectClrLst/>
-  </dgm:styleLbl>
-  <dgm:styleLbl name="solidBgAcc1">
-    <dgm:fillClrLst meth="repeat">
-      <a:schemeClr val="lt1"/>
-    </dgm:fillClrLst>
-    <dgm:linClrLst>
-      <a:schemeClr val="accent2"/>
-      <a:schemeClr val="accent3"/>
-    </dgm:linClrLst>
-    <dgm:effectClrLst/>
-    <dgm:txLinClrLst/>
-    <dgm:txFillClrLst meth="repeat">
-      <a:schemeClr val="dk1"/>
-    </dgm:txFillClrLst>
-    <dgm:txEffectClrLst/>
-  </dgm:styleLbl>
-  <dgm:styleLbl name="fgAccFollowNode1">
-    <dgm:fillClrLst>
-      <a:schemeClr val="accent2">
-        <a:tint val="40000"/>
-        <a:alpha val="90000"/>
-      </a:schemeClr>
-      <a:schemeClr val="accent3">
-        <a:tint val="40000"/>
-        <a:alpha val="90000"/>
-      </a:schemeClr>
-    </dgm:fillClrLst>
-    <dgm:linClrLst>
-      <a:schemeClr val="accent2">
-        <a:tint val="40000"/>
-        <a:alpha val="90000"/>
-      </a:schemeClr>
-      <a:schemeClr val="accent3">
-        <a:tint val="40000"/>
-        <a:alpha val="90000"/>
-      </a:schemeClr>
-    </dgm:linClrLst>
-    <dgm:effectClrLst/>
-    <dgm:txLinClrLst/>
-    <dgm:txFillClrLst meth="repeat">
-      <a:schemeClr val="dk1"/>
-    </dgm:txFillClrLst>
-    <dgm:txEffectClrLst/>
-  </dgm:styleLbl>
-  <dgm:styleLbl name="alignAccFollowNode1">
-    <dgm:fillClrLst>
-      <a:schemeClr val="accent2">
-        <a:tint val="40000"/>
-        <a:alpha val="90000"/>
-      </a:schemeClr>
-      <a:schemeClr val="accent3">
-        <a:tint val="40000"/>
-        <a:alpha val="90000"/>
-      </a:schemeClr>
-    </dgm:fillClrLst>
-    <dgm:linClrLst>
-      <a:schemeClr val="accent2">
-        <a:tint val="40000"/>
-        <a:alpha val="90000"/>
-      </a:schemeClr>
-      <a:schemeClr val="accent3">
-        <a:tint val="40000"/>
-        <a:alpha val="90000"/>
-      </a:schemeClr>
-    </dgm:linClrLst>
-    <dgm:effectClrLst/>
-    <dgm:txLinClrLst/>
-    <dgm:txFillClrLst meth="repeat">
-      <a:schemeClr val="dk1"/>
-    </dgm:txFillClrLst>
-    <dgm:txEffectClrLst/>
-  </dgm:styleLbl>
-  <dgm:styleLbl name="bgAccFollowNode1">
-    <dgm:fillClrLst>
-      <a:schemeClr val="accent2">
-        <a:tint val="40000"/>
-        <a:alpha val="90000"/>
-      </a:schemeClr>
-      <a:schemeClr val="accent3">
-        <a:tint val="40000"/>
-        <a:alpha val="90000"/>
-      </a:schemeClr>
-    </dgm:fillClrLst>
-    <dgm:linClrLst>
-      <a:schemeClr val="accent2">
-        <a:tint val="40000"/>
-        <a:alpha val="90000"/>
-      </a:schemeClr>
-      <a:schemeClr val="accent3">
-        <a:tint val="40000"/>
-        <a:alpha val="90000"/>
-      </a:schemeClr>
-    </dgm:linClrLst>
-    <dgm:effectClrLst/>
-    <dgm:txLinClrLst/>
-    <dgm:txFillClrLst meth="repeat">
-      <a:schemeClr val="dk1"/>
-    </dgm:txFillClrLst>
-    <dgm:txEffectClrLst/>
-  </dgm:styleLbl>
-  <dgm:styleLbl name="fgAcc0">
-    <dgm:fillClrLst meth="repeat">
-      <a:schemeClr val="lt1">
-        <a:alpha val="90000"/>
-      </a:schemeClr>
-    </dgm:fillClrLst>
-    <dgm:linClrLst>
-      <a:schemeClr val="accent1"/>
-    </dgm:linClrLst>
-    <dgm:effectClrLst/>
-    <dgm:txLinClrLst/>
-    <dgm:txFillClrLst meth="repeat">
-      <a:schemeClr val="dk1"/>
-    </dgm:txFillClrLst>
-    <dgm:txEffectClrLst/>
-  </dgm:styleLbl>
-  <dgm:styleLbl name="fgAcc2">
-    <dgm:fillClrLst meth="repeat">
-      <a:schemeClr val="lt1">
-        <a:alpha val="90000"/>
-      </a:schemeClr>
-    </dgm:fillClrLst>
-    <dgm:linClrLst>
-      <a:schemeClr val="accent3"/>
-    </dgm:linClrLst>
-    <dgm:effectClrLst/>
-    <dgm:txLinClrLst/>
-    <dgm:txFillClrLst meth="repeat">
-      <a:schemeClr val="dk1"/>
-    </dgm:txFillClrLst>
-    <dgm:txEffectClrLst/>
-  </dgm:styleLbl>
-  <dgm:styleLbl name="fgAcc3">
-    <dgm:fillClrLst meth="repeat">
-      <a:schemeClr val="lt1">
-        <a:alpha val="90000"/>
-      </a:schemeClr>
-    </dgm:fillClrLst>
-    <dgm:linClrLst>
-      <a:schemeClr val="accent4"/>
-    </dgm:linClrLst>
-    <dgm:effectClrLst/>
-    <dgm:txLinClrLst/>
-    <dgm:txFillClrLst meth="repeat">
-      <a:schemeClr val="dk1"/>
-    </dgm:txFillClrLst>
-    <dgm:txEffectClrLst/>
-  </dgm:styleLbl>
-  <dgm:styleLbl name="fgAcc4">
-    <dgm:fillClrLst meth="repeat">
-      <a:schemeClr val="lt1">
-        <a:alpha val="90000"/>
-      </a:schemeClr>
-    </dgm:fillClrLst>
-    <dgm:linClrLst>
-      <a:schemeClr val="accent5"/>
-    </dgm:linClrLst>
-    <dgm:effectClrLst/>
-    <dgm:txLinClrLst/>
-    <dgm:txFillClrLst meth="repeat">
-      <a:schemeClr val="dk1"/>
-    </dgm:txFillClrLst>
-    <dgm:txEffectClrLst/>
-  </dgm:styleLbl>
-  <dgm:styleLbl name="bgShp">
-    <dgm:fillClrLst meth="repeat">
-      <a:schemeClr val="accent2">
-        <a:tint val="40000"/>
-      </a:schemeClr>
-    </dgm:fillClrLst>
-    <dgm:linClrLst meth="repeat">
-      <a:schemeClr val="dk1"/>
-    </dgm:linClrLst>
-    <dgm:effectClrLst/>
-    <dgm:txLinClrLst/>
-    <dgm:txFillClrLst meth="repeat">
-      <a:schemeClr val="dk1"/>
-    </dgm:txFillClrLst>
-    <dgm:txEffectClrLst/>
-  </dgm:styleLbl>
-  <dgm:styleLbl name="dkBgShp">
-    <dgm:fillClrLst meth="repeat">
-      <a:schemeClr val="accent2">
-        <a:shade val="90000"/>
-      </a:schemeClr>
-    </dgm:fillClrLst>
-    <dgm:linClrLst meth="repeat">
-      <a:schemeClr val="dk1"/>
-    </dgm:linClrLst>
-    <dgm:effectClrLst/>
-    <dgm:txLinClrLst/>
-    <dgm:txFillClrLst meth="repeat">
-      <a:schemeClr val="lt1"/>
-    </dgm:txFillClrLst>
-    <dgm:txEffectClrLst/>
-  </dgm:styleLbl>
-  <dgm:styleLbl name="trBgShp">
-    <dgm:fillClrLst meth="repeat">
-      <a:schemeClr val="accent2">
-        <a:tint val="50000"/>
-        <a:alpha val="40000"/>
-      </a:schemeClr>
-    </dgm:fillClrLst>
-    <dgm:linClrLst meth="repeat">
-      <a:schemeClr val="accent2"/>
-    </dgm:linClrLst>
-    <dgm:effectClrLst/>
-    <dgm:txLinClrLst/>
-    <dgm:txFillClrLst meth="repeat">
-      <a:schemeClr val="lt1"/>
-    </dgm:txFillClrLst>
-    <dgm:txEffectClrLst/>
-  </dgm:styleLbl>
-  <dgm:styleLbl name="fgShp">
-    <dgm:fillClrLst meth="repeat">
-      <a:schemeClr val="accent2">
-        <a:tint val="40000"/>
-      </a:schemeClr>
-    </dgm:fillClrLst>
-    <dgm:linClrLst meth="repeat">
-      <a:schemeClr val="lt1"/>
-    </dgm:linClrLst>
-    <dgm:effectClrLst/>
-    <dgm:txLinClrLst/>
-    <dgm:txFillClrLst meth="repeat">
-      <a:schemeClr val="dk1"/>
-    </dgm:txFillClrLst>
-    <dgm:txEffectClrLst/>
-  </dgm:styleLbl>
-  <dgm:styleLbl name="revTx">
-    <dgm:fillClrLst meth="repeat">
-      <a:schemeClr val="lt1">
-        <a:alpha val="0"/>
-      </a:schemeClr>
-    </dgm:fillClrLst>
-    <dgm:linClrLst meth="repeat">
-      <a:schemeClr val="dk1">
-        <a:alpha val="0"/>
-      </a:schemeClr>
-    </dgm:linClrLst>
-    <dgm:effectClrLst/>
-    <dgm:txLinClrLst/>
-    <dgm:txFillClrLst meth="repeat">
-      <a:schemeClr val="tx1"/>
-    </dgm:txFillClrLst>
-    <dgm:txEffectClrLst/>
-  </dgm:styleLbl>
-</dgm:colorsDef>
-</file>
-
-<file path=ppt/diagrams/colors3.xml><?xml version="1.0" encoding="utf-8"?>
-<dgm:colorsDef xmlns:dgm="http://schemas.openxmlformats.org/drawingml/2006/diagram" xmlns:a="http://schemas.openxmlformats.org/drawingml/2006/main" uniqueId="urn:microsoft.com/office/officeart/2018/5/colors/Iconchunking_neutralbg_colorful1">
+<dgm:colorsDef xmlns:dgm="http://schemas.openxmlformats.org/drawingml/2006/diagram" xmlns:a="http://schemas.openxmlformats.org/drawingml/2006/main" uniqueId="urn:microsoft.com/office/officeart/2005/8/colors/colorful1">
   <dgm:title val=""/>
   <dgm:desc val=""/>
   <dgm:catLst>
@@ -3270,9 +2477,7 @@
       <a:schemeClr val="accent6"/>
     </dgm:fillClrLst>
     <dgm:linClrLst meth="repeat">
-      <a:schemeClr val="lt1">
-        <a:alpha val="0"/>
-      </a:schemeClr>
+      <a:schemeClr val="lt1"/>
     </dgm:linClrLst>
     <dgm:effectClrLst/>
     <dgm:txLinClrLst/>
@@ -4079,6 +3284,927 @@
   </dgm:styleLbl>
   <dgm:styleLbl name="bgShp">
     <dgm:fillClrLst meth="repeat">
+      <a:schemeClr val="accent2">
+        <a:tint val="40000"/>
+      </a:schemeClr>
+    </dgm:fillClrLst>
+    <dgm:linClrLst meth="repeat">
+      <a:schemeClr val="dk1"/>
+    </dgm:linClrLst>
+    <dgm:effectClrLst/>
+    <dgm:txLinClrLst/>
+    <dgm:txFillClrLst meth="repeat">
+      <a:schemeClr val="dk1"/>
+    </dgm:txFillClrLst>
+    <dgm:txEffectClrLst/>
+  </dgm:styleLbl>
+  <dgm:styleLbl name="dkBgShp">
+    <dgm:fillClrLst meth="repeat">
+      <a:schemeClr val="accent2">
+        <a:shade val="90000"/>
+      </a:schemeClr>
+    </dgm:fillClrLst>
+    <dgm:linClrLst meth="repeat">
+      <a:schemeClr val="dk1"/>
+    </dgm:linClrLst>
+    <dgm:effectClrLst/>
+    <dgm:txLinClrLst/>
+    <dgm:txFillClrLst meth="repeat">
+      <a:schemeClr val="lt1"/>
+    </dgm:txFillClrLst>
+    <dgm:txEffectClrLst/>
+  </dgm:styleLbl>
+  <dgm:styleLbl name="trBgShp">
+    <dgm:fillClrLst meth="repeat">
+      <a:schemeClr val="accent1">
+        <a:tint val="50000"/>
+        <a:alpha val="40000"/>
+      </a:schemeClr>
+    </dgm:fillClrLst>
+    <dgm:linClrLst meth="repeat">
+      <a:schemeClr val="accent2"/>
+    </dgm:linClrLst>
+    <dgm:effectClrLst/>
+    <dgm:txLinClrLst/>
+    <dgm:txFillClrLst meth="repeat">
+      <a:schemeClr val="lt1"/>
+    </dgm:txFillClrLst>
+    <dgm:txEffectClrLst/>
+  </dgm:styleLbl>
+  <dgm:styleLbl name="fgShp">
+    <dgm:fillClrLst meth="repeat">
+      <a:schemeClr val="accent2">
+        <a:tint val="40000"/>
+      </a:schemeClr>
+    </dgm:fillClrLst>
+    <dgm:linClrLst meth="repeat">
+      <a:schemeClr val="lt1"/>
+    </dgm:linClrLst>
+    <dgm:effectClrLst/>
+    <dgm:txLinClrLst/>
+    <dgm:txFillClrLst meth="repeat">
+      <a:schemeClr val="dk1"/>
+    </dgm:txFillClrLst>
+    <dgm:txEffectClrLst/>
+  </dgm:styleLbl>
+  <dgm:styleLbl name="revTx">
+    <dgm:fillClrLst meth="repeat">
+      <a:schemeClr val="lt1">
+        <a:alpha val="0"/>
+      </a:schemeClr>
+    </dgm:fillClrLst>
+    <dgm:linClrLst meth="repeat">
+      <a:schemeClr val="dk1">
+        <a:alpha val="0"/>
+      </a:schemeClr>
+    </dgm:linClrLst>
+    <dgm:effectClrLst/>
+    <dgm:txLinClrLst/>
+    <dgm:txFillClrLst meth="repeat">
+      <a:schemeClr val="tx1"/>
+    </dgm:txFillClrLst>
+    <dgm:txEffectClrLst/>
+  </dgm:styleLbl>
+</dgm:colorsDef>
+</file>
+
+<file path=ppt/diagrams/colors3.xml><?xml version="1.0" encoding="utf-8"?>
+<dgm:colorsDef xmlns:dgm="http://schemas.openxmlformats.org/drawingml/2006/diagram" xmlns:a="http://schemas.openxmlformats.org/drawingml/2006/main" uniqueId="urn:microsoft.com/office/officeart/2018/5/colors/Iconchunking_neutralbg_colorful1">
+  <dgm:title val=""/>
+  <dgm:desc val=""/>
+  <dgm:catLst>
+    <dgm:cat type="colorful" pri="10100"/>
+  </dgm:catLst>
+  <dgm:styleLbl name="node0">
+    <dgm:fillClrLst meth="repeat">
+      <a:schemeClr val="accent1"/>
+    </dgm:fillClrLst>
+    <dgm:linClrLst meth="repeat">
+      <a:schemeClr val="lt1"/>
+    </dgm:linClrLst>
+    <dgm:effectClrLst/>
+    <dgm:txLinClrLst/>
+    <dgm:txFillClrLst/>
+    <dgm:txEffectClrLst/>
+  </dgm:styleLbl>
+  <dgm:styleLbl name="node1">
+    <dgm:fillClrLst meth="repeat">
+      <a:schemeClr val="accent2"/>
+      <a:schemeClr val="accent3"/>
+      <a:schemeClr val="accent4"/>
+      <a:schemeClr val="accent5"/>
+      <a:schemeClr val="accent6"/>
+    </dgm:fillClrLst>
+    <dgm:linClrLst meth="repeat">
+      <a:schemeClr val="lt1">
+        <a:alpha val="0"/>
+      </a:schemeClr>
+    </dgm:linClrLst>
+    <dgm:effectClrLst/>
+    <dgm:txLinClrLst/>
+    <dgm:txFillClrLst/>
+    <dgm:txEffectClrLst/>
+  </dgm:styleLbl>
+  <dgm:styleLbl name="alignNode1">
+    <dgm:fillClrLst meth="repeat">
+      <a:schemeClr val="accent2"/>
+      <a:schemeClr val="accent3"/>
+      <a:schemeClr val="accent4"/>
+      <a:schemeClr val="accent5"/>
+      <a:schemeClr val="accent6"/>
+    </dgm:fillClrLst>
+    <dgm:linClrLst meth="repeat">
+      <a:schemeClr val="accent2"/>
+      <a:schemeClr val="accent3"/>
+      <a:schemeClr val="accent4"/>
+      <a:schemeClr val="accent5"/>
+      <a:schemeClr val="accent6"/>
+    </dgm:linClrLst>
+    <dgm:effectClrLst/>
+    <dgm:txLinClrLst/>
+    <dgm:txFillClrLst/>
+    <dgm:txEffectClrLst/>
+  </dgm:styleLbl>
+  <dgm:styleLbl name="lnNode1">
+    <dgm:fillClrLst meth="repeat">
+      <a:schemeClr val="accent2"/>
+      <a:schemeClr val="accent3"/>
+      <a:schemeClr val="accent4"/>
+      <a:schemeClr val="accent5"/>
+      <a:schemeClr val="accent6"/>
+    </dgm:fillClrLst>
+    <dgm:linClrLst meth="repeat">
+      <a:schemeClr val="lt1"/>
+    </dgm:linClrLst>
+    <dgm:effectClrLst/>
+    <dgm:txLinClrLst/>
+    <dgm:txFillClrLst/>
+    <dgm:txEffectClrLst/>
+  </dgm:styleLbl>
+  <dgm:styleLbl name="vennNode1">
+    <dgm:fillClrLst meth="repeat">
+      <a:schemeClr val="accent2">
+        <a:alpha val="50000"/>
+      </a:schemeClr>
+      <a:schemeClr val="accent3">
+        <a:alpha val="50000"/>
+      </a:schemeClr>
+      <a:schemeClr val="accent4">
+        <a:alpha val="50000"/>
+      </a:schemeClr>
+      <a:schemeClr val="accent5">
+        <a:alpha val="50000"/>
+      </a:schemeClr>
+      <a:schemeClr val="accent6">
+        <a:alpha val="50000"/>
+      </a:schemeClr>
+    </dgm:fillClrLst>
+    <dgm:linClrLst meth="repeat">
+      <a:schemeClr val="lt1"/>
+    </dgm:linClrLst>
+    <dgm:effectClrLst/>
+    <dgm:txLinClrLst/>
+    <dgm:txFillClrLst/>
+    <dgm:txEffectClrLst/>
+  </dgm:styleLbl>
+  <dgm:styleLbl name="node2">
+    <dgm:fillClrLst>
+      <a:schemeClr val="accent2"/>
+    </dgm:fillClrLst>
+    <dgm:linClrLst meth="repeat">
+      <a:schemeClr val="lt1"/>
+    </dgm:linClrLst>
+    <dgm:effectClrLst/>
+    <dgm:txLinClrLst/>
+    <dgm:txFillClrLst/>
+    <dgm:txEffectClrLst/>
+  </dgm:styleLbl>
+  <dgm:styleLbl name="node3">
+    <dgm:fillClrLst>
+      <a:schemeClr val="accent3"/>
+    </dgm:fillClrLst>
+    <dgm:linClrLst meth="repeat">
+      <a:schemeClr val="lt1"/>
+    </dgm:linClrLst>
+    <dgm:effectClrLst/>
+    <dgm:txLinClrLst/>
+    <dgm:txFillClrLst/>
+    <dgm:txEffectClrLst/>
+  </dgm:styleLbl>
+  <dgm:styleLbl name="node4">
+    <dgm:fillClrLst>
+      <a:schemeClr val="accent4"/>
+    </dgm:fillClrLst>
+    <dgm:linClrLst meth="repeat">
+      <a:schemeClr val="lt1"/>
+    </dgm:linClrLst>
+    <dgm:effectClrLst/>
+    <dgm:txLinClrLst/>
+    <dgm:txFillClrLst/>
+    <dgm:txEffectClrLst/>
+  </dgm:styleLbl>
+  <dgm:styleLbl name="fgImgPlace1">
+    <dgm:fillClrLst meth="repeat">
+      <a:schemeClr val="accent2">
+        <a:tint val="50000"/>
+      </a:schemeClr>
+      <a:schemeClr val="accent3">
+        <a:tint val="50000"/>
+      </a:schemeClr>
+      <a:schemeClr val="accent4">
+        <a:tint val="50000"/>
+      </a:schemeClr>
+      <a:schemeClr val="accent5">
+        <a:tint val="50000"/>
+      </a:schemeClr>
+      <a:schemeClr val="accent6">
+        <a:tint val="50000"/>
+      </a:schemeClr>
+    </dgm:fillClrLst>
+    <dgm:linClrLst meth="repeat">
+      <a:schemeClr val="lt1"/>
+    </dgm:linClrLst>
+    <dgm:effectClrLst/>
+    <dgm:txLinClrLst/>
+    <dgm:txFillClrLst meth="repeat">
+      <a:schemeClr val="lt1"/>
+    </dgm:txFillClrLst>
+    <dgm:txEffectClrLst/>
+  </dgm:styleLbl>
+  <dgm:styleLbl name="alignImgPlace1">
+    <dgm:fillClrLst>
+      <a:schemeClr val="accent1">
+        <a:tint val="50000"/>
+      </a:schemeClr>
+      <a:schemeClr val="accent2">
+        <a:tint val="20000"/>
+      </a:schemeClr>
+    </dgm:fillClrLst>
+    <dgm:linClrLst meth="repeat">
+      <a:schemeClr val="lt1"/>
+    </dgm:linClrLst>
+    <dgm:effectClrLst/>
+    <dgm:txLinClrLst/>
+    <dgm:txFillClrLst meth="repeat">
+      <a:schemeClr val="lt1"/>
+    </dgm:txFillClrLst>
+    <dgm:txEffectClrLst/>
+  </dgm:styleLbl>
+  <dgm:styleLbl name="bgImgPlace1">
+    <dgm:fillClrLst>
+      <a:schemeClr val="accent1">
+        <a:tint val="50000"/>
+      </a:schemeClr>
+      <a:schemeClr val="accent2">
+        <a:tint val="20000"/>
+      </a:schemeClr>
+    </dgm:fillClrLst>
+    <dgm:linClrLst meth="repeat">
+      <a:schemeClr val="lt1"/>
+    </dgm:linClrLst>
+    <dgm:effectClrLst/>
+    <dgm:txLinClrLst/>
+    <dgm:txFillClrLst meth="repeat">
+      <a:schemeClr val="lt1"/>
+    </dgm:txFillClrLst>
+    <dgm:txEffectClrLst/>
+  </dgm:styleLbl>
+  <dgm:styleLbl name="sibTrans2D1">
+    <dgm:fillClrLst meth="repeat">
+      <a:schemeClr val="accent2"/>
+      <a:schemeClr val="accent3"/>
+      <a:schemeClr val="accent4"/>
+      <a:schemeClr val="accent5"/>
+      <a:schemeClr val="accent6"/>
+    </dgm:fillClrLst>
+    <dgm:linClrLst meth="cycle">
+      <a:schemeClr val="lt1"/>
+    </dgm:linClrLst>
+    <dgm:effectClrLst/>
+    <dgm:txLinClrLst/>
+    <dgm:txFillClrLst/>
+    <dgm:txEffectClrLst/>
+  </dgm:styleLbl>
+  <dgm:styleLbl name="fgSibTrans2D1">
+    <dgm:fillClrLst meth="repeat">
+      <a:schemeClr val="accent2"/>
+      <a:schemeClr val="accent3"/>
+      <a:schemeClr val="accent4"/>
+      <a:schemeClr val="accent5"/>
+      <a:schemeClr val="accent6"/>
+    </dgm:fillClrLst>
+    <dgm:linClrLst meth="cycle">
+      <a:schemeClr val="lt1"/>
+    </dgm:linClrLst>
+    <dgm:effectClrLst/>
+    <dgm:txLinClrLst/>
+    <dgm:txFillClrLst meth="repeat">
+      <a:schemeClr val="lt1"/>
+    </dgm:txFillClrLst>
+    <dgm:txEffectClrLst/>
+  </dgm:styleLbl>
+  <dgm:styleLbl name="bgSibTrans2D1">
+    <dgm:fillClrLst meth="repeat">
+      <a:schemeClr val="accent2"/>
+      <a:schemeClr val="accent3"/>
+      <a:schemeClr val="accent4"/>
+      <a:schemeClr val="accent5"/>
+      <a:schemeClr val="accent6"/>
+    </dgm:fillClrLst>
+    <dgm:linClrLst meth="cycle">
+      <a:schemeClr val="lt1"/>
+    </dgm:linClrLst>
+    <dgm:effectClrLst/>
+    <dgm:txLinClrLst/>
+    <dgm:txFillClrLst meth="repeat">
+      <a:schemeClr val="lt1"/>
+    </dgm:txFillClrLst>
+    <dgm:txEffectClrLst/>
+  </dgm:styleLbl>
+  <dgm:styleLbl name="sibTrans1D1">
+    <dgm:fillClrLst meth="repeat">
+      <a:schemeClr val="accent2"/>
+      <a:schemeClr val="accent3"/>
+      <a:schemeClr val="accent4"/>
+      <a:schemeClr val="accent5"/>
+      <a:schemeClr val="accent6"/>
+    </dgm:fillClrLst>
+    <dgm:linClrLst meth="repeat">
+      <a:schemeClr val="accent2"/>
+      <a:schemeClr val="accent3"/>
+      <a:schemeClr val="accent4"/>
+      <a:schemeClr val="accent5"/>
+      <a:schemeClr val="accent6"/>
+    </dgm:linClrLst>
+    <dgm:effectClrLst/>
+    <dgm:txLinClrLst/>
+    <dgm:txFillClrLst meth="repeat">
+      <a:schemeClr val="tx1"/>
+    </dgm:txFillClrLst>
+    <dgm:txEffectClrLst/>
+  </dgm:styleLbl>
+  <dgm:styleLbl name="callout">
+    <dgm:fillClrLst meth="repeat">
+      <a:schemeClr val="accent2"/>
+    </dgm:fillClrLst>
+    <dgm:linClrLst meth="repeat">
+      <a:schemeClr val="accent2">
+        <a:tint val="50000"/>
+      </a:schemeClr>
+    </dgm:linClrLst>
+    <dgm:effectClrLst/>
+    <dgm:txLinClrLst/>
+    <dgm:txFillClrLst meth="repeat">
+      <a:schemeClr val="tx1"/>
+    </dgm:txFillClrLst>
+    <dgm:txEffectClrLst/>
+  </dgm:styleLbl>
+  <dgm:styleLbl name="asst0">
+    <dgm:fillClrLst meth="repeat">
+      <a:schemeClr val="accent1"/>
+    </dgm:fillClrLst>
+    <dgm:linClrLst meth="repeat">
+      <a:schemeClr val="lt1"/>
+    </dgm:linClrLst>
+    <dgm:effectClrLst/>
+    <dgm:txLinClrLst/>
+    <dgm:txFillClrLst/>
+    <dgm:txEffectClrLst/>
+  </dgm:styleLbl>
+  <dgm:styleLbl name="asst1">
+    <dgm:fillClrLst meth="repeat">
+      <a:schemeClr val="accent2"/>
+    </dgm:fillClrLst>
+    <dgm:linClrLst meth="repeat">
+      <a:schemeClr val="lt1"/>
+    </dgm:linClrLst>
+    <dgm:effectClrLst/>
+    <dgm:txLinClrLst/>
+    <dgm:txFillClrLst/>
+    <dgm:txEffectClrLst/>
+  </dgm:styleLbl>
+  <dgm:styleLbl name="asst2">
+    <dgm:fillClrLst>
+      <a:schemeClr val="accent3"/>
+    </dgm:fillClrLst>
+    <dgm:linClrLst meth="repeat">
+      <a:schemeClr val="lt1"/>
+    </dgm:linClrLst>
+    <dgm:effectClrLst/>
+    <dgm:txLinClrLst/>
+    <dgm:txFillClrLst/>
+    <dgm:txEffectClrLst/>
+  </dgm:styleLbl>
+  <dgm:styleLbl name="asst3">
+    <dgm:fillClrLst>
+      <a:schemeClr val="accent4"/>
+    </dgm:fillClrLst>
+    <dgm:linClrLst meth="repeat">
+      <a:schemeClr val="lt1"/>
+    </dgm:linClrLst>
+    <dgm:effectClrLst/>
+    <dgm:txLinClrLst/>
+    <dgm:txFillClrLst/>
+    <dgm:txEffectClrLst/>
+  </dgm:styleLbl>
+  <dgm:styleLbl name="asst4">
+    <dgm:fillClrLst>
+      <a:schemeClr val="accent5"/>
+    </dgm:fillClrLst>
+    <dgm:linClrLst meth="repeat">
+      <a:schemeClr val="lt1"/>
+    </dgm:linClrLst>
+    <dgm:effectClrLst/>
+    <dgm:txLinClrLst/>
+    <dgm:txFillClrLst/>
+    <dgm:txEffectClrLst/>
+  </dgm:styleLbl>
+  <dgm:styleLbl name="parChTrans2D1">
+    <dgm:fillClrLst meth="repeat">
+      <a:schemeClr val="accent2"/>
+    </dgm:fillClrLst>
+    <dgm:linClrLst meth="repeat">
+      <a:schemeClr val="lt1"/>
+    </dgm:linClrLst>
+    <dgm:effectClrLst/>
+    <dgm:txLinClrLst/>
+    <dgm:txFillClrLst meth="repeat">
+      <a:schemeClr val="lt1"/>
+    </dgm:txFillClrLst>
+    <dgm:txEffectClrLst/>
+  </dgm:styleLbl>
+  <dgm:styleLbl name="parChTrans2D2">
+    <dgm:fillClrLst meth="repeat">
+      <a:schemeClr val="accent3"/>
+    </dgm:fillClrLst>
+    <dgm:linClrLst meth="repeat">
+      <a:schemeClr val="lt1"/>
+    </dgm:linClrLst>
+    <dgm:effectClrLst/>
+    <dgm:txLinClrLst/>
+    <dgm:txFillClrLst/>
+    <dgm:txEffectClrLst/>
+  </dgm:styleLbl>
+  <dgm:styleLbl name="parChTrans2D3">
+    <dgm:fillClrLst meth="repeat">
+      <a:schemeClr val="accent4"/>
+    </dgm:fillClrLst>
+    <dgm:linClrLst meth="repeat">
+      <a:schemeClr val="lt1"/>
+    </dgm:linClrLst>
+    <dgm:effectClrLst/>
+    <dgm:txLinClrLst/>
+    <dgm:txFillClrLst/>
+    <dgm:txEffectClrLst/>
+  </dgm:styleLbl>
+  <dgm:styleLbl name="parChTrans2D4">
+    <dgm:fillClrLst meth="repeat">
+      <a:schemeClr val="accent5"/>
+    </dgm:fillClrLst>
+    <dgm:linClrLst meth="repeat">
+      <a:schemeClr val="lt1"/>
+    </dgm:linClrLst>
+    <dgm:effectClrLst/>
+    <dgm:txLinClrLst/>
+    <dgm:txFillClrLst meth="repeat">
+      <a:schemeClr val="lt1"/>
+    </dgm:txFillClrLst>
+    <dgm:txEffectClrLst/>
+  </dgm:styleLbl>
+  <dgm:styleLbl name="parChTrans1D1">
+    <dgm:fillClrLst meth="repeat">
+      <a:schemeClr val="accent2"/>
+    </dgm:fillClrLst>
+    <dgm:linClrLst meth="repeat">
+      <a:schemeClr val="accent1"/>
+    </dgm:linClrLst>
+    <dgm:effectClrLst/>
+    <dgm:txLinClrLst/>
+    <dgm:txFillClrLst meth="repeat">
+      <a:schemeClr val="tx1"/>
+    </dgm:txFillClrLst>
+    <dgm:txEffectClrLst/>
+  </dgm:styleLbl>
+  <dgm:styleLbl name="parChTrans1D2">
+    <dgm:fillClrLst meth="repeat">
+      <a:schemeClr val="accent3">
+        <a:tint val="90000"/>
+      </a:schemeClr>
+    </dgm:fillClrLst>
+    <dgm:linClrLst meth="repeat">
+      <a:schemeClr val="accent2"/>
+    </dgm:linClrLst>
+    <dgm:effectClrLst/>
+    <dgm:txLinClrLst/>
+    <dgm:txFillClrLst meth="repeat">
+      <a:schemeClr val="tx1"/>
+    </dgm:txFillClrLst>
+    <dgm:txEffectClrLst/>
+  </dgm:styleLbl>
+  <dgm:styleLbl name="parChTrans1D3">
+    <dgm:fillClrLst meth="repeat">
+      <a:schemeClr val="accent4">
+        <a:tint val="70000"/>
+      </a:schemeClr>
+    </dgm:fillClrLst>
+    <dgm:linClrLst meth="repeat">
+      <a:schemeClr val="accent3"/>
+    </dgm:linClrLst>
+    <dgm:effectClrLst/>
+    <dgm:txLinClrLst/>
+    <dgm:txFillClrLst meth="repeat">
+      <a:schemeClr val="tx1"/>
+    </dgm:txFillClrLst>
+    <dgm:txEffectClrLst/>
+  </dgm:styleLbl>
+  <dgm:styleLbl name="parChTrans1D4">
+    <dgm:fillClrLst meth="repeat">
+      <a:schemeClr val="accent5">
+        <a:tint val="50000"/>
+      </a:schemeClr>
+    </dgm:fillClrLst>
+    <dgm:linClrLst meth="repeat">
+      <a:schemeClr val="accent4"/>
+    </dgm:linClrLst>
+    <dgm:effectClrLst/>
+    <dgm:txLinClrLst/>
+    <dgm:txFillClrLst meth="repeat">
+      <a:schemeClr val="tx1"/>
+    </dgm:txFillClrLst>
+    <dgm:txEffectClrLst/>
+  </dgm:styleLbl>
+  <dgm:styleLbl name="fgAcc1">
+    <dgm:fillClrLst meth="repeat">
+      <a:schemeClr val="lt1">
+        <a:alpha val="90000"/>
+      </a:schemeClr>
+    </dgm:fillClrLst>
+    <dgm:linClrLst meth="repeat">
+      <a:schemeClr val="accent2"/>
+      <a:schemeClr val="accent3"/>
+      <a:schemeClr val="accent4"/>
+      <a:schemeClr val="accent5"/>
+      <a:schemeClr val="accent6"/>
+    </dgm:linClrLst>
+    <dgm:effectClrLst/>
+    <dgm:txLinClrLst/>
+    <dgm:txFillClrLst meth="repeat">
+      <a:schemeClr val="dk1"/>
+    </dgm:txFillClrLst>
+    <dgm:txEffectClrLst/>
+  </dgm:styleLbl>
+  <dgm:styleLbl name="conFgAcc1">
+    <dgm:fillClrLst meth="repeat">
+      <a:schemeClr val="lt1">
+        <a:alpha val="90000"/>
+      </a:schemeClr>
+    </dgm:fillClrLst>
+    <dgm:linClrLst meth="repeat">
+      <a:schemeClr val="accent2"/>
+      <a:schemeClr val="accent3"/>
+      <a:schemeClr val="accent4"/>
+      <a:schemeClr val="accent5"/>
+      <a:schemeClr val="accent6"/>
+    </dgm:linClrLst>
+    <dgm:effectClrLst/>
+    <dgm:txLinClrLst/>
+    <dgm:txFillClrLst meth="repeat">
+      <a:schemeClr val="dk1"/>
+    </dgm:txFillClrLst>
+    <dgm:txEffectClrLst/>
+  </dgm:styleLbl>
+  <dgm:styleLbl name="alignAcc1">
+    <dgm:fillClrLst meth="repeat">
+      <a:schemeClr val="lt1">
+        <a:alpha val="90000"/>
+      </a:schemeClr>
+    </dgm:fillClrLst>
+    <dgm:linClrLst meth="repeat">
+      <a:schemeClr val="accent2"/>
+      <a:schemeClr val="accent3"/>
+      <a:schemeClr val="accent4"/>
+      <a:schemeClr val="accent5"/>
+      <a:schemeClr val="accent6"/>
+    </dgm:linClrLst>
+    <dgm:effectClrLst/>
+    <dgm:txLinClrLst/>
+    <dgm:txFillClrLst meth="repeat">
+      <a:schemeClr val="dk1"/>
+    </dgm:txFillClrLst>
+    <dgm:txEffectClrLst/>
+  </dgm:styleLbl>
+  <dgm:styleLbl name="trAlignAcc1">
+    <dgm:fillClrLst meth="repeat">
+      <a:schemeClr val="lt1">
+        <a:alpha val="40000"/>
+      </a:schemeClr>
+    </dgm:fillClrLst>
+    <dgm:linClrLst meth="repeat">
+      <a:schemeClr val="accent1"/>
+    </dgm:linClrLst>
+    <dgm:effectClrLst/>
+    <dgm:txLinClrLst/>
+    <dgm:txFillClrLst meth="repeat">
+      <a:schemeClr val="dk1"/>
+    </dgm:txFillClrLst>
+    <dgm:txEffectClrLst/>
+  </dgm:styleLbl>
+  <dgm:styleLbl name="bgAcc1">
+    <dgm:fillClrLst meth="repeat">
+      <a:schemeClr val="lt1">
+        <a:alpha val="90000"/>
+      </a:schemeClr>
+    </dgm:fillClrLst>
+    <dgm:linClrLst meth="repeat">
+      <a:schemeClr val="accent2"/>
+      <a:schemeClr val="accent3"/>
+      <a:schemeClr val="accent4"/>
+      <a:schemeClr val="accent5"/>
+      <a:schemeClr val="accent6"/>
+    </dgm:linClrLst>
+    <dgm:effectClrLst/>
+    <dgm:txLinClrLst/>
+    <dgm:txFillClrLst meth="repeat">
+      <a:schemeClr val="dk1"/>
+    </dgm:txFillClrLst>
+    <dgm:txEffectClrLst/>
+  </dgm:styleLbl>
+  <dgm:styleLbl name="solidFgAcc1">
+    <dgm:fillClrLst meth="repeat">
+      <a:schemeClr val="lt1"/>
+    </dgm:fillClrLst>
+    <dgm:linClrLst meth="repeat">
+      <a:schemeClr val="accent2"/>
+      <a:schemeClr val="accent3"/>
+      <a:schemeClr val="accent4"/>
+      <a:schemeClr val="accent5"/>
+      <a:schemeClr val="accent6"/>
+    </dgm:linClrLst>
+    <dgm:effectClrLst/>
+    <dgm:txLinClrLst/>
+    <dgm:txFillClrLst meth="repeat">
+      <a:schemeClr val="dk1"/>
+    </dgm:txFillClrLst>
+    <dgm:txEffectClrLst/>
+  </dgm:styleLbl>
+  <dgm:styleLbl name="solidAlignAcc1">
+    <dgm:fillClrLst meth="repeat">
+      <a:schemeClr val="lt1"/>
+    </dgm:fillClrLst>
+    <dgm:linClrLst meth="repeat">
+      <a:schemeClr val="accent2"/>
+      <a:schemeClr val="accent3"/>
+      <a:schemeClr val="accent4"/>
+      <a:schemeClr val="accent5"/>
+      <a:schemeClr val="accent6"/>
+    </dgm:linClrLst>
+    <dgm:effectClrLst/>
+    <dgm:txLinClrLst/>
+    <dgm:txFillClrLst meth="repeat">
+      <a:schemeClr val="dk1"/>
+    </dgm:txFillClrLst>
+    <dgm:txEffectClrLst/>
+  </dgm:styleLbl>
+  <dgm:styleLbl name="solidBgAcc1">
+    <dgm:fillClrLst meth="repeat">
+      <a:schemeClr val="lt1"/>
+    </dgm:fillClrLst>
+    <dgm:linClrLst meth="repeat">
+      <a:schemeClr val="accent2"/>
+      <a:schemeClr val="accent3"/>
+      <a:schemeClr val="accent4"/>
+      <a:schemeClr val="accent5"/>
+      <a:schemeClr val="accent6"/>
+    </dgm:linClrLst>
+    <dgm:effectClrLst/>
+    <dgm:txLinClrLst/>
+    <dgm:txFillClrLst meth="repeat">
+      <a:schemeClr val="dk1"/>
+    </dgm:txFillClrLst>
+    <dgm:txEffectClrLst/>
+  </dgm:styleLbl>
+  <dgm:styleLbl name="fgAccFollowNode1">
+    <dgm:fillClrLst meth="repeat">
+      <a:schemeClr val="accent2">
+        <a:tint val="40000"/>
+        <a:alpha val="90000"/>
+      </a:schemeClr>
+      <a:schemeClr val="accent3">
+        <a:tint val="40000"/>
+        <a:alpha val="90000"/>
+      </a:schemeClr>
+      <a:schemeClr val="accent4">
+        <a:tint val="40000"/>
+        <a:alpha val="90000"/>
+      </a:schemeClr>
+      <a:schemeClr val="accent5">
+        <a:tint val="40000"/>
+        <a:alpha val="90000"/>
+      </a:schemeClr>
+      <a:schemeClr val="accent6">
+        <a:tint val="40000"/>
+        <a:alpha val="90000"/>
+      </a:schemeClr>
+    </dgm:fillClrLst>
+    <dgm:linClrLst meth="repeat">
+      <a:schemeClr val="accent2">
+        <a:tint val="40000"/>
+        <a:alpha val="90000"/>
+      </a:schemeClr>
+      <a:schemeClr val="accent3">
+        <a:tint val="40000"/>
+        <a:alpha val="90000"/>
+      </a:schemeClr>
+      <a:schemeClr val="accent4">
+        <a:tint val="40000"/>
+        <a:alpha val="90000"/>
+      </a:schemeClr>
+      <a:schemeClr val="accent5">
+        <a:tint val="40000"/>
+        <a:alpha val="90000"/>
+      </a:schemeClr>
+      <a:schemeClr val="accent6">
+        <a:tint val="40000"/>
+        <a:alpha val="90000"/>
+      </a:schemeClr>
+    </dgm:linClrLst>
+    <dgm:effectClrLst/>
+    <dgm:txLinClrLst/>
+    <dgm:txFillClrLst meth="repeat">
+      <a:schemeClr val="dk1"/>
+    </dgm:txFillClrLst>
+    <dgm:txEffectClrLst/>
+  </dgm:styleLbl>
+  <dgm:styleLbl name="alignAccFollowNode1">
+    <dgm:fillClrLst meth="repeat">
+      <a:schemeClr val="accent2">
+        <a:tint val="40000"/>
+        <a:alpha val="90000"/>
+      </a:schemeClr>
+      <a:schemeClr val="accent3">
+        <a:tint val="40000"/>
+        <a:alpha val="90000"/>
+      </a:schemeClr>
+      <a:schemeClr val="accent4">
+        <a:tint val="40000"/>
+        <a:alpha val="90000"/>
+      </a:schemeClr>
+      <a:schemeClr val="accent5">
+        <a:tint val="40000"/>
+        <a:alpha val="90000"/>
+      </a:schemeClr>
+      <a:schemeClr val="accent6">
+        <a:tint val="40000"/>
+        <a:alpha val="90000"/>
+      </a:schemeClr>
+    </dgm:fillClrLst>
+    <dgm:linClrLst meth="repeat">
+      <a:schemeClr val="accent2">
+        <a:tint val="40000"/>
+        <a:alpha val="90000"/>
+      </a:schemeClr>
+      <a:schemeClr val="accent3">
+        <a:tint val="40000"/>
+        <a:alpha val="90000"/>
+      </a:schemeClr>
+      <a:schemeClr val="accent4">
+        <a:tint val="40000"/>
+        <a:alpha val="90000"/>
+      </a:schemeClr>
+      <a:schemeClr val="accent5">
+        <a:tint val="40000"/>
+        <a:alpha val="90000"/>
+      </a:schemeClr>
+      <a:schemeClr val="accent6">
+        <a:tint val="40000"/>
+        <a:alpha val="90000"/>
+      </a:schemeClr>
+    </dgm:linClrLst>
+    <dgm:effectClrLst/>
+    <dgm:txLinClrLst/>
+    <dgm:txFillClrLst meth="repeat">
+      <a:schemeClr val="dk1"/>
+    </dgm:txFillClrLst>
+    <dgm:txEffectClrLst/>
+  </dgm:styleLbl>
+  <dgm:styleLbl name="bgAccFollowNode1">
+    <dgm:fillClrLst meth="repeat">
+      <a:schemeClr val="accent2">
+        <a:tint val="40000"/>
+        <a:alpha val="90000"/>
+      </a:schemeClr>
+      <a:schemeClr val="accent3">
+        <a:tint val="40000"/>
+        <a:alpha val="90000"/>
+      </a:schemeClr>
+      <a:schemeClr val="accent4">
+        <a:tint val="40000"/>
+        <a:alpha val="90000"/>
+      </a:schemeClr>
+      <a:schemeClr val="accent5">
+        <a:tint val="40000"/>
+        <a:alpha val="90000"/>
+      </a:schemeClr>
+      <a:schemeClr val="accent6">
+        <a:tint val="40000"/>
+        <a:alpha val="90000"/>
+      </a:schemeClr>
+    </dgm:fillClrLst>
+    <dgm:linClrLst meth="repeat">
+      <a:schemeClr val="accent2">
+        <a:tint val="40000"/>
+        <a:alpha val="90000"/>
+      </a:schemeClr>
+      <a:schemeClr val="accent3">
+        <a:tint val="40000"/>
+        <a:alpha val="90000"/>
+      </a:schemeClr>
+      <a:schemeClr val="accent4">
+        <a:tint val="40000"/>
+        <a:alpha val="90000"/>
+      </a:schemeClr>
+      <a:schemeClr val="accent5">
+        <a:tint val="40000"/>
+        <a:alpha val="90000"/>
+      </a:schemeClr>
+      <a:schemeClr val="accent6">
+        <a:tint val="40000"/>
+        <a:alpha val="90000"/>
+      </a:schemeClr>
+    </dgm:linClrLst>
+    <dgm:effectClrLst/>
+    <dgm:txLinClrLst/>
+    <dgm:txFillClrLst meth="repeat">
+      <a:schemeClr val="dk1"/>
+    </dgm:txFillClrLst>
+    <dgm:txEffectClrLst/>
+  </dgm:styleLbl>
+  <dgm:styleLbl name="fgAcc0">
+    <dgm:fillClrLst meth="repeat">
+      <a:schemeClr val="lt1">
+        <a:alpha val="90000"/>
+      </a:schemeClr>
+    </dgm:fillClrLst>
+    <dgm:linClrLst>
+      <a:schemeClr val="accent1"/>
+    </dgm:linClrLst>
+    <dgm:effectClrLst/>
+    <dgm:txLinClrLst/>
+    <dgm:txFillClrLst meth="repeat">
+      <a:schemeClr val="dk1"/>
+    </dgm:txFillClrLst>
+    <dgm:txEffectClrLst/>
+  </dgm:styleLbl>
+  <dgm:styleLbl name="fgAcc2">
+    <dgm:fillClrLst meth="repeat">
+      <a:schemeClr val="lt1">
+        <a:alpha val="90000"/>
+      </a:schemeClr>
+    </dgm:fillClrLst>
+    <dgm:linClrLst>
+      <a:schemeClr val="accent2"/>
+    </dgm:linClrLst>
+    <dgm:effectClrLst/>
+    <dgm:txLinClrLst/>
+    <dgm:txFillClrLst meth="repeat">
+      <a:schemeClr val="dk1"/>
+    </dgm:txFillClrLst>
+    <dgm:txEffectClrLst/>
+  </dgm:styleLbl>
+  <dgm:styleLbl name="fgAcc3">
+    <dgm:fillClrLst meth="repeat">
+      <a:schemeClr val="lt1">
+        <a:alpha val="90000"/>
+      </a:schemeClr>
+    </dgm:fillClrLst>
+    <dgm:linClrLst>
+      <a:schemeClr val="accent3"/>
+    </dgm:linClrLst>
+    <dgm:effectClrLst/>
+    <dgm:txLinClrLst/>
+    <dgm:txFillClrLst meth="repeat">
+      <a:schemeClr val="dk1"/>
+    </dgm:txFillClrLst>
+    <dgm:txEffectClrLst/>
+  </dgm:styleLbl>
+  <dgm:styleLbl name="fgAcc4">
+    <dgm:fillClrLst meth="repeat">
+      <a:schemeClr val="lt1">
+        <a:alpha val="90000"/>
+      </a:schemeClr>
+    </dgm:fillClrLst>
+    <dgm:linClrLst>
+      <a:schemeClr val="accent4"/>
+    </dgm:linClrLst>
+    <dgm:effectClrLst/>
+    <dgm:txLinClrLst/>
+    <dgm:txFillClrLst meth="repeat">
+      <a:schemeClr val="dk1"/>
+    </dgm:txFillClrLst>
+    <dgm:txEffectClrLst/>
+  </dgm:styleLbl>
+  <dgm:styleLbl name="bgShp">
+    <dgm:fillClrLst meth="repeat">
       <a:schemeClr val="bg1">
         <a:lumMod val="95000"/>
       </a:schemeClr>
@@ -5696,7 +5822,7 @@
 <dgm:dataModel xmlns:dgm="http://schemas.openxmlformats.org/drawingml/2006/diagram" xmlns:a="http://schemas.openxmlformats.org/drawingml/2006/main">
   <dgm:ptLst>
     <dgm:pt modelId="{C7AF8448-197E-4F8B-8AF3-73FE291C0C42}" type="doc">
-      <dgm:prSet loTypeId="urn:microsoft.com/office/officeart/2005/8/layout/vList2" loCatId="list" qsTypeId="urn:microsoft.com/office/officeart/2005/8/quickstyle/simple1" qsCatId="simple" csTypeId="urn:microsoft.com/office/officeart/2005/8/colors/colorful2" csCatId="colorful" phldr="1"/>
+      <dgm:prSet loTypeId="urn:microsoft.com/office/officeart/2005/8/layout/vList2" loCatId="list" qsTypeId="urn:microsoft.com/office/officeart/2005/8/quickstyle/simple1" qsCatId="simple" csTypeId="urn:microsoft.com/office/officeart/2005/8/colors/accent1_2" csCatId="accent1" phldr="1"/>
       <dgm:spPr/>
       <dgm:t>
         <a:bodyPr/>
@@ -5759,26 +5885,15 @@
         <a:lstStyle/>
         <a:p>
           <a:r>
-            <a:rPr lang="en-US" b="1" i="0">
-              <a:solidFill>
-                <a:schemeClr val="bg1"/>
-              </a:solidFill>
-            </a:rPr>
+            <a:rPr lang="en-US" b="1" i="0"/>
             <a:t>Disability</a:t>
           </a:r>
           <a:r>
-            <a:rPr lang="en-US" b="0" i="0">
-              <a:solidFill>
-                <a:schemeClr val="bg1"/>
-              </a:solidFill>
-            </a:rPr>
+            <a:rPr lang="en-US" b="0" i="0"/>
             <a:t> – </a:t>
           </a:r>
           <a:r>
             <a:rPr lang="en-US" b="0" i="0">
-              <a:solidFill>
-                <a:schemeClr val="bg1"/>
-              </a:solidFill>
               <a:effectLst/>
               <a:latin typeface="+mn-lt"/>
               <a:ea typeface="+mn-ea"/>
@@ -5787,26 +5902,14 @@
             <a:t>Disability is defined as "a mismatch in interaction between the features of a person's body and the features of the environment in which they live.“</a:t>
           </a:r>
           <a:r>
-            <a:rPr lang="en-US" b="0" i="0">
-              <a:solidFill>
-                <a:schemeClr val="bg1"/>
-              </a:solidFill>
-            </a:rPr>
+            <a:rPr lang="en-US" b="0" i="0"/>
             <a:t>- </a:t>
           </a:r>
           <a:r>
-            <a:rPr lang="en-US" b="0" i="1">
-              <a:solidFill>
-                <a:schemeClr val="bg1"/>
-              </a:solidFill>
-            </a:rPr>
+            <a:rPr lang="en-US" b="0" i="1"/>
             <a:t>Microsoft Accessibility Fundamentals</a:t>
           </a:r>
-          <a:endParaRPr lang="en-US" i="1">
-            <a:solidFill>
-              <a:schemeClr val="bg1"/>
-            </a:solidFill>
-          </a:endParaRPr>
+          <a:endParaRPr lang="en-US" i="1"/>
         </a:p>
       </dgm:t>
     </dgm:pt>
@@ -5840,34 +5943,17 @@
         <a:lstStyle/>
         <a:p>
           <a:r>
-            <a:rPr lang="en-US" b="1">
-              <a:solidFill>
-                <a:schemeClr val="bg1"/>
-              </a:solidFill>
-            </a:rPr>
+            <a:rPr lang="en-US" b="1"/>
             <a:t>Assistive Technology </a:t>
           </a:r>
           <a:r>
-            <a:rPr lang="en-US">
-              <a:solidFill>
-                <a:schemeClr val="bg1"/>
-              </a:solidFill>
-            </a:rPr>
-            <a:t>–</a:t>
-          </a:r>
-          <a:r>
             <a:rPr lang="en-US"/>
-            <a:t> “…any item, piece of equipment, software program, or product that is used to increase, maintain, or improve the functional capabilities of people with disabilities.” – </a:t>
+            <a:t>– “…any item, piece of equipment, software program, or product that is used to increase, maintain, or improve the functional capabilities of people with disabilities.” – </a:t>
           </a:r>
           <a:r>
             <a:rPr lang="en-US" i="1"/>
             <a:t>Assistive Technology Industry Association (ATIA)</a:t>
           </a:r>
-          <a:endParaRPr lang="en-US" i="1">
-            <a:solidFill>
-              <a:schemeClr val="bg1"/>
-            </a:solidFill>
-          </a:endParaRPr>
         </a:p>
       </dgm:t>
     </dgm:pt>
@@ -5966,7 +6052,7 @@
 <dgm:dataModel xmlns:dgm="http://schemas.openxmlformats.org/drawingml/2006/diagram" xmlns:a="http://schemas.openxmlformats.org/drawingml/2006/main">
   <dgm:ptLst>
     <dgm:pt modelId="{D925B73C-A7EB-43DA-B763-35C48A54D6FB}" type="doc">
-      <dgm:prSet loTypeId="urn:microsoft.com/office/officeart/2005/8/layout/list1" loCatId="list" qsTypeId="urn:microsoft.com/office/officeart/2005/8/quickstyle/simple1" qsCatId="simple" csTypeId="urn:microsoft.com/office/officeart/2005/8/colors/colorful2" csCatId="colorful" phldr="1"/>
+      <dgm:prSet loTypeId="urn:microsoft.com/office/officeart/2005/8/layout/list1" loCatId="list" qsTypeId="urn:microsoft.com/office/officeart/2005/8/quickstyle/simple1" qsCatId="simple" csTypeId="urn:microsoft.com/office/officeart/2005/8/colors/colorful1" csCatId="colorful" phldr="1"/>
       <dgm:spPr/>
       <dgm:t>
         <a:bodyPr/>
@@ -5978,11 +6064,7 @@
     </dgm:pt>
     <dgm:pt modelId="{B752656D-FC9F-4BEE-AB52-CE47EE92702F}">
       <dgm:prSet/>
-      <dgm:spPr>
-        <a:solidFill>
-          <a:srgbClr val="C21C4F"/>
-        </a:solidFill>
-      </dgm:spPr>
+      <dgm:spPr/>
       <dgm:t>
         <a:bodyPr/>
         <a:lstStyle/>
@@ -6022,11 +6104,7 @@
     </dgm:pt>
     <dgm:pt modelId="{32C062A5-6745-41D0-A2BD-AE691DB0DF6F}">
       <dgm:prSet/>
-      <dgm:spPr>
-        <a:solidFill>
-          <a:srgbClr val="182CA4"/>
-        </a:solidFill>
-      </dgm:spPr>
+      <dgm:spPr/>
       <dgm:t>
         <a:bodyPr/>
         <a:lstStyle/>
@@ -6036,7 +6114,7 @@
           </a:pPr>
           <a:r>
             <a:rPr lang="en-US" b="0" i="0" dirty="0"/>
-            <a:t>Missing a lot of customers</a:t>
+            <a:t>Attract / Keep diverse customers &amp; talent</a:t>
           </a:r>
           <a:endParaRPr lang="en-US" dirty="0"/>
         </a:p>
@@ -6066,11 +6144,7 @@
     </dgm:pt>
     <dgm:pt modelId="{B6F0EE07-1751-45D3-9431-A2F98C34175B}">
       <dgm:prSet/>
-      <dgm:spPr>
-        <a:solidFill>
-          <a:srgbClr val="128017"/>
-        </a:solidFill>
-      </dgm:spPr>
+      <dgm:spPr/>
       <dgm:t>
         <a:bodyPr/>
         <a:lstStyle/>
@@ -6110,11 +6184,7 @@
     </dgm:pt>
     <dgm:pt modelId="{230C7E23-45A5-419B-B0A8-A213031BDDB6}">
       <dgm:prSet/>
-      <dgm:spPr>
-        <a:solidFill>
-          <a:srgbClr val="C33F1B"/>
-        </a:solidFill>
-      </dgm:spPr>
+      <dgm:spPr/>
       <dgm:t>
         <a:bodyPr/>
         <a:lstStyle/>
@@ -6270,11 +6340,11 @@
         <a:lstStyle/>
         <a:p>
           <a:r>
-            <a:rPr lang="en-US" b="0" i="0"/>
+            <a:rPr lang="en-US" b="0" i="0" dirty="0"/>
             <a:t>According to the </a:t>
           </a:r>
           <a:r>
-            <a:rPr lang="en-US" b="1" i="0">
+            <a:rPr lang="en-US" b="1" i="0" dirty="0">
               <a:hlinkClick xmlns:r="http://schemas.openxmlformats.org/officeDocument/2006/relationships" r:id="rId1">
                 <a:extLst>
                   <a:ext uri="{A12FA001-AC4F-418D-AE19-62706E023703}">
@@ -6286,10 +6356,10 @@
             <a:t>CDC</a:t>
           </a:r>
           <a:r>
-            <a:rPr lang="en-US" b="0" i="0"/>
-            <a:t>, 1 in 4 Americans have some type of disability. Approximately 26% of individuals.</a:t>
+            <a:rPr lang="en-US" b="0" i="0" dirty="0"/>
+            <a:t>, 1 in 4 Americans have some type of disability.</a:t>
           </a:r>
-          <a:endParaRPr lang="en-US"/>
+          <a:endParaRPr lang="en-US" dirty="0"/>
         </a:p>
       </dgm:t>
     </dgm:pt>
@@ -6582,10 +6652,24 @@
     <dgm:pt modelId="{8036408F-0C52-4B83-92A6-5152EFC45C53}" type="parTrans" cxnId="{F491D353-89F5-4595-BCFB-9A5BAC18E8F7}">
       <dgm:prSet/>
       <dgm:spPr/>
+      <dgm:t>
+        <a:bodyPr/>
+        <a:lstStyle/>
+        <a:p>
+          <a:endParaRPr lang="en-US"/>
+        </a:p>
+      </dgm:t>
     </dgm:pt>
     <dgm:pt modelId="{1DBA0C6D-49F9-4C82-A98B-BC655BE4111C}" type="sibTrans" cxnId="{F491D353-89F5-4595-BCFB-9A5BAC18E8F7}">
       <dgm:prSet/>
       <dgm:spPr/>
+      <dgm:t>
+        <a:bodyPr/>
+        <a:lstStyle/>
+        <a:p>
+          <a:endParaRPr lang="en-US"/>
+        </a:p>
+      </dgm:t>
     </dgm:pt>
     <dgm:pt modelId="{8D108CAF-BF8F-4B8A-AECE-635C1EFB0B59}">
       <dgm:prSet/>
@@ -6604,10 +6688,60 @@
     <dgm:pt modelId="{362617FF-7B23-4ED4-BCD0-4655037A4106}" type="parTrans" cxnId="{7801696C-69E7-4E85-8DBA-7A96C1129B00}">
       <dgm:prSet/>
       <dgm:spPr/>
+      <dgm:t>
+        <a:bodyPr/>
+        <a:lstStyle/>
+        <a:p>
+          <a:endParaRPr lang="en-US"/>
+        </a:p>
+      </dgm:t>
     </dgm:pt>
     <dgm:pt modelId="{18F86D1C-C747-4153-AB41-B70C0C3C582F}" type="sibTrans" cxnId="{7801696C-69E7-4E85-8DBA-7A96C1129B00}">
       <dgm:prSet/>
       <dgm:spPr/>
+      <dgm:t>
+        <a:bodyPr/>
+        <a:lstStyle/>
+        <a:p>
+          <a:endParaRPr lang="en-US"/>
+        </a:p>
+      </dgm:t>
+    </dgm:pt>
+    <dgm:pt modelId="{4263BAFA-CFAA-4E59-83DB-62BE78305D06}">
+      <dgm:prSet/>
+      <dgm:spPr/>
+      <dgm:t>
+        <a:bodyPr/>
+        <a:lstStyle/>
+        <a:p>
+          <a:r>
+            <a:rPr lang="en-US" dirty="0"/>
+            <a:t>Customers and employees are drawn to places where they feel represented and respected.</a:t>
+          </a:r>
+        </a:p>
+      </dgm:t>
+    </dgm:pt>
+    <dgm:pt modelId="{052C5352-2111-417B-9E38-C45A5DF13CBE}" type="parTrans" cxnId="{3941FCE7-E9A3-4BAD-9B81-67AC43EFA343}">
+      <dgm:prSet/>
+      <dgm:spPr/>
+      <dgm:t>
+        <a:bodyPr/>
+        <a:lstStyle/>
+        <a:p>
+          <a:endParaRPr lang="en-US"/>
+        </a:p>
+      </dgm:t>
+    </dgm:pt>
+    <dgm:pt modelId="{05A5E2A8-0493-45D5-AB7C-A5FA3D3CBDFC}" type="sibTrans" cxnId="{3941FCE7-E9A3-4BAD-9B81-67AC43EFA343}">
+      <dgm:prSet/>
+      <dgm:spPr/>
+      <dgm:t>
+        <a:bodyPr/>
+        <a:lstStyle/>
+        <a:p>
+          <a:endParaRPr lang="en-US"/>
+        </a:p>
+      </dgm:t>
     </dgm:pt>
     <dgm:pt modelId="{1968ECA1-CC51-4720-991D-7AE70E7C124A}" type="pres">
       <dgm:prSet presAssocID="{D925B73C-A7EB-43DA-B763-35C48A54D6FB}" presName="linear" presStyleCnt="0">
@@ -6753,6 +6887,7 @@
     <dgm:cxn modelId="{20F6140A-E8B6-4C49-82B4-38FDE013F63A}" srcId="{B752656D-FC9F-4BEE-AB52-CE47EE92702F}" destId="{8ABFB689-8D88-4271-ABFC-11B542EC12F9}" srcOrd="1" destOrd="0" parTransId="{C60D3251-6857-41BE-8850-C41CC54BCEE7}" sibTransId="{89439894-3E4C-4A04-96D7-25A00253B2F1}"/>
     <dgm:cxn modelId="{0910DE12-AF0C-4AFB-82B1-DDEA3E0130CB}" type="presOf" srcId="{4A6AD588-0C6B-48D4-82C6-0075947610B8}" destId="{A7C62055-3F29-4F6F-8B87-02AE7F57BCB3}" srcOrd="0" destOrd="0" presId="urn:microsoft.com/office/officeart/2005/8/layout/list1"/>
     <dgm:cxn modelId="{7EA5531D-FB48-4CE8-B683-3553525884B0}" srcId="{F7C9875A-7E67-4062-808C-B67D754DE4A0}" destId="{8BD6479D-8FD5-45CF-B88D-8192F63C1AB7}" srcOrd="2" destOrd="0" parTransId="{349E26BF-6E1C-4ADA-8914-2C6ACE524FE9}" sibTransId="{972C036E-ADC8-4357-8C5C-CB409B7D7FFD}"/>
+    <dgm:cxn modelId="{00CE7F33-8149-451D-804D-5CEFF076CA70}" type="presOf" srcId="{4263BAFA-CFAA-4E59-83DB-62BE78305D06}" destId="{A7C62055-3F29-4F6F-8B87-02AE7F57BCB3}" srcOrd="0" destOrd="1" presId="urn:microsoft.com/office/officeart/2005/8/layout/list1"/>
     <dgm:cxn modelId="{81FAEC33-4457-4E95-9062-F7951F908B38}" srcId="{F7C9875A-7E67-4062-808C-B67D754DE4A0}" destId="{0AECD8BA-2D38-4948-B172-91290D58DADE}" srcOrd="4" destOrd="0" parTransId="{8EEBBED0-6C07-47CD-9DDF-848475052C4B}" sibTransId="{06A67F66-4F39-4FA3-A450-9C2018F77ACD}"/>
     <dgm:cxn modelId="{30283F38-61B0-4D0C-8E01-01811A3DB643}" type="presOf" srcId="{0AECD8BA-2D38-4948-B172-91290D58DADE}" destId="{8E18B898-8D51-4AEA-9B22-1846FC83BF26}" srcOrd="0" destOrd="5" presId="urn:microsoft.com/office/officeart/2005/8/layout/list1"/>
     <dgm:cxn modelId="{1EFE7D38-F0FE-4ECD-A50D-94C0FFDC00EE}" type="presOf" srcId="{B752656D-FC9F-4BEE-AB52-CE47EE92702F}" destId="{59EA9A27-F880-437B-88F2-0E89116463DF}" srcOrd="0" destOrd="0" presId="urn:microsoft.com/office/officeart/2005/8/layout/list1"/>
@@ -6784,6 +6919,7 @@
     <dgm:cxn modelId="{1BABFCDF-DA11-4D5A-A9F1-1B1F99A74A1A}" srcId="{D925B73C-A7EB-43DA-B763-35C48A54D6FB}" destId="{B752656D-FC9F-4BEE-AB52-CE47EE92702F}" srcOrd="0" destOrd="0" parTransId="{E3A83977-729C-42E8-941E-E159E106A75D}" sibTransId="{2A2164A9-2A17-426E-8D1F-7BB10226F7DD}"/>
     <dgm:cxn modelId="{05BD54E2-FC8D-4406-8FC6-89312A86E50D}" srcId="{B6F0EE07-1751-45D3-9431-A2F98C34175B}" destId="{884202E7-8061-44C2-92B7-5D587C6F2272}" srcOrd="0" destOrd="0" parTransId="{B43D36E8-08E6-44C7-853E-71A17CAEF5A3}" sibTransId="{976F98CB-37F0-4F09-B564-C448C49E91D0}"/>
     <dgm:cxn modelId="{E12B6CE7-4657-4D83-BBDB-264DE54DBA45}" type="presOf" srcId="{884202E7-8061-44C2-92B7-5D587C6F2272}" destId="{786C2888-DDCA-495B-B05E-F1C8DF8DE520}" srcOrd="0" destOrd="0" presId="urn:microsoft.com/office/officeart/2005/8/layout/list1"/>
+    <dgm:cxn modelId="{3941FCE7-E9A3-4BAD-9B81-67AC43EFA343}" srcId="{32C062A5-6745-41D0-A2BD-AE691DB0DF6F}" destId="{4263BAFA-CFAA-4E59-83DB-62BE78305D06}" srcOrd="1" destOrd="0" parTransId="{052C5352-2111-417B-9E38-C45A5DF13CBE}" sibTransId="{05A5E2A8-0493-45D5-AB7C-A5FA3D3CBDFC}"/>
     <dgm:cxn modelId="{E888F9F8-0AB1-4A2D-98FA-31FCE5119D45}" srcId="{F7C9875A-7E67-4062-808C-B67D754DE4A0}" destId="{21A9D935-6C46-4D29-BE07-F61255435642}" srcOrd="0" destOrd="0" parTransId="{D20D39CD-68DB-4A8E-BAD4-FA21E3368BCC}" sibTransId="{665D0079-57D7-4277-A839-135ACD597B69}"/>
     <dgm:cxn modelId="{E60B9DFC-6C0C-4A17-86ED-01E5F956443D}" type="presOf" srcId="{F7C9875A-7E67-4062-808C-B67D754DE4A0}" destId="{8E18B898-8D51-4AEA-9B22-1846FC83BF26}" srcOrd="0" destOrd="0" presId="urn:microsoft.com/office/officeart/2005/8/layout/list1"/>
     <dgm:cxn modelId="{E61B9B0A-0F5A-47E1-BFCD-524A1DA6B3CF}" type="presParOf" srcId="{1968ECA1-CC51-4720-991D-7AE70E7C124A}" destId="{33EDE569-906F-4956-A3FE-D203E4D7C92C}" srcOrd="0" destOrd="0" presId="urn:microsoft.com/office/officeart/2005/8/layout/list1"/>
@@ -8205,7 +8341,7 @@
           <a:avLst/>
         </a:prstGeom>
         <a:solidFill>
-          <a:schemeClr val="accent2">
+          <a:schemeClr val="accent1">
             <a:hueOff val="0"/>
             <a:satOff val="0"/>
             <a:lumOff val="0"/>
@@ -8291,9 +8427,9 @@
           <a:avLst/>
         </a:prstGeom>
         <a:solidFill>
-          <a:schemeClr val="accent2">
-            <a:hueOff val="-9882860"/>
-            <a:satOff val="451"/>
+          <a:schemeClr val="accent1">
+            <a:hueOff val="0"/>
+            <a:satOff val="0"/>
             <a:lumOff val="0"/>
             <a:alphaOff val="0"/>
           </a:schemeClr>
@@ -8344,26 +8480,15 @@
             <a:buNone/>
           </a:pPr>
           <a:r>
-            <a:rPr lang="en-US" sz="1900" b="1" i="0" kern="1200">
-              <a:solidFill>
-                <a:schemeClr val="bg1"/>
-              </a:solidFill>
-            </a:rPr>
+            <a:rPr lang="en-US" sz="1900" b="1" i="0" kern="1200"/>
             <a:t>Disability</a:t>
           </a:r>
           <a:r>
-            <a:rPr lang="en-US" sz="1900" b="0" i="0" kern="1200">
-              <a:solidFill>
-                <a:schemeClr val="bg1"/>
-              </a:solidFill>
-            </a:rPr>
+            <a:rPr lang="en-US" sz="1900" b="0" i="0" kern="1200"/>
             <a:t> – </a:t>
           </a:r>
           <a:r>
             <a:rPr lang="en-US" sz="1900" b="0" i="0" kern="1200">
-              <a:solidFill>
-                <a:schemeClr val="bg1"/>
-              </a:solidFill>
               <a:effectLst/>
               <a:latin typeface="+mn-lt"/>
               <a:ea typeface="+mn-ea"/>
@@ -8372,26 +8497,14 @@
             <a:t>Disability is defined as "a mismatch in interaction between the features of a person's body and the features of the environment in which they live.“</a:t>
           </a:r>
           <a:r>
-            <a:rPr lang="en-US" sz="1900" b="0" i="0" kern="1200">
-              <a:solidFill>
-                <a:schemeClr val="bg1"/>
-              </a:solidFill>
-            </a:rPr>
+            <a:rPr lang="en-US" sz="1900" b="0" i="0" kern="1200"/>
             <a:t>- </a:t>
           </a:r>
           <a:r>
-            <a:rPr lang="en-US" sz="1900" b="0" i="1" kern="1200">
-              <a:solidFill>
-                <a:schemeClr val="bg1"/>
-              </a:solidFill>
-            </a:rPr>
+            <a:rPr lang="en-US" sz="1900" b="0" i="1" kern="1200"/>
             <a:t>Microsoft Accessibility Fundamentals</a:t>
           </a:r>
-          <a:endParaRPr lang="en-US" sz="1900" i="1" kern="1200">
-            <a:solidFill>
-              <a:schemeClr val="bg1"/>
-            </a:solidFill>
-          </a:endParaRPr>
+          <a:endParaRPr lang="en-US" sz="1900" i="1" kern="1200"/>
         </a:p>
       </dsp:txBody>
       <dsp:txXfrm>
@@ -8413,9 +8526,9 @@
           <a:avLst/>
         </a:prstGeom>
         <a:solidFill>
-          <a:schemeClr val="accent2">
-            <a:hueOff val="-19765721"/>
-            <a:satOff val="901"/>
+          <a:schemeClr val="accent1">
+            <a:hueOff val="0"/>
+            <a:satOff val="0"/>
             <a:lumOff val="0"/>
             <a:alphaOff val="0"/>
           </a:schemeClr>
@@ -8466,34 +8579,17 @@
             <a:buNone/>
           </a:pPr>
           <a:r>
-            <a:rPr lang="en-US" sz="1900" b="1" kern="1200">
-              <a:solidFill>
-                <a:schemeClr val="bg1"/>
-              </a:solidFill>
-            </a:rPr>
+            <a:rPr lang="en-US" sz="1900" b="1" kern="1200"/>
             <a:t>Assistive Technology </a:t>
           </a:r>
           <a:r>
-            <a:rPr lang="en-US" sz="1900" kern="1200">
-              <a:solidFill>
-                <a:schemeClr val="bg1"/>
-              </a:solidFill>
-            </a:rPr>
-            <a:t>–</a:t>
-          </a:r>
-          <a:r>
             <a:rPr lang="en-US" sz="1900" kern="1200"/>
-            <a:t> “…any item, piece of equipment, software program, or product that is used to increase, maintain, or improve the functional capabilities of people with disabilities.” – </a:t>
+            <a:t>– “…any item, piece of equipment, software program, or product that is used to increase, maintain, or improve the functional capabilities of people with disabilities.” – </a:t>
           </a:r>
           <a:r>
             <a:rPr lang="en-US" sz="1900" i="1" kern="1200"/>
             <a:t>Assistive Technology Industry Association (ATIA)</a:t>
           </a:r>
-          <a:endParaRPr lang="en-US" sz="1900" i="1" kern="1200">
-            <a:solidFill>
-              <a:schemeClr val="bg1"/>
-            </a:solidFill>
-          </a:endParaRPr>
         </a:p>
       </dsp:txBody>
       <dsp:txXfrm>
@@ -8520,7 +8616,7 @@
       </dsp:nvSpPr>
       <dsp:spPr>
         <a:xfrm>
-          <a:off x="0" y="318871"/>
+          <a:off x="0" y="232246"/>
           <a:ext cx="6391275" cy="1143450"/>
         </a:xfrm>
         <a:prstGeom prst="rect">
@@ -8623,7 +8719,7 @@
         </a:p>
       </dsp:txBody>
       <dsp:txXfrm>
-        <a:off x="0" y="318871"/>
+        <a:off x="0" y="232246"/>
         <a:ext cx="6391275" cy="1143450"/>
       </dsp:txXfrm>
     </dsp:sp>
@@ -8634,14 +8730,19 @@
       </dsp:nvSpPr>
       <dsp:spPr>
         <a:xfrm>
-          <a:off x="319563" y="156511"/>
+          <a:off x="319563" y="69886"/>
           <a:ext cx="4473892" cy="324720"/>
         </a:xfrm>
         <a:prstGeom prst="roundRect">
           <a:avLst/>
         </a:prstGeom>
         <a:solidFill>
-          <a:srgbClr val="C21C4F"/>
+          <a:schemeClr val="accent2">
+            <a:hueOff val="0"/>
+            <a:satOff val="0"/>
+            <a:lumOff val="0"/>
+            <a:alphaOff val="0"/>
+          </a:schemeClr>
         </a:solidFill>
         <a:ln w="19050" cap="rnd" cmpd="sng" algn="ctr">
           <a:solidFill>
@@ -8697,7 +8798,7 @@
         </a:p>
       </dsp:txBody>
       <dsp:txXfrm>
-        <a:off x="335415" y="172363"/>
+        <a:off x="335415" y="85738"/>
         <a:ext cx="4442188" cy="293016"/>
       </dsp:txXfrm>
     </dsp:sp>
@@ -8708,8 +8809,8 @@
       </dsp:nvSpPr>
       <dsp:spPr>
         <a:xfrm>
-          <a:off x="0" y="1684081"/>
-          <a:ext cx="6391275" cy="623700"/>
+          <a:off x="0" y="1597456"/>
+          <a:ext cx="6391275" cy="796950"/>
         </a:xfrm>
         <a:prstGeom prst="rect">
           <a:avLst/>
@@ -8725,9 +8826,9 @@
         </a:solidFill>
         <a:ln w="19050" cap="rnd" cmpd="sng" algn="ctr">
           <a:solidFill>
-            <a:schemeClr val="accent2">
-              <a:hueOff val="-6588574"/>
-              <a:satOff val="300"/>
+            <a:schemeClr val="accent3">
+              <a:hueOff val="0"/>
+              <a:satOff val="0"/>
               <a:lumOff val="0"/>
               <a:alphaOff val="0"/>
             </a:schemeClr>
@@ -8767,11 +8868,11 @@
             <a:buChar char="•"/>
           </a:pPr>
           <a:r>
-            <a:rPr lang="en-US" sz="1100" b="0" i="0" kern="1200"/>
+            <a:rPr lang="en-US" sz="1100" b="0" i="0" kern="1200" dirty="0"/>
             <a:t>According to the </a:t>
           </a:r>
           <a:r>
-            <a:rPr lang="en-US" sz="1100" b="1" i="0" kern="1200">
+            <a:rPr lang="en-US" sz="1100" b="1" i="0" kern="1200" dirty="0">
               <a:hlinkClick xmlns:r="http://schemas.openxmlformats.org/officeDocument/2006/relationships" r:id="rId1">
                 <a:extLst>
                   <a:ext uri="{A12FA001-AC4F-418D-AE19-62706E023703}">
@@ -8783,15 +8884,33 @@
             <a:t>CDC</a:t>
           </a:r>
           <a:r>
-            <a:rPr lang="en-US" sz="1100" b="0" i="0" kern="1200"/>
-            <a:t>, 1 in 4 Americans have some type of disability. Approximately 26% of individuals.</a:t>
+            <a:rPr lang="en-US" sz="1100" b="0" i="0" kern="1200" dirty="0"/>
+            <a:t>, 1 in 4 Americans have some type of disability.</a:t>
           </a:r>
-          <a:endParaRPr lang="en-US" sz="1100" kern="1200"/>
+          <a:endParaRPr lang="en-US" sz="1100" kern="1200" dirty="0"/>
+        </a:p>
+        <a:p>
+          <a:pPr marL="57150" lvl="1" indent="-57150" algn="l" defTabSz="488950">
+            <a:lnSpc>
+              <a:spcPct val="90000"/>
+            </a:lnSpc>
+            <a:spcBef>
+              <a:spcPct val="0"/>
+            </a:spcBef>
+            <a:spcAft>
+              <a:spcPct val="15000"/>
+            </a:spcAft>
+            <a:buChar char="•"/>
+          </a:pPr>
+          <a:r>
+            <a:rPr lang="en-US" sz="1100" kern="1200" dirty="0"/>
+            <a:t>Customers and employees are drawn to places where they feel represented and respected.</a:t>
+          </a:r>
         </a:p>
       </dsp:txBody>
       <dsp:txXfrm>
-        <a:off x="0" y="1684081"/>
-        <a:ext cx="6391275" cy="623700"/>
+        <a:off x="0" y="1597456"/>
+        <a:ext cx="6391275" cy="796950"/>
       </dsp:txXfrm>
     </dsp:sp>
     <dsp:sp modelId="{BCE3C8F6-62D2-451B-85EE-22646F54173D}">
@@ -8801,14 +8920,19 @@
       </dsp:nvSpPr>
       <dsp:spPr>
         <a:xfrm>
-          <a:off x="319563" y="1521721"/>
+          <a:off x="319563" y="1435096"/>
           <a:ext cx="4473892" cy="324720"/>
         </a:xfrm>
         <a:prstGeom prst="roundRect">
           <a:avLst/>
         </a:prstGeom>
         <a:solidFill>
-          <a:srgbClr val="182CA4"/>
+          <a:schemeClr val="accent3">
+            <a:hueOff val="0"/>
+            <a:satOff val="0"/>
+            <a:lumOff val="0"/>
+            <a:alphaOff val="0"/>
+          </a:schemeClr>
         </a:solidFill>
         <a:ln w="19050" cap="rnd" cmpd="sng" algn="ctr">
           <a:solidFill>
@@ -8858,13 +8982,13 @@
           </a:pPr>
           <a:r>
             <a:rPr lang="en-US" sz="1100" b="0" i="0" kern="1200" dirty="0"/>
-            <a:t>Missing a lot of customers</a:t>
+            <a:t>Attract / Keep diverse customers &amp; talent</a:t>
           </a:r>
           <a:endParaRPr lang="en-US" sz="1100" kern="1200" dirty="0"/>
         </a:p>
       </dsp:txBody>
       <dsp:txXfrm>
-        <a:off x="335415" y="1537573"/>
+        <a:off x="335415" y="1450948"/>
         <a:ext cx="4442188" cy="293016"/>
       </dsp:txXfrm>
     </dsp:sp>
@@ -8875,7 +8999,7 @@
       </dsp:nvSpPr>
       <dsp:spPr>
         <a:xfrm>
-          <a:off x="0" y="2529541"/>
+          <a:off x="0" y="2616166"/>
           <a:ext cx="6391275" cy="952875"/>
         </a:xfrm>
         <a:prstGeom prst="rect">
@@ -8892,9 +9016,9 @@
         </a:solidFill>
         <a:ln w="19050" cap="rnd" cmpd="sng" algn="ctr">
           <a:solidFill>
-            <a:schemeClr val="accent2">
-              <a:hueOff val="-13177148"/>
-              <a:satOff val="601"/>
+            <a:schemeClr val="accent4">
+              <a:hueOff val="0"/>
+              <a:satOff val="0"/>
               <a:lumOff val="0"/>
               <a:alphaOff val="0"/>
             </a:schemeClr>
@@ -8974,7 +9098,7 @@
         </a:p>
       </dsp:txBody>
       <dsp:txXfrm>
-        <a:off x="0" y="2529541"/>
+        <a:off x="0" y="2616166"/>
         <a:ext cx="6391275" cy="952875"/>
       </dsp:txXfrm>
     </dsp:sp>
@@ -8985,14 +9109,19 @@
       </dsp:nvSpPr>
       <dsp:spPr>
         <a:xfrm>
-          <a:off x="319563" y="2367181"/>
+          <a:off x="319563" y="2453806"/>
           <a:ext cx="4473892" cy="324720"/>
         </a:xfrm>
         <a:prstGeom prst="roundRect">
           <a:avLst/>
         </a:prstGeom>
         <a:solidFill>
-          <a:srgbClr val="128017"/>
+          <a:schemeClr val="accent4">
+            <a:hueOff val="0"/>
+            <a:satOff val="0"/>
+            <a:lumOff val="0"/>
+            <a:alphaOff val="0"/>
+          </a:schemeClr>
         </a:solidFill>
         <a:ln w="19050" cap="rnd" cmpd="sng" algn="ctr">
           <a:solidFill>
@@ -9048,7 +9177,7 @@
         </a:p>
       </dsp:txBody>
       <dsp:txXfrm>
-        <a:off x="335415" y="2383033"/>
+        <a:off x="335415" y="2469658"/>
         <a:ext cx="4442188" cy="293016"/>
       </dsp:txXfrm>
     </dsp:sp>
@@ -9059,7 +9188,7 @@
       </dsp:nvSpPr>
       <dsp:spPr>
         <a:xfrm>
-          <a:off x="0" y="3704176"/>
+          <a:off x="0" y="3790801"/>
           <a:ext cx="6391275" cy="1386000"/>
         </a:xfrm>
         <a:prstGeom prst="rect">
@@ -9076,9 +9205,9 @@
         </a:solidFill>
         <a:ln w="19050" cap="rnd" cmpd="sng" algn="ctr">
           <a:solidFill>
-            <a:schemeClr val="accent2">
-              <a:hueOff val="-19765721"/>
-              <a:satOff val="901"/>
+            <a:schemeClr val="accent5">
+              <a:hueOff val="0"/>
+              <a:satOff val="0"/>
               <a:lumOff val="0"/>
               <a:alphaOff val="0"/>
             </a:schemeClr>
@@ -9220,7 +9349,7 @@
         </a:p>
       </dsp:txBody>
       <dsp:txXfrm>
-        <a:off x="0" y="3704176"/>
+        <a:off x="0" y="3790801"/>
         <a:ext cx="6391275" cy="1386000"/>
       </dsp:txXfrm>
     </dsp:sp>
@@ -9231,14 +9360,19 @@
       </dsp:nvSpPr>
       <dsp:spPr>
         <a:xfrm>
-          <a:off x="319563" y="3541816"/>
+          <a:off x="319563" y="3628441"/>
           <a:ext cx="4473892" cy="324720"/>
         </a:xfrm>
         <a:prstGeom prst="roundRect">
           <a:avLst/>
         </a:prstGeom>
         <a:solidFill>
-          <a:srgbClr val="C33F1B"/>
+          <a:schemeClr val="accent5">
+            <a:hueOff val="0"/>
+            <a:satOff val="0"/>
+            <a:lumOff val="0"/>
+            <a:alphaOff val="0"/>
+          </a:schemeClr>
         </a:solidFill>
         <a:ln w="19050" cap="rnd" cmpd="sng" algn="ctr">
           <a:solidFill>
@@ -9294,7 +9428,7 @@
         </a:p>
       </dsp:txBody>
       <dsp:txXfrm>
-        <a:off x="335415" y="3557668"/>
+        <a:off x="335415" y="3644293"/>
         <a:ext cx="4442188" cy="293016"/>
       </dsp:txXfrm>
     </dsp:sp>
@@ -18064,14 +18198,14 @@
         <p:spPr>
           <a:xfrm>
             <a:off x="0" y="0"/>
-            <a:ext cx="2971800" cy="458788"/>
+            <a:ext cx="3077739" cy="471054"/>
           </a:xfrm>
           <a:prstGeom prst="rect">
             <a:avLst/>
           </a:prstGeom>
         </p:spPr>
         <p:txBody>
-          <a:bodyPr vert="horz" lIns="91440" tIns="45720" rIns="91440" bIns="45720" rtlCol="0"/>
+          <a:bodyPr vert="horz" lIns="94229" tIns="47114" rIns="94229" bIns="47114" rtlCol="0"/>
           <a:lstStyle>
             <a:lvl1pPr algn="l">
               <a:defRPr sz="1200"/>
@@ -18094,15 +18228,15 @@
         </p:nvSpPr>
         <p:spPr>
           <a:xfrm>
-            <a:off x="3884613" y="0"/>
-            <a:ext cx="2971800" cy="458788"/>
+            <a:off x="4023092" y="0"/>
+            <a:ext cx="3077739" cy="471054"/>
           </a:xfrm>
           <a:prstGeom prst="rect">
             <a:avLst/>
           </a:prstGeom>
         </p:spPr>
         <p:txBody>
-          <a:bodyPr vert="horz" lIns="91440" tIns="45720" rIns="91440" bIns="45720" rtlCol="0"/>
+          <a:bodyPr vert="horz" lIns="94229" tIns="47114" rIns="94229" bIns="47114" rtlCol="0"/>
           <a:lstStyle>
             <a:lvl1pPr algn="r">
               <a:defRPr sz="1200"/>
@@ -18111,7 +18245,7 @@
           <a:p>
             <a:fld id="{6BEA0962-65BB-41FC-8F83-27AD2119E7B1}" type="datetimeFigureOut">
               <a:rPr lang="en-US" smtClean="0"/>
-              <a:t>8/19/2021</a:t>
+              <a:t>8/20/2021</a:t>
             </a:fld>
             <a:endParaRPr lang="en-US"/>
           </a:p>
@@ -18129,8 +18263,8 @@
         </p:nvSpPr>
         <p:spPr>
           <a:xfrm>
-            <a:off x="685800" y="1143000"/>
-            <a:ext cx="5486400" cy="3086100"/>
+            <a:off x="735013" y="1173163"/>
+            <a:ext cx="5632450" cy="3168650"/>
           </a:xfrm>
           <a:prstGeom prst="rect">
             <a:avLst/>
@@ -18143,7 +18277,7 @@
           </a:ln>
         </p:spPr>
         <p:txBody>
-          <a:bodyPr vert="horz" lIns="91440" tIns="45720" rIns="91440" bIns="45720" rtlCol="0" anchor="ctr"/>
+          <a:bodyPr vert="horz" lIns="94229" tIns="47114" rIns="94229" bIns="47114" rtlCol="0" anchor="ctr"/>
           <a:lstStyle/>
           <a:p>
             <a:endParaRPr lang="en-US"/>
@@ -18162,15 +18296,15 @@
         </p:nvSpPr>
         <p:spPr>
           <a:xfrm>
-            <a:off x="685800" y="4400550"/>
-            <a:ext cx="5486400" cy="3600450"/>
+            <a:off x="710248" y="4518204"/>
+            <a:ext cx="5681980" cy="3696712"/>
           </a:xfrm>
           <a:prstGeom prst="rect">
             <a:avLst/>
           </a:prstGeom>
         </p:spPr>
         <p:txBody>
-          <a:bodyPr vert="horz" lIns="91440" tIns="45720" rIns="91440" bIns="45720" rtlCol="0"/>
+          <a:bodyPr vert="horz" lIns="94229" tIns="47114" rIns="94229" bIns="47114" rtlCol="0"/>
           <a:lstStyle/>
           <a:p>
             <a:pPr lvl="0"/>
@@ -18221,15 +18355,15 @@
         </p:nvSpPr>
         <p:spPr>
           <a:xfrm>
-            <a:off x="0" y="8685213"/>
-            <a:ext cx="2971800" cy="458787"/>
+            <a:off x="0" y="8917422"/>
+            <a:ext cx="3077739" cy="471053"/>
           </a:xfrm>
           <a:prstGeom prst="rect">
             <a:avLst/>
           </a:prstGeom>
         </p:spPr>
         <p:txBody>
-          <a:bodyPr vert="horz" lIns="91440" tIns="45720" rIns="91440" bIns="45720" rtlCol="0" anchor="b"/>
+          <a:bodyPr vert="horz" lIns="94229" tIns="47114" rIns="94229" bIns="47114" rtlCol="0" anchor="b"/>
           <a:lstStyle>
             <a:lvl1pPr algn="l">
               <a:defRPr sz="1200"/>
@@ -18252,15 +18386,15 @@
         </p:nvSpPr>
         <p:spPr>
           <a:xfrm>
-            <a:off x="3884613" y="8685213"/>
-            <a:ext cx="2971800" cy="458787"/>
+            <a:off x="4023092" y="8917422"/>
+            <a:ext cx="3077739" cy="471053"/>
           </a:xfrm>
           <a:prstGeom prst="rect">
             <a:avLst/>
           </a:prstGeom>
         </p:spPr>
         <p:txBody>
-          <a:bodyPr vert="horz" lIns="91440" tIns="45720" rIns="91440" bIns="45720" rtlCol="0" anchor="b"/>
+          <a:bodyPr vert="horz" lIns="94229" tIns="47114" rIns="94229" bIns="47114" rtlCol="0" anchor="b"/>
           <a:lstStyle>
             <a:lvl1pPr algn="r">
               <a:defRPr sz="1200"/>
@@ -18422,7 +18556,7 @@
           <a:bodyPr/>
           <a:lstStyle/>
           <a:p>
-            <a:endParaRPr lang="en-US" dirty="0"/>
+            <a:endParaRPr lang="en-US"/>
           </a:p>
         </p:txBody>
       </p:sp>
@@ -18443,7 +18577,7 @@
           <a:p>
             <a:fld id="{7CB4C896-6F1B-4BB9-A8E9-CEDFDC71A181}" type="slidenum">
               <a:rPr lang="en-US" smtClean="0"/>
-              <a:t>2</a:t>
+              <a:t>1</a:t>
             </a:fld>
             <a:endParaRPr lang="en-US"/>
           </a:p>
@@ -18452,7 +18586,7 @@
     </p:spTree>
     <p:extLst>
       <p:ext uri="{BB962C8B-B14F-4D97-AF65-F5344CB8AC3E}">
-        <p14:creationId xmlns:p14="http://schemas.microsoft.com/office/powerpoint/2010/main" val="1404904244"/>
+        <p14:creationId xmlns:p14="http://schemas.microsoft.com/office/powerpoint/2010/main" val="2827082719"/>
       </p:ext>
     </p:extLst>
   </p:cSld>
@@ -18463,6 +18597,362 @@
 </file>
 
 <file path=ppt/notesSlides/notesSlide10.xml><?xml version="1.0" encoding="utf-8"?>
+<p:notes xmlns:a="http://schemas.openxmlformats.org/drawingml/2006/main" xmlns:r="http://schemas.openxmlformats.org/officeDocument/2006/relationships" xmlns:p="http://schemas.openxmlformats.org/presentationml/2006/main">
+  <p:cSld>
+    <p:spTree>
+      <p:nvGrpSpPr>
+        <p:cNvPr id="1" name=""/>
+        <p:cNvGrpSpPr/>
+        <p:nvPr/>
+      </p:nvGrpSpPr>
+      <p:grpSpPr>
+        <a:xfrm>
+          <a:off x="0" y="0"/>
+          <a:ext cx="0" cy="0"/>
+          <a:chOff x="0" y="0"/>
+          <a:chExt cx="0" cy="0"/>
+        </a:xfrm>
+      </p:grpSpPr>
+      <p:sp>
+        <p:nvSpPr>
+          <p:cNvPr id="2" name="Slide Image Placeholder 1"/>
+          <p:cNvSpPr>
+            <a:spLocks noGrp="1" noRot="1" noChangeAspect="1"/>
+          </p:cNvSpPr>
+          <p:nvPr>
+            <p:ph type="sldImg"/>
+          </p:nvPr>
+        </p:nvSpPr>
+        <p:spPr/>
+      </p:sp>
+      <p:sp>
+        <p:nvSpPr>
+          <p:cNvPr id="3" name="Notes Placeholder 2"/>
+          <p:cNvSpPr>
+            <a:spLocks noGrp="1"/>
+          </p:cNvSpPr>
+          <p:nvPr>
+            <p:ph type="body" idx="1"/>
+          </p:nvPr>
+        </p:nvSpPr>
+        <p:spPr/>
+        <p:txBody>
+          <a:bodyPr/>
+          <a:lstStyle/>
+          <a:p>
+            <a:endParaRPr lang="en-US"/>
+          </a:p>
+        </p:txBody>
+      </p:sp>
+      <p:sp>
+        <p:nvSpPr>
+          <p:cNvPr id="4" name="Slide Number Placeholder 3"/>
+          <p:cNvSpPr>
+            <a:spLocks noGrp="1"/>
+          </p:cNvSpPr>
+          <p:nvPr>
+            <p:ph type="sldNum" sz="quarter" idx="5"/>
+          </p:nvPr>
+        </p:nvSpPr>
+        <p:spPr/>
+        <p:txBody>
+          <a:bodyPr/>
+          <a:lstStyle/>
+          <a:p>
+            <a:fld id="{7CB4C896-6F1B-4BB9-A8E9-CEDFDC71A181}" type="slidenum">
+              <a:rPr lang="en-US" smtClean="0"/>
+              <a:t>10</a:t>
+            </a:fld>
+            <a:endParaRPr lang="en-US"/>
+          </a:p>
+        </p:txBody>
+      </p:sp>
+    </p:spTree>
+    <p:extLst>
+      <p:ext uri="{BB962C8B-B14F-4D97-AF65-F5344CB8AC3E}">
+        <p14:creationId xmlns:p14="http://schemas.microsoft.com/office/powerpoint/2010/main" val="2899759889"/>
+      </p:ext>
+    </p:extLst>
+  </p:cSld>
+  <p:clrMapOvr>
+    <a:masterClrMapping/>
+  </p:clrMapOvr>
+</p:notes>
+</file>
+
+<file path=ppt/notesSlides/notesSlide11.xml><?xml version="1.0" encoding="utf-8"?>
+<p:notes xmlns:a="http://schemas.openxmlformats.org/drawingml/2006/main" xmlns:r="http://schemas.openxmlformats.org/officeDocument/2006/relationships" xmlns:p="http://schemas.openxmlformats.org/presentationml/2006/main">
+  <p:cSld>
+    <p:spTree>
+      <p:nvGrpSpPr>
+        <p:cNvPr id="1" name=""/>
+        <p:cNvGrpSpPr/>
+        <p:nvPr/>
+      </p:nvGrpSpPr>
+      <p:grpSpPr>
+        <a:xfrm>
+          <a:off x="0" y="0"/>
+          <a:ext cx="0" cy="0"/>
+          <a:chOff x="0" y="0"/>
+          <a:chExt cx="0" cy="0"/>
+        </a:xfrm>
+      </p:grpSpPr>
+      <p:sp>
+        <p:nvSpPr>
+          <p:cNvPr id="2" name="Slide Image Placeholder 1"/>
+          <p:cNvSpPr>
+            <a:spLocks noGrp="1" noRot="1" noChangeAspect="1"/>
+          </p:cNvSpPr>
+          <p:nvPr>
+            <p:ph type="sldImg"/>
+          </p:nvPr>
+        </p:nvSpPr>
+        <p:spPr/>
+      </p:sp>
+      <p:sp>
+        <p:nvSpPr>
+          <p:cNvPr id="3" name="Notes Placeholder 2"/>
+          <p:cNvSpPr>
+            <a:spLocks noGrp="1"/>
+          </p:cNvSpPr>
+          <p:nvPr>
+            <p:ph type="body" idx="1"/>
+          </p:nvPr>
+        </p:nvSpPr>
+        <p:spPr/>
+        <p:txBody>
+          <a:bodyPr/>
+          <a:lstStyle/>
+          <a:p>
+            <a:endParaRPr lang="en-US"/>
+          </a:p>
+        </p:txBody>
+      </p:sp>
+      <p:sp>
+        <p:nvSpPr>
+          <p:cNvPr id="4" name="Slide Number Placeholder 3"/>
+          <p:cNvSpPr>
+            <a:spLocks noGrp="1"/>
+          </p:cNvSpPr>
+          <p:nvPr>
+            <p:ph type="sldNum" sz="quarter" idx="5"/>
+          </p:nvPr>
+        </p:nvSpPr>
+        <p:spPr/>
+        <p:txBody>
+          <a:bodyPr/>
+          <a:lstStyle/>
+          <a:p>
+            <a:fld id="{7CB4C896-6F1B-4BB9-A8E9-CEDFDC71A181}" type="slidenum">
+              <a:rPr lang="en-US" smtClean="0"/>
+              <a:t>11</a:t>
+            </a:fld>
+            <a:endParaRPr lang="en-US"/>
+          </a:p>
+        </p:txBody>
+      </p:sp>
+    </p:spTree>
+    <p:extLst>
+      <p:ext uri="{BB962C8B-B14F-4D97-AF65-F5344CB8AC3E}">
+        <p14:creationId xmlns:p14="http://schemas.microsoft.com/office/powerpoint/2010/main" val="3691347"/>
+      </p:ext>
+    </p:extLst>
+  </p:cSld>
+  <p:clrMapOvr>
+    <a:masterClrMapping/>
+  </p:clrMapOvr>
+</p:notes>
+</file>
+
+<file path=ppt/notesSlides/notesSlide12.xml><?xml version="1.0" encoding="utf-8"?>
+<p:notes xmlns:a="http://schemas.openxmlformats.org/drawingml/2006/main" xmlns:r="http://schemas.openxmlformats.org/officeDocument/2006/relationships" xmlns:p="http://schemas.openxmlformats.org/presentationml/2006/main">
+  <p:cSld>
+    <p:spTree>
+      <p:nvGrpSpPr>
+        <p:cNvPr id="1" name=""/>
+        <p:cNvGrpSpPr/>
+        <p:nvPr/>
+      </p:nvGrpSpPr>
+      <p:grpSpPr>
+        <a:xfrm>
+          <a:off x="0" y="0"/>
+          <a:ext cx="0" cy="0"/>
+          <a:chOff x="0" y="0"/>
+          <a:chExt cx="0" cy="0"/>
+        </a:xfrm>
+      </p:grpSpPr>
+      <p:sp>
+        <p:nvSpPr>
+          <p:cNvPr id="2" name="Slide Image Placeholder 1"/>
+          <p:cNvSpPr>
+            <a:spLocks noGrp="1" noRot="1" noChangeAspect="1"/>
+          </p:cNvSpPr>
+          <p:nvPr>
+            <p:ph type="sldImg"/>
+          </p:nvPr>
+        </p:nvSpPr>
+        <p:spPr/>
+      </p:sp>
+      <p:sp>
+        <p:nvSpPr>
+          <p:cNvPr id="3" name="Notes Placeholder 2"/>
+          <p:cNvSpPr>
+            <a:spLocks noGrp="1"/>
+          </p:cNvSpPr>
+          <p:nvPr>
+            <p:ph type="body" idx="1"/>
+          </p:nvPr>
+        </p:nvSpPr>
+        <p:spPr/>
+        <p:txBody>
+          <a:bodyPr/>
+          <a:lstStyle/>
+          <a:p>
+            <a:endParaRPr lang="en-US"/>
+          </a:p>
+        </p:txBody>
+      </p:sp>
+      <p:sp>
+        <p:nvSpPr>
+          <p:cNvPr id="4" name="Slide Number Placeholder 3"/>
+          <p:cNvSpPr>
+            <a:spLocks noGrp="1"/>
+          </p:cNvSpPr>
+          <p:nvPr>
+            <p:ph type="sldNum" sz="quarter" idx="5"/>
+          </p:nvPr>
+        </p:nvSpPr>
+        <p:spPr/>
+        <p:txBody>
+          <a:bodyPr/>
+          <a:lstStyle/>
+          <a:p>
+            <a:fld id="{7CB4C896-6F1B-4BB9-A8E9-CEDFDC71A181}" type="slidenum">
+              <a:rPr lang="en-US" smtClean="0"/>
+              <a:t>12</a:t>
+            </a:fld>
+            <a:endParaRPr lang="en-US"/>
+          </a:p>
+        </p:txBody>
+      </p:sp>
+    </p:spTree>
+    <p:extLst>
+      <p:ext uri="{BB962C8B-B14F-4D97-AF65-F5344CB8AC3E}">
+        <p14:creationId xmlns:p14="http://schemas.microsoft.com/office/powerpoint/2010/main" val="1735599559"/>
+      </p:ext>
+    </p:extLst>
+  </p:cSld>
+  <p:clrMapOvr>
+    <a:masterClrMapping/>
+  </p:clrMapOvr>
+</p:notes>
+</file>
+
+<file path=ppt/notesSlides/notesSlide13.xml><?xml version="1.0" encoding="utf-8"?>
+<p:notes xmlns:a="http://schemas.openxmlformats.org/drawingml/2006/main" xmlns:r="http://schemas.openxmlformats.org/officeDocument/2006/relationships" xmlns:p="http://schemas.openxmlformats.org/presentationml/2006/main">
+  <p:cSld>
+    <p:spTree>
+      <p:nvGrpSpPr>
+        <p:cNvPr id="1" name=""/>
+        <p:cNvGrpSpPr/>
+        <p:nvPr/>
+      </p:nvGrpSpPr>
+      <p:grpSpPr>
+        <a:xfrm>
+          <a:off x="0" y="0"/>
+          <a:ext cx="0" cy="0"/>
+          <a:chOff x="0" y="0"/>
+          <a:chExt cx="0" cy="0"/>
+        </a:xfrm>
+      </p:grpSpPr>
+      <p:sp>
+        <p:nvSpPr>
+          <p:cNvPr id="2" name="Slide Image Placeholder 1"/>
+          <p:cNvSpPr>
+            <a:spLocks noGrp="1" noRot="1" noChangeAspect="1"/>
+          </p:cNvSpPr>
+          <p:nvPr>
+            <p:ph type="sldImg"/>
+          </p:nvPr>
+        </p:nvSpPr>
+        <p:spPr/>
+      </p:sp>
+      <p:sp>
+        <p:nvSpPr>
+          <p:cNvPr id="3" name="Notes Placeholder 2"/>
+          <p:cNvSpPr>
+            <a:spLocks noGrp="1"/>
+          </p:cNvSpPr>
+          <p:nvPr>
+            <p:ph type="body" idx="1"/>
+          </p:nvPr>
+        </p:nvSpPr>
+        <p:spPr/>
+        <p:txBody>
+          <a:bodyPr/>
+          <a:lstStyle/>
+          <a:p>
+            <a:r>
+              <a:rPr lang="en-US" dirty="0"/>
+              <a:t>ARIA as defined by the MDN:</a:t>
+            </a:r>
+          </a:p>
+          <a:p>
+            <a:pPr defTabSz="942289">
+              <a:defRPr/>
+            </a:pPr>
+            <a:r>
+              <a:rPr lang="en-US" dirty="0"/>
+              <a:t>“Accessible Rich Internet Applications </a:t>
+            </a:r>
+            <a:r>
+              <a:rPr lang="en-US" b="1" dirty="0"/>
+              <a:t>(ARIA) </a:t>
+            </a:r>
+            <a:r>
+              <a:rPr lang="en-US" dirty="0"/>
+              <a:t>is a set of attributes that define ways to make web content and web applications (especially those developed with JavaScript) more accessible to people with disabilities.”</a:t>
+            </a:r>
+          </a:p>
+        </p:txBody>
+      </p:sp>
+      <p:sp>
+        <p:nvSpPr>
+          <p:cNvPr id="4" name="Slide Number Placeholder 3"/>
+          <p:cNvSpPr>
+            <a:spLocks noGrp="1"/>
+          </p:cNvSpPr>
+          <p:nvPr>
+            <p:ph type="sldNum" sz="quarter" idx="5"/>
+          </p:nvPr>
+        </p:nvSpPr>
+        <p:spPr/>
+        <p:txBody>
+          <a:bodyPr/>
+          <a:lstStyle/>
+          <a:p>
+            <a:fld id="{7CB4C896-6F1B-4BB9-A8E9-CEDFDC71A181}" type="slidenum">
+              <a:rPr lang="en-US" smtClean="0"/>
+              <a:t>13</a:t>
+            </a:fld>
+            <a:endParaRPr lang="en-US"/>
+          </a:p>
+        </p:txBody>
+      </p:sp>
+    </p:spTree>
+    <p:extLst>
+      <p:ext uri="{BB962C8B-B14F-4D97-AF65-F5344CB8AC3E}">
+        <p14:creationId xmlns:p14="http://schemas.microsoft.com/office/powerpoint/2010/main" val="1397212887"/>
+      </p:ext>
+    </p:extLst>
+  </p:cSld>
+  <p:clrMapOvr>
+    <a:masterClrMapping/>
+  </p:clrMapOvr>
+</p:notes>
+</file>
+
+<file path=ppt/notesSlides/notesSlide14.xml><?xml version="1.0" encoding="utf-8"?>
 <p:notes xmlns:a="http://schemas.openxmlformats.org/drawingml/2006/main" xmlns:r="http://schemas.openxmlformats.org/officeDocument/2006/relationships" xmlns:p="http://schemas.openxmlformats.org/presentationml/2006/main">
   <p:cSld>
     <p:spTree>
@@ -18546,7 +19036,7 @@
 </p:notes>
 </file>
 
-<file path=ppt/notesSlides/notesSlide11.xml><?xml version="1.0" encoding="utf-8"?>
+<file path=ppt/notesSlides/notesSlide15.xml><?xml version="1.0" encoding="utf-8"?>
 <p:notes xmlns:a="http://schemas.openxmlformats.org/drawingml/2006/main" xmlns:r="http://schemas.openxmlformats.org/officeDocument/2006/relationships" xmlns:p="http://schemas.openxmlformats.org/presentationml/2006/main">
   <p:cSld>
     <p:spTree>
@@ -18590,7 +19080,7 @@
           <a:bodyPr/>
           <a:lstStyle/>
           <a:p>
-            <a:pPr marL="171450" indent="-171450">
+            <a:pPr marL="176679" indent="-176679">
               <a:buFont typeface="Arial" panose="020B0604020202020204" pitchFamily="34" charset="0"/>
               <a:buChar char="•"/>
             </a:pPr>
@@ -18600,67 +19090,32 @@
             </a:r>
           </a:p>
           <a:p>
-            <a:pPr marL="171450" indent="-171450">
+            <a:pPr marL="176679" indent="-176679">
               <a:buFont typeface="Arial" panose="020B0604020202020204" pitchFamily="34" charset="0"/>
               <a:buChar char="•"/>
             </a:pPr>
             <a:r>
               <a:rPr lang="en-US" dirty="0"/>
-              <a:t>Further funded and established in 1879 as a major provider of educational materials to students with visual Accessibility needs through the first act to benefit students with visual needs through the </a:t>
+              <a:t>Further funded and established in 1879 as a major provider of educational materials to students with visual Accessibility needs through the first act to benefit students with visual needs through the "Act to Promote the Education of the Blind" provides funding to the Printing House for embossed books and apparatus for blind students throughout the country. This funding continues today through the </a:t>
             </a:r>
             <a:r>
-              <a:rPr lang="en-US" sz="1200" b="0" i="0" kern="1200" dirty="0">
-                <a:solidFill>
-                  <a:schemeClr val="tx1"/>
-                </a:solidFill>
-                <a:effectLst/>
-                <a:latin typeface="+mn-lt"/>
-                <a:ea typeface="+mn-ea"/>
-                <a:cs typeface="+mn-cs"/>
-              </a:rPr>
-              <a:t>"Act to Promote the Education of the Blind" provides funding to the Printing House for embossed books and apparatus for blind students throughout the country. This funding continues today through the </a:t>
-            </a:r>
-            <a:r>
-              <a:rPr lang="en-US" sz="1200" b="0" i="0" kern="1200" dirty="0">
-                <a:solidFill>
-                  <a:schemeClr val="tx1"/>
-                </a:solidFill>
-                <a:effectLst/>
-                <a:latin typeface="+mn-lt"/>
-                <a:ea typeface="+mn-ea"/>
-                <a:cs typeface="+mn-cs"/>
+              <a:rPr lang="en-US" dirty="0">
                 <a:hlinkClick r:id="rId3"/>
               </a:rPr>
               <a:t>Federal Quota Program</a:t>
             </a:r>
             <a:r>
-              <a:rPr lang="en-US" sz="1200" b="0" i="0" kern="1200" dirty="0">
-                <a:solidFill>
-                  <a:schemeClr val="tx1"/>
-                </a:solidFill>
-                <a:effectLst/>
-                <a:latin typeface="+mn-lt"/>
-                <a:ea typeface="+mn-ea"/>
-                <a:cs typeface="+mn-cs"/>
-              </a:rPr>
+              <a:rPr lang="en-US" dirty="0"/>
               <a:t>.</a:t>
             </a:r>
           </a:p>
           <a:p>
-            <a:pPr marL="171450" indent="-171450">
+            <a:pPr marL="176679" indent="-176679">
               <a:buFont typeface="Arial" panose="020B0604020202020204" pitchFamily="34" charset="0"/>
               <a:buChar char="•"/>
             </a:pPr>
             <a:r>
-              <a:rPr lang="en-US" sz="1200" b="0" i="0" kern="1200" dirty="0">
-                <a:solidFill>
-                  <a:schemeClr val="tx1"/>
-                </a:solidFill>
-                <a:effectLst/>
-                <a:latin typeface="+mn-lt"/>
-                <a:ea typeface="+mn-ea"/>
-                <a:cs typeface="+mn-cs"/>
-              </a:rPr>
+              <a:rPr lang="en-US" dirty="0"/>
               <a:t>Open Monday – Friday for tours and museum. I recommend visiting Monday – Thursday when the factory is more likely to be open unless Inventory is going on. Check out </a:t>
             </a:r>
             <a:r>
@@ -18712,7 +19167,7 @@
 </p:notes>
 </file>
 
-<file path=ppt/notesSlides/notesSlide12.xml><?xml version="1.0" encoding="utf-8"?>
+<file path=ppt/notesSlides/notesSlide16.xml><?xml version="1.0" encoding="utf-8"?>
 <p:notes xmlns:a="http://schemas.openxmlformats.org/drawingml/2006/main" xmlns:r="http://schemas.openxmlformats.org/officeDocument/2006/relationships" xmlns:p="http://schemas.openxmlformats.org/presentationml/2006/main">
   <p:cSld>
     <p:spTree>
@@ -18822,7 +19277,7 @@
 </p:notes>
 </file>
 
-<file path=ppt/notesSlides/notesSlide13.xml><?xml version="1.0" encoding="utf-8"?>
+<file path=ppt/notesSlides/notesSlide17.xml><?xml version="1.0" encoding="utf-8"?>
 <p:notes xmlns:a="http://schemas.openxmlformats.org/drawingml/2006/main" xmlns:r="http://schemas.openxmlformats.org/officeDocument/2006/relationships" xmlns:p="http://schemas.openxmlformats.org/presentationml/2006/main">
   <p:cSld>
     <p:spTree>
@@ -18950,87 +19405,7 @@
           <a:bodyPr/>
           <a:lstStyle/>
           <a:p>
-            <a:pPr marL="0" marR="0" lvl="0" indent="0" algn="l" defTabSz="914400" rtl="0" eaLnBrk="1" fontAlgn="auto" latinLnBrk="0" hangingPunct="1">
-              <a:lnSpc>
-                <a:spcPct val="100000"/>
-              </a:lnSpc>
-              <a:spcBef>
-                <a:spcPts val="0"/>
-              </a:spcBef>
-              <a:spcAft>
-                <a:spcPts val="0"/>
-              </a:spcAft>
-              <a:buClrTx/>
-              <a:buSzTx/>
-              <a:buFontTx/>
-              <a:buNone/>
-              <a:tabLst/>
-              <a:defRPr/>
-            </a:pPr>
-            <a:r>
-              <a:rPr lang="en-US" b="0" i="0"/>
-              <a:t>“A disability is any condition of the body or mind (impairment) that makes it more difficult for the person with the condition to do certain activities (activity limitation) and interact with the world around them (participation restrictions).” – CDC</a:t>
-            </a:r>
-          </a:p>
-          <a:p>
-            <a:pPr marL="0" marR="0" lvl="0" indent="0" algn="l" defTabSz="914400" rtl="0" eaLnBrk="1" fontAlgn="auto" latinLnBrk="0" hangingPunct="1">
-              <a:lnSpc>
-                <a:spcPct val="100000"/>
-              </a:lnSpc>
-              <a:spcBef>
-                <a:spcPts val="0"/>
-              </a:spcBef>
-              <a:spcAft>
-                <a:spcPts val="0"/>
-              </a:spcAft>
-              <a:buClrTx/>
-              <a:buSzTx/>
-              <a:buFontTx/>
-              <a:buNone/>
-              <a:tabLst/>
-              <a:defRPr/>
-            </a:pPr>
-            <a:endParaRPr lang="en-US" sz="1200" b="0" i="0" kern="1200">
-              <a:solidFill>
-                <a:schemeClr val="tx1"/>
-              </a:solidFill>
-              <a:effectLst/>
-              <a:latin typeface="+mn-lt"/>
-              <a:ea typeface="+mn-ea"/>
-              <a:cs typeface="+mn-cs"/>
-            </a:endParaRPr>
-          </a:p>
-          <a:p>
-            <a:pPr marL="0" marR="0" lvl="0" indent="0" algn="l" defTabSz="914400" rtl="0" eaLnBrk="1" fontAlgn="auto" latinLnBrk="0" hangingPunct="1">
-              <a:lnSpc>
-                <a:spcPct val="100000"/>
-              </a:lnSpc>
-              <a:spcBef>
-                <a:spcPts val="0"/>
-              </a:spcBef>
-              <a:spcAft>
-                <a:spcPts val="0"/>
-              </a:spcAft>
-              <a:buClrTx/>
-              <a:buSzTx/>
-              <a:buFontTx/>
-              <a:buNone/>
-              <a:tabLst/>
-              <a:defRPr/>
-            </a:pPr>
-            <a:r>
-              <a:rPr lang="en-US" sz="1200" b="0" i="0" kern="1200">
-                <a:solidFill>
-                  <a:schemeClr val="tx1"/>
-                </a:solidFill>
-                <a:effectLst/>
-                <a:latin typeface="+mn-lt"/>
-                <a:ea typeface="+mn-ea"/>
-                <a:cs typeface="+mn-cs"/>
-              </a:rPr>
-              <a:t>Assistive Technology seeks to offset the mismatch between a person and their environment.</a:t>
-            </a:r>
-            <a:endParaRPr lang="en-US"/>
+            <a:endParaRPr lang="en-US" dirty="0"/>
           </a:p>
         </p:txBody>
       </p:sp>
@@ -19051,7 +19426,7 @@
           <a:p>
             <a:fld id="{7CB4C896-6F1B-4BB9-A8E9-CEDFDC71A181}" type="slidenum">
               <a:rPr lang="en-US" smtClean="0"/>
-              <a:t>3</a:t>
+              <a:t>2</a:t>
             </a:fld>
             <a:endParaRPr lang="en-US"/>
           </a:p>
@@ -19060,7 +19435,7 @@
     </p:spTree>
     <p:extLst>
       <p:ext uri="{BB962C8B-B14F-4D97-AF65-F5344CB8AC3E}">
-        <p14:creationId xmlns:p14="http://schemas.microsoft.com/office/powerpoint/2010/main" val="106035708"/>
+        <p14:creationId xmlns:p14="http://schemas.microsoft.com/office/powerpoint/2010/main" val="1404904244"/>
       </p:ext>
     </p:extLst>
   </p:cSld>
@@ -19114,21 +19489,112 @@
           <a:bodyPr/>
           <a:lstStyle/>
           <a:p>
-            <a:pPr marL="0" marR="0" lvl="0" indent="0" algn="l" defTabSz="914400" rtl="0" eaLnBrk="1" fontAlgn="auto" latinLnBrk="0" hangingPunct="1">
-              <a:lnSpc>
-                <a:spcPct val="100000"/>
-              </a:lnSpc>
-              <a:spcBef>
-                <a:spcPts val="0"/>
-              </a:spcBef>
-              <a:spcAft>
-                <a:spcPts val="0"/>
-              </a:spcAft>
-              <a:buClrTx/>
-              <a:buSzTx/>
-              <a:buFontTx/>
-              <a:buNone/>
-              <a:tabLst/>
+            <a:pPr defTabSz="942289">
+              <a:defRPr/>
+            </a:pPr>
+            <a:r>
+              <a:rPr lang="en-US" sz="1100" dirty="0"/>
+              <a:t>“A disability is any condition of the body or mind (impairment) that makes it more difficult for the person with the condition to do certain activities (activity limitation) and interact with the world around them (participation restrictions).” – CDC</a:t>
+            </a:r>
+          </a:p>
+          <a:p>
+            <a:pPr defTabSz="942289">
+              <a:defRPr/>
+            </a:pPr>
+            <a:endParaRPr lang="en-US" sz="1100" dirty="0"/>
+          </a:p>
+          <a:p>
+            <a:pPr defTabSz="942289">
+              <a:defRPr/>
+            </a:pPr>
+            <a:r>
+              <a:rPr lang="en-US" sz="1100" dirty="0"/>
+              <a:t>Assistive Technology seeks to offset the mismatch between a person and their environment.</a:t>
+            </a:r>
+          </a:p>
+        </p:txBody>
+      </p:sp>
+      <p:sp>
+        <p:nvSpPr>
+          <p:cNvPr id="4" name="Slide Number Placeholder 3"/>
+          <p:cNvSpPr>
+            <a:spLocks noGrp="1"/>
+          </p:cNvSpPr>
+          <p:nvPr>
+            <p:ph type="sldNum" sz="quarter" idx="5"/>
+          </p:nvPr>
+        </p:nvSpPr>
+        <p:spPr/>
+        <p:txBody>
+          <a:bodyPr/>
+          <a:lstStyle/>
+          <a:p>
+            <a:fld id="{7CB4C896-6F1B-4BB9-A8E9-CEDFDC71A181}" type="slidenum">
+              <a:rPr lang="en-US" smtClean="0"/>
+              <a:t>3</a:t>
+            </a:fld>
+            <a:endParaRPr lang="en-US"/>
+          </a:p>
+        </p:txBody>
+      </p:sp>
+    </p:spTree>
+    <p:extLst>
+      <p:ext uri="{BB962C8B-B14F-4D97-AF65-F5344CB8AC3E}">
+        <p14:creationId xmlns:p14="http://schemas.microsoft.com/office/powerpoint/2010/main" val="106035708"/>
+      </p:ext>
+    </p:extLst>
+  </p:cSld>
+  <p:clrMapOvr>
+    <a:masterClrMapping/>
+  </p:clrMapOvr>
+</p:notes>
+</file>
+
+<file path=ppt/notesSlides/notesSlide4.xml><?xml version="1.0" encoding="utf-8"?>
+<p:notes xmlns:a="http://schemas.openxmlformats.org/drawingml/2006/main" xmlns:r="http://schemas.openxmlformats.org/officeDocument/2006/relationships" xmlns:p="http://schemas.openxmlformats.org/presentationml/2006/main">
+  <p:cSld>
+    <p:spTree>
+      <p:nvGrpSpPr>
+        <p:cNvPr id="1" name=""/>
+        <p:cNvGrpSpPr/>
+        <p:nvPr/>
+      </p:nvGrpSpPr>
+      <p:grpSpPr>
+        <a:xfrm>
+          <a:off x="0" y="0"/>
+          <a:ext cx="0" cy="0"/>
+          <a:chOff x="0" y="0"/>
+          <a:chExt cx="0" cy="0"/>
+        </a:xfrm>
+      </p:grpSpPr>
+      <p:sp>
+        <p:nvSpPr>
+          <p:cNvPr id="2" name="Slide Image Placeholder 1"/>
+          <p:cNvSpPr>
+            <a:spLocks noGrp="1" noRot="1" noChangeAspect="1"/>
+          </p:cNvSpPr>
+          <p:nvPr>
+            <p:ph type="sldImg"/>
+          </p:nvPr>
+        </p:nvSpPr>
+        <p:spPr/>
+      </p:sp>
+      <p:sp>
+        <p:nvSpPr>
+          <p:cNvPr id="3" name="Notes Placeholder 2"/>
+          <p:cNvSpPr>
+            <a:spLocks noGrp="1"/>
+          </p:cNvSpPr>
+          <p:nvPr>
+            <p:ph type="body" idx="1"/>
+          </p:nvPr>
+        </p:nvSpPr>
+        <p:spPr/>
+        <p:txBody>
+          <a:bodyPr/>
+          <a:lstStyle/>
+          <a:p>
+            <a:pPr defTabSz="942289">
               <a:defRPr/>
             </a:pPr>
             <a:r>
@@ -19137,40 +19603,18 @@
             </a:r>
           </a:p>
           <a:p>
-            <a:pPr marL="0" marR="0" lvl="0" indent="0" algn="l" defTabSz="914400" rtl="0" eaLnBrk="1" fontAlgn="auto" latinLnBrk="0" hangingPunct="1">
-              <a:lnSpc>
-                <a:spcPct val="100000"/>
-              </a:lnSpc>
-              <a:spcBef>
-                <a:spcPts val="0"/>
-              </a:spcBef>
-              <a:spcAft>
-                <a:spcPts val="0"/>
-              </a:spcAft>
-              <a:buClrTx/>
-              <a:buSzTx/>
-              <a:buFontTx/>
-              <a:buNone/>
-              <a:tabLst/>
+            <a:pPr defTabSz="942289">
               <a:defRPr/>
             </a:pPr>
             <a:endParaRPr lang="en-US" dirty="0"/>
           </a:p>
           <a:p>
-            <a:pPr marL="0" indent="0">
-              <a:buFontTx/>
-              <a:buNone/>
-            </a:pPr>
             <a:r>
               <a:rPr lang="en-US" dirty="0"/>
               <a:t>When things are not accessible it can lead to people feeling and being isolated, cause them to not have access to the same opportunities, etc.</a:t>
             </a:r>
           </a:p>
           <a:p>
-            <a:pPr marL="0" indent="0">
-              <a:buFontTx/>
-              <a:buNone/>
-            </a:pPr>
             <a:r>
               <a:rPr lang="en-US" dirty="0"/>
               <a:t>It can cause people to have trouble making good decisions for themselves and others due to lack of up to date, pertinent information This has heavily seen in the current pandemic where individuals with disabilities accounted for in some areas as many as 6 in 10 of the deaths from COVID. This is often attributed to these individuals having a harder time accessing information on prevention, resources, and more that would have helped them.</a:t>
@@ -19186,7 +19630,7 @@
             </a:r>
           </a:p>
           <a:p>
-            <a:pPr marL="171450" indent="-171450">
+            <a:pPr marL="176679" indent="-176679">
               <a:buFontTx/>
               <a:buChar char="-"/>
             </a:pPr>
@@ -19196,7 +19640,7 @@
             </a:r>
           </a:p>
           <a:p>
-            <a:pPr marL="628650" lvl="1" indent="-171450">
+            <a:pPr marL="647824" lvl="1" indent="-176679">
               <a:buFontTx/>
               <a:buChar char="-"/>
             </a:pPr>
@@ -19206,7 +19650,7 @@
             </a:r>
           </a:p>
           <a:p>
-            <a:pPr marL="171450" indent="-171450">
+            <a:pPr marL="176679" indent="-176679">
               <a:buFontTx/>
               <a:buChar char="-"/>
             </a:pPr>
@@ -19216,7 +19660,7 @@
             </a:r>
           </a:p>
           <a:p>
-            <a:pPr marL="171450" indent="-171450">
+            <a:pPr marL="176679" indent="-176679">
               <a:buFontTx/>
               <a:buChar char="-"/>
             </a:pPr>
@@ -19226,7 +19670,7 @@
             </a:r>
           </a:p>
           <a:p>
-            <a:pPr marL="171450" indent="-171450">
+            <a:pPr marL="176679" indent="-176679">
               <a:buFontTx/>
               <a:buChar char="-"/>
             </a:pPr>
@@ -19273,7 +19717,7 @@
 </p:notes>
 </file>
 
-<file path=ppt/notesSlides/notesSlide4.xml><?xml version="1.0" encoding="utf-8"?>
+<file path=ppt/notesSlides/notesSlide5.xml><?xml version="1.0" encoding="utf-8"?>
 <p:notes xmlns:a="http://schemas.openxmlformats.org/drawingml/2006/main" xmlns:r="http://schemas.openxmlformats.org/officeDocument/2006/relationships" xmlns:p="http://schemas.openxmlformats.org/presentationml/2006/main">
   <p:cSld>
     <p:spTree>
@@ -19374,7 +19818,7 @@
 </p:notes>
 </file>
 
-<file path=ppt/notesSlides/notesSlide5.xml><?xml version="1.0" encoding="utf-8"?>
+<file path=ppt/notesSlides/notesSlide6.xml><?xml version="1.0" encoding="utf-8"?>
 <p:notes xmlns:a="http://schemas.openxmlformats.org/drawingml/2006/main" xmlns:r="http://schemas.openxmlformats.org/officeDocument/2006/relationships" xmlns:p="http://schemas.openxmlformats.org/presentationml/2006/main">
   <p:cSld>
     <p:spTree>
@@ -19458,7 +19902,7 @@
 </p:notes>
 </file>
 
-<file path=ppt/notesSlides/notesSlide6.xml><?xml version="1.0" encoding="utf-8"?>
+<file path=ppt/notesSlides/notesSlide7.xml><?xml version="1.0" encoding="utf-8"?>
 <p:notes xmlns:a="http://schemas.openxmlformats.org/drawingml/2006/main" xmlns:r="http://schemas.openxmlformats.org/officeDocument/2006/relationships" xmlns:p="http://schemas.openxmlformats.org/presentationml/2006/main">
   <p:cSld>
     <p:spTree>
@@ -19558,7 +20002,7 @@
 </p:notes>
 </file>
 
-<file path=ppt/notesSlides/notesSlide7.xml><?xml version="1.0" encoding="utf-8"?>
+<file path=ppt/notesSlides/notesSlide8.xml><?xml version="1.0" encoding="utf-8"?>
 <p:notes xmlns:a="http://schemas.openxmlformats.org/drawingml/2006/main" xmlns:r="http://schemas.openxmlformats.org/officeDocument/2006/relationships" xmlns:p="http://schemas.openxmlformats.org/presentationml/2006/main">
   <p:cSld>
     <p:spTree>
@@ -19611,21 +20055,7 @@
             <a:endParaRPr lang="en-US" dirty="0"/>
           </a:p>
           <a:p>
-            <a:pPr marL="0" marR="0" lvl="0" indent="0" algn="l" defTabSz="914400" rtl="0" eaLnBrk="1" fontAlgn="auto" latinLnBrk="0" hangingPunct="1">
-              <a:lnSpc>
-                <a:spcPct val="100000"/>
-              </a:lnSpc>
-              <a:spcBef>
-                <a:spcPts val="0"/>
-              </a:spcBef>
-              <a:spcAft>
-                <a:spcPts val="0"/>
-              </a:spcAft>
-              <a:buClrTx/>
-              <a:buSzTx/>
-              <a:buFontTx/>
-              <a:buNone/>
-              <a:tabLst/>
+            <a:pPr defTabSz="942289">
               <a:defRPr/>
             </a:pPr>
             <a:r>
@@ -19634,41 +20064,15 @@
             </a:r>
           </a:p>
           <a:p>
-            <a:pPr marL="0" marR="0" lvl="0" indent="0" algn="l" defTabSz="914400" rtl="0" eaLnBrk="1" fontAlgn="auto" latinLnBrk="0" hangingPunct="1">
-              <a:lnSpc>
-                <a:spcPct val="100000"/>
-              </a:lnSpc>
-              <a:spcBef>
-                <a:spcPts val="0"/>
-              </a:spcBef>
-              <a:spcAft>
-                <a:spcPts val="0"/>
-              </a:spcAft>
-              <a:buClrTx/>
-              <a:buSzTx/>
-              <a:buFontTx/>
-              <a:buNone/>
-              <a:tabLst/>
+            <a:pPr defTabSz="942289">
               <a:defRPr/>
             </a:pPr>
             <a:endParaRPr lang="en-US" dirty="0"/>
           </a:p>
           <a:p>
-            <a:pPr marL="171450" marR="0" lvl="0" indent="-171450" algn="l" defTabSz="914400" rtl="0" eaLnBrk="1" fontAlgn="auto" latinLnBrk="0" hangingPunct="1">
-              <a:lnSpc>
-                <a:spcPct val="100000"/>
-              </a:lnSpc>
-              <a:spcBef>
-                <a:spcPts val="0"/>
-              </a:spcBef>
-              <a:spcAft>
-                <a:spcPts val="0"/>
-              </a:spcAft>
-              <a:buClrTx/>
-              <a:buSzTx/>
+            <a:pPr marL="176679" indent="-176679" defTabSz="942289">
               <a:buFont typeface="Arial" panose="020B0604020202020204" pitchFamily="34" charset="0"/>
               <a:buChar char="•"/>
-              <a:tabLst/>
               <a:defRPr/>
             </a:pPr>
             <a:r>
@@ -19677,21 +20081,9 @@
             </a:r>
           </a:p>
           <a:p>
-            <a:pPr marL="628650" marR="0" lvl="1" indent="-171450" algn="l" defTabSz="914400" rtl="0" eaLnBrk="1" fontAlgn="auto" latinLnBrk="0" hangingPunct="1">
-              <a:lnSpc>
-                <a:spcPct val="100000"/>
-              </a:lnSpc>
-              <a:spcBef>
-                <a:spcPts val="0"/>
-              </a:spcBef>
-              <a:spcAft>
-                <a:spcPts val="0"/>
-              </a:spcAft>
-              <a:buClrTx/>
-              <a:buSzTx/>
+            <a:pPr marL="647824" lvl="1" indent="-176679" defTabSz="942289">
               <a:buFont typeface="Arial" panose="020B0604020202020204" pitchFamily="34" charset="0"/>
               <a:buChar char="•"/>
-              <a:tabLst/>
               <a:defRPr/>
             </a:pPr>
             <a:r>
@@ -19708,21 +20100,9 @@
             </a:r>
           </a:p>
           <a:p>
-            <a:pPr marL="628650" marR="0" lvl="1" indent="-171450" algn="l" defTabSz="914400" rtl="0" eaLnBrk="1" fontAlgn="auto" latinLnBrk="0" hangingPunct="1">
-              <a:lnSpc>
-                <a:spcPct val="100000"/>
-              </a:lnSpc>
-              <a:spcBef>
-                <a:spcPts val="0"/>
-              </a:spcBef>
-              <a:spcAft>
-                <a:spcPts val="0"/>
-              </a:spcAft>
-              <a:buClrTx/>
-              <a:buSzTx/>
+            <a:pPr marL="647824" lvl="1" indent="-176679" defTabSz="942289">
               <a:buFont typeface="Arial" panose="020B0604020202020204" pitchFamily="34" charset="0"/>
               <a:buChar char="•"/>
-              <a:tabLst/>
               <a:defRPr/>
             </a:pPr>
             <a:r>
@@ -19731,21 +20111,9 @@
             </a:r>
           </a:p>
           <a:p>
-            <a:pPr marL="628650" marR="0" lvl="1" indent="-171450" algn="l" defTabSz="914400" rtl="0" eaLnBrk="1" fontAlgn="auto" latinLnBrk="0" hangingPunct="1">
-              <a:lnSpc>
-                <a:spcPct val="100000"/>
-              </a:lnSpc>
-              <a:spcBef>
-                <a:spcPts val="0"/>
-              </a:spcBef>
-              <a:spcAft>
-                <a:spcPts val="0"/>
-              </a:spcAft>
-              <a:buClrTx/>
-              <a:buSzTx/>
+            <a:pPr marL="647824" lvl="1" indent="-176679" defTabSz="942289">
               <a:buFont typeface="Arial" panose="020B0604020202020204" pitchFamily="34" charset="0"/>
               <a:buChar char="•"/>
-              <a:tabLst/>
               <a:defRPr/>
             </a:pPr>
             <a:r>
@@ -19754,21 +20122,9 @@
             </a:r>
           </a:p>
           <a:p>
-            <a:pPr marL="1085850" marR="0" lvl="2" indent="-171450" algn="l" defTabSz="914400" rtl="0" eaLnBrk="1" fontAlgn="auto" latinLnBrk="0" hangingPunct="1">
-              <a:lnSpc>
-                <a:spcPct val="100000"/>
-              </a:lnSpc>
-              <a:spcBef>
-                <a:spcPts val="0"/>
-              </a:spcBef>
-              <a:spcAft>
-                <a:spcPts val="0"/>
-              </a:spcAft>
-              <a:buClrTx/>
-              <a:buSzTx/>
+            <a:pPr marL="1118968" lvl="2" indent="-176679" defTabSz="942289">
               <a:buFont typeface="Arial" panose="020B0604020202020204" pitchFamily="34" charset="0"/>
               <a:buChar char="•"/>
-              <a:tabLst/>
               <a:defRPr/>
             </a:pPr>
             <a:r>
@@ -19777,21 +20133,9 @@
             </a:r>
           </a:p>
           <a:p>
-            <a:pPr marL="1085850" marR="0" lvl="2" indent="-171450" algn="l" defTabSz="914400" rtl="0" eaLnBrk="1" fontAlgn="auto" latinLnBrk="0" hangingPunct="1">
-              <a:lnSpc>
-                <a:spcPct val="100000"/>
-              </a:lnSpc>
-              <a:spcBef>
-                <a:spcPts val="0"/>
-              </a:spcBef>
-              <a:spcAft>
-                <a:spcPts val="0"/>
-              </a:spcAft>
-              <a:buClrTx/>
-              <a:buSzTx/>
+            <a:pPr marL="1118968" lvl="2" indent="-176679" defTabSz="942289">
               <a:buFont typeface="Arial" panose="020B0604020202020204" pitchFamily="34" charset="0"/>
               <a:buChar char="•"/>
-              <a:tabLst/>
               <a:defRPr/>
             </a:pPr>
             <a:r>
@@ -19800,21 +20144,9 @@
             </a:r>
           </a:p>
           <a:p>
-            <a:pPr marL="1085850" marR="0" lvl="2" indent="-171450" algn="l" defTabSz="914400" rtl="0" eaLnBrk="1" fontAlgn="auto" latinLnBrk="0" hangingPunct="1">
-              <a:lnSpc>
-                <a:spcPct val="100000"/>
-              </a:lnSpc>
-              <a:spcBef>
-                <a:spcPts val="0"/>
-              </a:spcBef>
-              <a:spcAft>
-                <a:spcPts val="0"/>
-              </a:spcAft>
-              <a:buClrTx/>
-              <a:buSzTx/>
+            <a:pPr marL="1118968" lvl="2" indent="-176679" defTabSz="942289">
               <a:buFont typeface="Arial" panose="020B0604020202020204" pitchFamily="34" charset="0"/>
               <a:buChar char="•"/>
-              <a:tabLst/>
               <a:defRPr/>
             </a:pPr>
             <a:r>
@@ -19823,21 +20155,9 @@
             </a:r>
           </a:p>
           <a:p>
-            <a:pPr marL="1085850" marR="0" lvl="2" indent="-171450" algn="l" defTabSz="914400" rtl="0" eaLnBrk="1" fontAlgn="auto" latinLnBrk="0" hangingPunct="1">
-              <a:lnSpc>
-                <a:spcPct val="100000"/>
-              </a:lnSpc>
-              <a:spcBef>
-                <a:spcPts val="0"/>
-              </a:spcBef>
-              <a:spcAft>
-                <a:spcPts val="0"/>
-              </a:spcAft>
-              <a:buClrTx/>
-              <a:buSzTx/>
+            <a:pPr marL="1118968" lvl="2" indent="-176679" defTabSz="942289">
               <a:buFont typeface="Arial" panose="020B0604020202020204" pitchFamily="34" charset="0"/>
               <a:buChar char="•"/>
-              <a:tabLst/>
               <a:defRPr/>
             </a:pPr>
             <a:r>
@@ -19846,21 +20166,9 @@
             </a:r>
           </a:p>
           <a:p>
-            <a:pPr marL="171450" marR="0" lvl="0" indent="-171450" algn="l" defTabSz="914400" rtl="0" eaLnBrk="1" fontAlgn="auto" latinLnBrk="0" hangingPunct="1">
-              <a:lnSpc>
-                <a:spcPct val="100000"/>
-              </a:lnSpc>
-              <a:spcBef>
-                <a:spcPts val="0"/>
-              </a:spcBef>
-              <a:spcAft>
-                <a:spcPts val="0"/>
-              </a:spcAft>
-              <a:buClrTx/>
-              <a:buSzTx/>
+            <a:pPr marL="176679" indent="-176679" defTabSz="942289">
               <a:buFont typeface="Arial" panose="020B0604020202020204" pitchFamily="34" charset="0"/>
               <a:buChar char="•"/>
-              <a:tabLst/>
               <a:defRPr/>
             </a:pPr>
             <a:r>
@@ -19869,21 +20177,9 @@
             </a:r>
           </a:p>
           <a:p>
-            <a:pPr marL="628650" marR="0" lvl="1" indent="-171450" algn="l" defTabSz="914400" rtl="0" eaLnBrk="1" fontAlgn="auto" latinLnBrk="0" hangingPunct="1">
-              <a:lnSpc>
-                <a:spcPct val="100000"/>
-              </a:lnSpc>
-              <a:spcBef>
-                <a:spcPts val="0"/>
-              </a:spcBef>
-              <a:spcAft>
-                <a:spcPts val="0"/>
-              </a:spcAft>
-              <a:buClrTx/>
-              <a:buSzTx/>
+            <a:pPr marL="647824" lvl="1" indent="-176679" defTabSz="942289">
               <a:buFont typeface="Arial" panose="020B0604020202020204" pitchFamily="34" charset="0"/>
               <a:buChar char="•"/>
-              <a:tabLst/>
               <a:defRPr/>
             </a:pPr>
             <a:r>
@@ -19892,21 +20188,9 @@
             </a:r>
           </a:p>
           <a:p>
-            <a:pPr marL="1085850" marR="0" lvl="2" indent="-171450" algn="l" defTabSz="914400" rtl="0" eaLnBrk="1" fontAlgn="auto" latinLnBrk="0" hangingPunct="1">
-              <a:lnSpc>
-                <a:spcPct val="100000"/>
-              </a:lnSpc>
-              <a:spcBef>
-                <a:spcPts val="0"/>
-              </a:spcBef>
-              <a:spcAft>
-                <a:spcPts val="0"/>
-              </a:spcAft>
-              <a:buClrTx/>
-              <a:buSzTx/>
+            <a:pPr marL="1118968" lvl="2" indent="-176679" defTabSz="942289">
               <a:buFont typeface="Arial" panose="020B0604020202020204" pitchFamily="34" charset="0"/>
               <a:buChar char="•"/>
-              <a:tabLst/>
               <a:defRPr/>
             </a:pPr>
             <a:r>
@@ -19945,21 +20229,9 @@
             </a:r>
           </a:p>
           <a:p>
-            <a:pPr marL="628650" marR="0" lvl="1" indent="-171450" algn="l" defTabSz="914400" rtl="0" eaLnBrk="1" fontAlgn="auto" latinLnBrk="0" hangingPunct="1">
-              <a:lnSpc>
-                <a:spcPct val="100000"/>
-              </a:lnSpc>
-              <a:spcBef>
-                <a:spcPts val="0"/>
-              </a:spcBef>
-              <a:spcAft>
-                <a:spcPts val="0"/>
-              </a:spcAft>
-              <a:buClrTx/>
-              <a:buSzTx/>
+            <a:pPr marL="647824" lvl="1" indent="-176679" defTabSz="942289">
               <a:buFont typeface="Arial" panose="020B0604020202020204" pitchFamily="34" charset="0"/>
               <a:buChar char="•"/>
-              <a:tabLst/>
               <a:defRPr/>
             </a:pPr>
             <a:r>
@@ -19968,21 +20240,9 @@
             </a:r>
           </a:p>
           <a:p>
-            <a:pPr marL="628650" marR="0" lvl="1" indent="-171450" algn="l" defTabSz="914400" rtl="0" eaLnBrk="1" fontAlgn="auto" latinLnBrk="0" hangingPunct="1">
-              <a:lnSpc>
-                <a:spcPct val="100000"/>
-              </a:lnSpc>
-              <a:spcBef>
-                <a:spcPts val="0"/>
-              </a:spcBef>
-              <a:spcAft>
-                <a:spcPts val="0"/>
-              </a:spcAft>
-              <a:buClrTx/>
-              <a:buSzTx/>
+            <a:pPr marL="647824" lvl="1" indent="-176679" defTabSz="942289">
               <a:buFont typeface="Arial" panose="020B0604020202020204" pitchFamily="34" charset="0"/>
               <a:buChar char="•"/>
-              <a:tabLst/>
               <a:defRPr/>
             </a:pPr>
             <a:r>
@@ -19991,21 +20251,9 @@
             </a:r>
           </a:p>
           <a:p>
-            <a:pPr marL="1085850" marR="0" lvl="2" indent="-171450" algn="l" defTabSz="914400" rtl="0" eaLnBrk="1" fontAlgn="auto" latinLnBrk="0" hangingPunct="1">
-              <a:lnSpc>
-                <a:spcPct val="100000"/>
-              </a:lnSpc>
-              <a:spcBef>
-                <a:spcPts val="0"/>
-              </a:spcBef>
-              <a:spcAft>
-                <a:spcPts val="0"/>
-              </a:spcAft>
-              <a:buClrTx/>
-              <a:buSzTx/>
+            <a:pPr marL="1118968" lvl="2" indent="-176679" defTabSz="942289">
               <a:buFont typeface="Arial" panose="020B0604020202020204" pitchFamily="34" charset="0"/>
               <a:buChar char="•"/>
-              <a:tabLst/>
               <a:defRPr/>
             </a:pPr>
             <a:r>
@@ -20014,21 +20262,9 @@
             </a:r>
           </a:p>
           <a:p>
-            <a:pPr marL="1085850" marR="0" lvl="2" indent="-171450" algn="l" defTabSz="914400" rtl="0" eaLnBrk="1" fontAlgn="auto" latinLnBrk="0" hangingPunct="1">
-              <a:lnSpc>
-                <a:spcPct val="100000"/>
-              </a:lnSpc>
-              <a:spcBef>
-                <a:spcPts val="0"/>
-              </a:spcBef>
-              <a:spcAft>
-                <a:spcPts val="0"/>
-              </a:spcAft>
-              <a:buClrTx/>
-              <a:buSzTx/>
+            <a:pPr marL="1118968" lvl="2" indent="-176679" defTabSz="942289">
               <a:buFont typeface="Arial" panose="020B0604020202020204" pitchFamily="34" charset="0"/>
               <a:buChar char="•"/>
-              <a:tabLst/>
               <a:defRPr/>
             </a:pPr>
             <a:r>
@@ -20037,21 +20273,9 @@
             </a:r>
           </a:p>
           <a:p>
-            <a:pPr marL="1085850" marR="0" lvl="2" indent="-171450" algn="l" defTabSz="914400" rtl="0" eaLnBrk="1" fontAlgn="auto" latinLnBrk="0" hangingPunct="1">
-              <a:lnSpc>
-                <a:spcPct val="100000"/>
-              </a:lnSpc>
-              <a:spcBef>
-                <a:spcPts val="0"/>
-              </a:spcBef>
-              <a:spcAft>
-                <a:spcPts val="0"/>
-              </a:spcAft>
-              <a:buClrTx/>
-              <a:buSzTx/>
+            <a:pPr marL="1118968" lvl="2" indent="-176679" defTabSz="942289">
               <a:buFont typeface="Arial" panose="020B0604020202020204" pitchFamily="34" charset="0"/>
               <a:buChar char="•"/>
-              <a:tabLst/>
               <a:defRPr/>
             </a:pPr>
             <a:r>
@@ -20060,21 +20284,9 @@
             </a:r>
           </a:p>
           <a:p>
-            <a:pPr marL="1085850" marR="0" lvl="2" indent="-171450" algn="l" defTabSz="914400" rtl="0" eaLnBrk="1" fontAlgn="auto" latinLnBrk="0" hangingPunct="1">
-              <a:lnSpc>
-                <a:spcPct val="100000"/>
-              </a:lnSpc>
-              <a:spcBef>
-                <a:spcPts val="0"/>
-              </a:spcBef>
-              <a:spcAft>
-                <a:spcPts val="0"/>
-              </a:spcAft>
-              <a:buClrTx/>
-              <a:buSzTx/>
+            <a:pPr marL="1118968" lvl="2" indent="-176679" defTabSz="942289">
               <a:buFont typeface="Arial" panose="020B0604020202020204" pitchFamily="34" charset="0"/>
               <a:buChar char="•"/>
-              <a:tabLst/>
               <a:defRPr/>
             </a:pPr>
             <a:r>
@@ -20083,21 +20295,9 @@
             </a:r>
           </a:p>
           <a:p>
-            <a:pPr marL="171450" marR="0" lvl="0" indent="-171450" algn="l" defTabSz="914400" rtl="0" eaLnBrk="1" fontAlgn="auto" latinLnBrk="0" hangingPunct="1">
-              <a:lnSpc>
-                <a:spcPct val="100000"/>
-              </a:lnSpc>
-              <a:spcBef>
-                <a:spcPts val="0"/>
-              </a:spcBef>
-              <a:spcAft>
-                <a:spcPts val="0"/>
-              </a:spcAft>
-              <a:buClrTx/>
-              <a:buSzTx/>
+            <a:pPr marL="176679" indent="-176679" defTabSz="942289">
               <a:buFont typeface="Arial" panose="020B0604020202020204" pitchFamily="34" charset="0"/>
               <a:buChar char="•"/>
-              <a:tabLst/>
               <a:defRPr/>
             </a:pPr>
             <a:r>
@@ -20106,7 +20306,7 @@
             </a:r>
           </a:p>
           <a:p>
-            <a:pPr marL="628650" lvl="1" indent="-171450">
+            <a:pPr marL="647824" lvl="1" indent="-176679">
               <a:buFont typeface="Arial" panose="020B0604020202020204" pitchFamily="34" charset="0"/>
               <a:buChar char="•"/>
             </a:pPr>
@@ -20116,7 +20316,7 @@
             </a:r>
           </a:p>
           <a:p>
-            <a:pPr marL="628650" lvl="1" indent="-171450">
+            <a:pPr marL="647824" lvl="1" indent="-176679">
               <a:buFont typeface="Arial" panose="020B0604020202020204" pitchFamily="34" charset="0"/>
               <a:buChar char="•"/>
             </a:pPr>
@@ -20126,21 +20326,9 @@
             </a:r>
           </a:p>
           <a:p>
-            <a:pPr marL="1085850" marR="0" lvl="2" indent="-171450" algn="l" defTabSz="914400" rtl="0" eaLnBrk="1" fontAlgn="auto" latinLnBrk="0" hangingPunct="1">
-              <a:lnSpc>
-                <a:spcPct val="100000"/>
-              </a:lnSpc>
-              <a:spcBef>
-                <a:spcPts val="0"/>
-              </a:spcBef>
-              <a:spcAft>
-                <a:spcPts val="0"/>
-              </a:spcAft>
-              <a:buClrTx/>
-              <a:buSzTx/>
+            <a:pPr marL="1118968" lvl="2" indent="-176679" defTabSz="942289">
               <a:buFont typeface="Arial" panose="020B0604020202020204" pitchFamily="34" charset="0"/>
               <a:buChar char="•"/>
-              <a:tabLst/>
               <a:defRPr/>
             </a:pPr>
             <a:r>
@@ -20149,7 +20337,7 @@
             </a:r>
           </a:p>
           <a:p>
-            <a:pPr marL="628650" lvl="1" indent="-171450">
+            <a:pPr marL="647824" lvl="1" indent="-176679">
               <a:buFont typeface="Arial" panose="020B0604020202020204" pitchFamily="34" charset="0"/>
               <a:buChar char="•"/>
             </a:pPr>
@@ -20159,7 +20347,7 @@
             </a:r>
           </a:p>
           <a:p>
-            <a:pPr marL="1085850" lvl="2" indent="-171450">
+            <a:pPr marL="1118968" lvl="2" indent="-176679">
               <a:buFont typeface="Arial" panose="020B0604020202020204" pitchFamily="34" charset="0"/>
               <a:buChar char="•"/>
             </a:pPr>
@@ -20169,7 +20357,7 @@
             </a:r>
           </a:p>
           <a:p>
-            <a:pPr marL="1085850" lvl="2" indent="-171450">
+            <a:pPr marL="1118968" lvl="2" indent="-176679">
               <a:buFont typeface="Arial" panose="020B0604020202020204" pitchFamily="34" charset="0"/>
               <a:buChar char="•"/>
             </a:pPr>
@@ -20179,7 +20367,7 @@
             </a:r>
           </a:p>
           <a:p>
-            <a:pPr marL="1085850" lvl="2" indent="-171450">
+            <a:pPr marL="1118968" lvl="2" indent="-176679">
               <a:buFont typeface="Arial" panose="020B0604020202020204" pitchFamily="34" charset="0"/>
               <a:buChar char="•"/>
             </a:pPr>
@@ -20189,7 +20377,7 @@
             </a:r>
           </a:p>
           <a:p>
-            <a:pPr marL="1085850" lvl="2" indent="-171450">
+            <a:pPr marL="1118968" lvl="2" indent="-176679">
               <a:buFont typeface="Arial" panose="020B0604020202020204" pitchFamily="34" charset="0"/>
               <a:buChar char="•"/>
             </a:pPr>
@@ -20199,21 +20387,9 @@
             </a:r>
           </a:p>
           <a:p>
-            <a:pPr marL="171450" marR="0" lvl="0" indent="-171450" algn="l" defTabSz="914400" rtl="0" eaLnBrk="1" fontAlgn="auto" latinLnBrk="0" hangingPunct="1">
-              <a:lnSpc>
-                <a:spcPct val="100000"/>
-              </a:lnSpc>
-              <a:spcBef>
-                <a:spcPts val="0"/>
-              </a:spcBef>
-              <a:spcAft>
-                <a:spcPts val="0"/>
-              </a:spcAft>
-              <a:buClrTx/>
-              <a:buSzTx/>
+            <a:pPr marL="176679" indent="-176679" defTabSz="942289">
               <a:buFont typeface="Arial" panose="020B0604020202020204" pitchFamily="34" charset="0"/>
               <a:buChar char="•"/>
-              <a:tabLst/>
               <a:defRPr/>
             </a:pPr>
             <a:r>
@@ -20222,21 +20398,9 @@
             </a:r>
           </a:p>
           <a:p>
-            <a:pPr marL="628650" marR="0" lvl="1" indent="-171450" algn="l" defTabSz="914400" rtl="0" eaLnBrk="1" fontAlgn="auto" latinLnBrk="0" hangingPunct="1">
-              <a:lnSpc>
-                <a:spcPct val="100000"/>
-              </a:lnSpc>
-              <a:spcBef>
-                <a:spcPts val="0"/>
-              </a:spcBef>
-              <a:spcAft>
-                <a:spcPts val="0"/>
-              </a:spcAft>
-              <a:buClrTx/>
-              <a:buSzTx/>
+            <a:pPr marL="647824" lvl="1" indent="-176679" defTabSz="942289">
               <a:buFont typeface="Arial" panose="020B0604020202020204" pitchFamily="34" charset="0"/>
               <a:buChar char="•"/>
-              <a:tabLst/>
               <a:defRPr/>
             </a:pPr>
             <a:r>
@@ -20245,21 +20409,9 @@
             </a:r>
           </a:p>
           <a:p>
-            <a:pPr marL="628650" marR="0" lvl="1" indent="-171450" algn="l" defTabSz="914400" rtl="0" eaLnBrk="1" fontAlgn="auto" latinLnBrk="0" hangingPunct="1">
-              <a:lnSpc>
-                <a:spcPct val="100000"/>
-              </a:lnSpc>
-              <a:spcBef>
-                <a:spcPts val="0"/>
-              </a:spcBef>
-              <a:spcAft>
-                <a:spcPts val="0"/>
-              </a:spcAft>
-              <a:buClrTx/>
-              <a:buSzTx/>
+            <a:pPr marL="647824" lvl="1" indent="-176679" defTabSz="942289">
               <a:buFont typeface="Arial" panose="020B0604020202020204" pitchFamily="34" charset="0"/>
               <a:buChar char="•"/>
-              <a:tabLst/>
               <a:defRPr/>
             </a:pPr>
             <a:r>
@@ -20268,7 +20420,7 @@
             </a:r>
           </a:p>
           <a:p>
-            <a:pPr marL="628650" lvl="1" indent="-171450">
+            <a:pPr marL="647824" lvl="1" indent="-176679">
               <a:buFont typeface="Arial" panose="020B0604020202020204" pitchFamily="34" charset="0"/>
               <a:buChar char="•"/>
             </a:pPr>
@@ -20278,7 +20430,7 @@
             </a:r>
           </a:p>
           <a:p>
-            <a:pPr marL="1085850" lvl="2" indent="-171450">
+            <a:pPr marL="1118968" lvl="2" indent="-176679">
               <a:buFont typeface="Arial" panose="020B0604020202020204" pitchFamily="34" charset="0"/>
               <a:buChar char="•"/>
             </a:pPr>
@@ -20288,7 +20440,7 @@
             </a:r>
           </a:p>
           <a:p>
-            <a:pPr marL="1085850" lvl="2" indent="-171450">
+            <a:pPr marL="1118968" lvl="2" indent="-176679">
               <a:buFont typeface="Arial" panose="020B0604020202020204" pitchFamily="34" charset="0"/>
               <a:buChar char="•"/>
             </a:pPr>
@@ -20298,7 +20450,7 @@
             </a:r>
           </a:p>
           <a:p>
-            <a:pPr marL="1085850" lvl="2" indent="-171450">
+            <a:pPr marL="1118968" lvl="2" indent="-176679">
               <a:buFont typeface="Arial" panose="020B0604020202020204" pitchFamily="34" charset="0"/>
               <a:buChar char="•"/>
             </a:pPr>
@@ -20308,7 +20460,7 @@
             </a:r>
           </a:p>
           <a:p>
-            <a:pPr marL="1085850" lvl="2" indent="-171450">
+            <a:pPr marL="1118968" lvl="2" indent="-176679">
               <a:buFont typeface="Arial" panose="020B0604020202020204" pitchFamily="34" charset="0"/>
               <a:buChar char="•"/>
             </a:pPr>
@@ -20318,21 +20470,9 @@
             </a:r>
           </a:p>
           <a:p>
-            <a:pPr marL="171450" marR="0" lvl="0" indent="-171450" algn="l" defTabSz="914400" rtl="0" eaLnBrk="1" fontAlgn="auto" latinLnBrk="0" hangingPunct="1">
-              <a:lnSpc>
-                <a:spcPct val="100000"/>
-              </a:lnSpc>
-              <a:spcBef>
-                <a:spcPts val="0"/>
-              </a:spcBef>
-              <a:spcAft>
-                <a:spcPts val="0"/>
-              </a:spcAft>
-              <a:buClrTx/>
-              <a:buSzTx/>
+            <a:pPr marL="176679" indent="-176679" defTabSz="942289">
               <a:buFont typeface="Arial" panose="020B0604020202020204" pitchFamily="34" charset="0"/>
               <a:buChar char="•"/>
-              <a:tabLst/>
               <a:defRPr/>
             </a:pPr>
             <a:r>
@@ -20341,7 +20481,7 @@
             </a:r>
           </a:p>
           <a:p>
-            <a:pPr marL="628650" lvl="1" indent="-171450">
+            <a:pPr marL="647824" lvl="1" indent="-176679">
               <a:buFont typeface="Arial" panose="020B0604020202020204" pitchFamily="34" charset="0"/>
               <a:buChar char="•"/>
             </a:pPr>
@@ -20351,7 +20491,7 @@
             </a:r>
           </a:p>
           <a:p>
-            <a:pPr marL="628650" lvl="1" indent="-171450">
+            <a:pPr marL="647824" lvl="1" indent="-176679">
               <a:buFont typeface="Arial" panose="020B0604020202020204" pitchFamily="34" charset="0"/>
               <a:buChar char="•"/>
             </a:pPr>
@@ -20361,7 +20501,7 @@
             </a:r>
           </a:p>
           <a:p>
-            <a:pPr marL="1085850" lvl="2" indent="-171450">
+            <a:pPr marL="1118968" lvl="2" indent="-176679">
               <a:buFont typeface="Arial" panose="020B0604020202020204" pitchFamily="34" charset="0"/>
               <a:buChar char="•"/>
             </a:pPr>
@@ -20371,7 +20511,7 @@
             </a:r>
           </a:p>
           <a:p>
-            <a:pPr marL="1085850" lvl="2" indent="-171450">
+            <a:pPr marL="1118968" lvl="2" indent="-176679">
               <a:buFont typeface="Arial" panose="020B0604020202020204" pitchFamily="34" charset="0"/>
               <a:buChar char="•"/>
             </a:pPr>
@@ -20381,7 +20521,7 @@
             </a:r>
           </a:p>
           <a:p>
-            <a:pPr marL="1085850" lvl="2" indent="-171450">
+            <a:pPr marL="1118968" lvl="2" indent="-176679">
               <a:buFont typeface="Arial" panose="020B0604020202020204" pitchFamily="34" charset="0"/>
               <a:buChar char="•"/>
             </a:pPr>
@@ -20391,21 +20531,9 @@
             </a:r>
           </a:p>
           <a:p>
-            <a:pPr marL="171450" marR="0" lvl="0" indent="-171450" algn="l" defTabSz="914400" rtl="0" eaLnBrk="1" fontAlgn="auto" latinLnBrk="0" hangingPunct="1">
-              <a:lnSpc>
-                <a:spcPct val="100000"/>
-              </a:lnSpc>
-              <a:spcBef>
-                <a:spcPts val="0"/>
-              </a:spcBef>
-              <a:spcAft>
-                <a:spcPts val="0"/>
-              </a:spcAft>
-              <a:buClrTx/>
-              <a:buSzTx/>
+            <a:pPr marL="176679" indent="-176679" defTabSz="942289">
               <a:buFont typeface="Arial" panose="020B0604020202020204" pitchFamily="34" charset="0"/>
               <a:buChar char="•"/>
-              <a:tabLst/>
               <a:defRPr/>
             </a:pPr>
             <a:r>
@@ -20414,7 +20542,7 @@
             </a:r>
           </a:p>
           <a:p>
-            <a:pPr marL="628650" lvl="1" indent="-171450">
+            <a:pPr marL="647824" lvl="1" indent="-176679">
               <a:buFont typeface="Arial" panose="020B0604020202020204" pitchFamily="34" charset="0"/>
               <a:buChar char="•"/>
             </a:pPr>
@@ -20424,7 +20552,7 @@
             </a:r>
           </a:p>
           <a:p>
-            <a:pPr marL="628650" lvl="1" indent="-171450">
+            <a:pPr marL="647824" lvl="1" indent="-176679">
               <a:buFont typeface="Arial" panose="020B0604020202020204" pitchFamily="34" charset="0"/>
               <a:buChar char="•"/>
             </a:pPr>
@@ -20434,7 +20562,7 @@
             </a:r>
           </a:p>
           <a:p>
-            <a:pPr marL="628650" lvl="1" indent="-171450">
+            <a:pPr marL="647824" lvl="1" indent="-176679">
               <a:buFont typeface="Arial" panose="020B0604020202020204" pitchFamily="34" charset="0"/>
               <a:buChar char="•"/>
             </a:pPr>
@@ -20444,7 +20572,7 @@
             </a:r>
           </a:p>
           <a:p>
-            <a:pPr marL="628650" lvl="1" indent="-171450">
+            <a:pPr marL="647824" lvl="1" indent="-176679">
               <a:buFont typeface="Arial" panose="020B0604020202020204" pitchFamily="34" charset="0"/>
               <a:buChar char="•"/>
             </a:pPr>
@@ -20454,7 +20582,7 @@
             </a:r>
           </a:p>
           <a:p>
-            <a:pPr marL="1085850" lvl="2" indent="-171450">
+            <a:pPr marL="1118968" lvl="2" indent="-176679">
               <a:buFont typeface="Arial" panose="020B0604020202020204" pitchFamily="34" charset="0"/>
               <a:buChar char="•"/>
             </a:pPr>
@@ -20464,7 +20592,7 @@
             </a:r>
           </a:p>
           <a:p>
-            <a:pPr marL="1085850" lvl="2" indent="-171450">
+            <a:pPr marL="1118968" lvl="2" indent="-176679">
               <a:buFont typeface="Arial" panose="020B0604020202020204" pitchFamily="34" charset="0"/>
               <a:buChar char="•"/>
             </a:pPr>
@@ -20474,7 +20602,7 @@
             </a:r>
           </a:p>
           <a:p>
-            <a:pPr marL="1085850" lvl="2" indent="-171450">
+            <a:pPr marL="1118968" lvl="2" indent="-176679">
               <a:buFont typeface="Arial" panose="020B0604020202020204" pitchFamily="34" charset="0"/>
               <a:buChar char="•"/>
             </a:pPr>
@@ -20484,7 +20612,7 @@
             </a:r>
           </a:p>
           <a:p>
-            <a:pPr marL="628650" lvl="1" indent="-171450">
+            <a:pPr marL="647824" lvl="1" indent="-176679">
               <a:buFont typeface="Arial" panose="020B0604020202020204" pitchFamily="34" charset="0"/>
               <a:buChar char="•"/>
             </a:pPr>
@@ -20494,7 +20622,7 @@
             </a:r>
           </a:p>
           <a:p>
-            <a:pPr marL="1085850" lvl="2" indent="-171450">
+            <a:pPr marL="1118968" lvl="2" indent="-176679">
               <a:buFont typeface="Arial" panose="020B0604020202020204" pitchFamily="34" charset="0"/>
               <a:buChar char="•"/>
             </a:pPr>
@@ -20504,7 +20632,7 @@
             </a:r>
           </a:p>
           <a:p>
-            <a:pPr marL="1085850" lvl="2" indent="-171450">
+            <a:pPr marL="1118968" lvl="2" indent="-176679">
               <a:buFont typeface="Arial" panose="020B0604020202020204" pitchFamily="34" charset="0"/>
               <a:buChar char="•"/>
             </a:pPr>
@@ -20514,7 +20642,7 @@
             </a:r>
           </a:p>
           <a:p>
-            <a:pPr marL="1085850" lvl="2" indent="-171450">
+            <a:pPr marL="1118968" lvl="2" indent="-176679">
               <a:buFont typeface="Arial" panose="020B0604020202020204" pitchFamily="34" charset="0"/>
               <a:buChar char="•"/>
             </a:pPr>
@@ -20524,21 +20652,9 @@
             </a:r>
           </a:p>
           <a:p>
-            <a:pPr marL="628650" marR="0" lvl="1" indent="-171450" algn="l" defTabSz="914400" rtl="0" eaLnBrk="1" fontAlgn="auto" latinLnBrk="0" hangingPunct="1">
-              <a:lnSpc>
-                <a:spcPct val="100000"/>
-              </a:lnSpc>
-              <a:spcBef>
-                <a:spcPts val="0"/>
-              </a:spcBef>
-              <a:spcAft>
-                <a:spcPts val="0"/>
-              </a:spcAft>
-              <a:buClrTx/>
-              <a:buSzTx/>
+            <a:pPr marL="647824" lvl="1" indent="-176679" defTabSz="942289">
               <a:buFont typeface="Arial" panose="020B0604020202020204" pitchFamily="34" charset="0"/>
               <a:buChar char="•"/>
-              <a:tabLst/>
               <a:defRPr/>
             </a:pPr>
             <a:endParaRPr lang="en-US" dirty="0"/>
@@ -20581,7 +20697,7 @@
 </p:notes>
 </file>
 
-<file path=ppt/notesSlides/notesSlide8.xml><?xml version="1.0" encoding="utf-8"?>
+<file path=ppt/notesSlides/notesSlide9.xml><?xml version="1.0" encoding="utf-8"?>
 <p:notes xmlns:a="http://schemas.openxmlformats.org/drawingml/2006/main" xmlns:r="http://schemas.openxmlformats.org/officeDocument/2006/relationships" xmlns:p="http://schemas.openxmlformats.org/presentationml/2006/main">
   <p:cSld>
     <p:spTree>
@@ -20659,124 +20775,6 @@
     <p:extLst>
       <p:ext uri="{BB962C8B-B14F-4D97-AF65-F5344CB8AC3E}">
         <p14:creationId xmlns:p14="http://schemas.microsoft.com/office/powerpoint/2010/main" val="1386356611"/>
-      </p:ext>
-    </p:extLst>
-  </p:cSld>
-  <p:clrMapOvr>
-    <a:masterClrMapping/>
-  </p:clrMapOvr>
-</p:notes>
-</file>
-
-<file path=ppt/notesSlides/notesSlide9.xml><?xml version="1.0" encoding="utf-8"?>
-<p:notes xmlns:a="http://schemas.openxmlformats.org/drawingml/2006/main" xmlns:r="http://schemas.openxmlformats.org/officeDocument/2006/relationships" xmlns:p="http://schemas.openxmlformats.org/presentationml/2006/main">
-  <p:cSld>
-    <p:spTree>
-      <p:nvGrpSpPr>
-        <p:cNvPr id="1" name=""/>
-        <p:cNvGrpSpPr/>
-        <p:nvPr/>
-      </p:nvGrpSpPr>
-      <p:grpSpPr>
-        <a:xfrm>
-          <a:off x="0" y="0"/>
-          <a:ext cx="0" cy="0"/>
-          <a:chOff x="0" y="0"/>
-          <a:chExt cx="0" cy="0"/>
-        </a:xfrm>
-      </p:grpSpPr>
-      <p:sp>
-        <p:nvSpPr>
-          <p:cNvPr id="2" name="Slide Image Placeholder 1"/>
-          <p:cNvSpPr>
-            <a:spLocks noGrp="1" noRot="1" noChangeAspect="1"/>
-          </p:cNvSpPr>
-          <p:nvPr>
-            <p:ph type="sldImg"/>
-          </p:nvPr>
-        </p:nvSpPr>
-        <p:spPr/>
-      </p:sp>
-      <p:sp>
-        <p:nvSpPr>
-          <p:cNvPr id="3" name="Notes Placeholder 2"/>
-          <p:cNvSpPr>
-            <a:spLocks noGrp="1"/>
-          </p:cNvSpPr>
-          <p:nvPr>
-            <p:ph type="body" idx="1"/>
-          </p:nvPr>
-        </p:nvSpPr>
-        <p:spPr/>
-        <p:txBody>
-          <a:bodyPr/>
-          <a:lstStyle/>
-          <a:p>
-            <a:r>
-              <a:rPr lang="en-US" dirty="0"/>
-              <a:t>ARIA as defined by the MDN:</a:t>
-            </a:r>
-          </a:p>
-          <a:p>
-            <a:pPr marL="0" marR="0" lvl="0" indent="0" algn="l" defTabSz="914400" rtl="0" eaLnBrk="1" fontAlgn="auto" latinLnBrk="0" hangingPunct="1">
-              <a:lnSpc>
-                <a:spcPct val="100000"/>
-              </a:lnSpc>
-              <a:spcBef>
-                <a:spcPts val="0"/>
-              </a:spcBef>
-              <a:spcAft>
-                <a:spcPts val="0"/>
-              </a:spcAft>
-              <a:buClrTx/>
-              <a:buSzTx/>
-              <a:buFontTx/>
-              <a:buNone/>
-              <a:tabLst/>
-              <a:defRPr/>
-            </a:pPr>
-            <a:r>
-              <a:rPr lang="en-US" dirty="0"/>
-              <a:t>“Accessible Rich Internet Applications </a:t>
-            </a:r>
-            <a:r>
-              <a:rPr lang="en-US" b="1" dirty="0"/>
-              <a:t>(ARIA) </a:t>
-            </a:r>
-            <a:r>
-              <a:rPr lang="en-US" dirty="0"/>
-              <a:t>is a set of attributes that define ways to make web content and web applications (especially those developed with JavaScript) more accessible to people with disabilities.”</a:t>
-            </a:r>
-          </a:p>
-        </p:txBody>
-      </p:sp>
-      <p:sp>
-        <p:nvSpPr>
-          <p:cNvPr id="4" name="Slide Number Placeholder 3"/>
-          <p:cNvSpPr>
-            <a:spLocks noGrp="1"/>
-          </p:cNvSpPr>
-          <p:nvPr>
-            <p:ph type="sldNum" sz="quarter" idx="5"/>
-          </p:nvPr>
-        </p:nvSpPr>
-        <p:spPr/>
-        <p:txBody>
-          <a:bodyPr/>
-          <a:lstStyle/>
-          <a:p>
-            <a:fld id="{7CB4C896-6F1B-4BB9-A8E9-CEDFDC71A181}" type="slidenum">
-              <a:rPr lang="en-US" smtClean="0"/>
-              <a:t>13</a:t>
-            </a:fld>
-            <a:endParaRPr lang="en-US"/>
-          </a:p>
-        </p:txBody>
-      </p:sp>
-    </p:spTree>
-    <p:extLst>
-      <p:ext uri="{BB962C8B-B14F-4D97-AF65-F5344CB8AC3E}">
-        <p14:creationId xmlns:p14="http://schemas.microsoft.com/office/powerpoint/2010/main" val="1397212887"/>
       </p:ext>
     </p:extLst>
   </p:cSld>
@@ -21119,7 +21117,7 @@
           <a:p>
             <a:fld id="{F766529D-BA39-40F6-82A5-7A10987C8459}" type="datetimeFigureOut">
               <a:rPr lang="en-US" smtClean="0"/>
-              <a:t>8/19/2021</a:t>
+              <a:t>8/20/2021</a:t>
             </a:fld>
             <a:endParaRPr lang="en-US"/>
           </a:p>
@@ -22205,7 +22203,7 @@
           <a:p>
             <a:fld id="{F766529D-BA39-40F6-82A5-7A10987C8459}" type="datetimeFigureOut">
               <a:rPr lang="en-US" smtClean="0"/>
-              <a:t>8/19/2021</a:t>
+              <a:t>8/20/2021</a:t>
             </a:fld>
             <a:endParaRPr lang="en-US"/>
           </a:p>
@@ -23184,7 +23182,7 @@
           <a:p>
             <a:fld id="{F766529D-BA39-40F6-82A5-7A10987C8459}" type="datetimeFigureOut">
               <a:rPr lang="en-US" smtClean="0"/>
-              <a:t>8/19/2021</a:t>
+              <a:t>8/20/2021</a:t>
             </a:fld>
             <a:endParaRPr lang="en-US"/>
           </a:p>
@@ -24317,7 +24315,7 @@
           <a:p>
             <a:fld id="{F766529D-BA39-40F6-82A5-7A10987C8459}" type="datetimeFigureOut">
               <a:rPr lang="en-US" smtClean="0"/>
-              <a:t>8/19/2021</a:t>
+              <a:t>8/20/2021</a:t>
             </a:fld>
             <a:endParaRPr lang="en-US"/>
           </a:p>
@@ -25349,7 +25347,7 @@
           <a:p>
             <a:fld id="{F766529D-BA39-40F6-82A5-7A10987C8459}" type="datetimeFigureOut">
               <a:rPr lang="en-US" smtClean="0"/>
-              <a:t>8/19/2021</a:t>
+              <a:t>8/20/2021</a:t>
             </a:fld>
             <a:endParaRPr lang="en-US"/>
           </a:p>
@@ -26008,7 +26006,7 @@
           <a:p>
             <a:fld id="{F766529D-BA39-40F6-82A5-7A10987C8459}" type="datetimeFigureOut">
               <a:rPr lang="en-US" smtClean="0"/>
-              <a:t>8/19/2021</a:t>
+              <a:t>8/20/2021</a:t>
             </a:fld>
             <a:endParaRPr lang="en-US"/>
           </a:p>
@@ -26865,7 +26863,7 @@
           <a:p>
             <a:fld id="{F766529D-BA39-40F6-82A5-7A10987C8459}" type="datetimeFigureOut">
               <a:rPr lang="en-US" smtClean="0"/>
-              <a:t>8/19/2021</a:t>
+              <a:t>8/20/2021</a:t>
             </a:fld>
             <a:endParaRPr lang="en-US"/>
           </a:p>
@@ -27053,7 +27051,7 @@
           <a:p>
             <a:fld id="{F766529D-BA39-40F6-82A5-7A10987C8459}" type="datetimeFigureOut">
               <a:rPr lang="en-US" smtClean="0"/>
-              <a:t>8/19/2021</a:t>
+              <a:t>8/20/2021</a:t>
             </a:fld>
             <a:endParaRPr lang="en-US"/>
           </a:p>
@@ -28023,7 +28021,7 @@
           <a:p>
             <a:fld id="{F766529D-BA39-40F6-82A5-7A10987C8459}" type="datetimeFigureOut">
               <a:rPr lang="en-US" smtClean="0"/>
-              <a:t>8/19/2021</a:t>
+              <a:t>8/20/2021</a:t>
             </a:fld>
             <a:endParaRPr lang="en-US"/>
           </a:p>
@@ -28232,7 +28230,7 @@
           <a:p>
             <a:fld id="{F766529D-BA39-40F6-82A5-7A10987C8459}" type="datetimeFigureOut">
               <a:rPr lang="en-US" smtClean="0"/>
-              <a:t>8/19/2021</a:t>
+              <a:t>8/20/2021</a:t>
             </a:fld>
             <a:endParaRPr lang="en-US"/>
           </a:p>
@@ -29265,7 +29263,7 @@
           <a:p>
             <a:fld id="{F766529D-BA39-40F6-82A5-7A10987C8459}" type="datetimeFigureOut">
               <a:rPr lang="en-US" smtClean="0"/>
-              <a:t>8/19/2021</a:t>
+              <a:t>8/20/2021</a:t>
             </a:fld>
             <a:endParaRPr lang="en-US"/>
           </a:p>
@@ -29534,7 +29532,7 @@
           <a:p>
             <a:fld id="{F766529D-BA39-40F6-82A5-7A10987C8459}" type="datetimeFigureOut">
               <a:rPr lang="en-US" smtClean="0"/>
-              <a:t>8/19/2021</a:t>
+              <a:t>8/20/2021</a:t>
             </a:fld>
             <a:endParaRPr lang="en-US"/>
           </a:p>
@@ -29941,7 +29939,7 @@
           <a:p>
             <a:fld id="{F766529D-BA39-40F6-82A5-7A10987C8459}" type="datetimeFigureOut">
               <a:rPr lang="en-US" smtClean="0"/>
-              <a:t>8/19/2021</a:t>
+              <a:t>8/20/2021</a:t>
             </a:fld>
             <a:endParaRPr lang="en-US"/>
           </a:p>
@@ -30067,7 +30065,7 @@
           <a:p>
             <a:fld id="{F766529D-BA39-40F6-82A5-7A10987C8459}" type="datetimeFigureOut">
               <a:rPr lang="en-US" smtClean="0"/>
-              <a:t>8/19/2021</a:t>
+              <a:t>8/20/2021</a:t>
             </a:fld>
             <a:endParaRPr lang="en-US"/>
           </a:p>
@@ -30162,7 +30160,7 @@
           <a:p>
             <a:fld id="{F766529D-BA39-40F6-82A5-7A10987C8459}" type="datetimeFigureOut">
               <a:rPr lang="en-US" smtClean="0"/>
-              <a:t>8/19/2021</a:t>
+              <a:t>8/20/2021</a:t>
             </a:fld>
             <a:endParaRPr lang="en-US"/>
           </a:p>
@@ -31241,7 +31239,7 @@
           <a:p>
             <a:fld id="{F766529D-BA39-40F6-82A5-7A10987C8459}" type="datetimeFigureOut">
               <a:rPr lang="en-US" smtClean="0"/>
-              <a:t>8/19/2021</a:t>
+              <a:t>8/20/2021</a:t>
             </a:fld>
             <a:endParaRPr lang="en-US"/>
           </a:p>
@@ -32347,7 +32345,7 @@
           <a:p>
             <a:fld id="{F766529D-BA39-40F6-82A5-7A10987C8459}" type="datetimeFigureOut">
               <a:rPr lang="en-US" smtClean="0"/>
-              <a:t>8/19/2021</a:t>
+              <a:t>8/20/2021</a:t>
             </a:fld>
             <a:endParaRPr lang="en-US"/>
           </a:p>
@@ -33342,7 +33340,7 @@
           <a:p>
             <a:fld id="{F766529D-BA39-40F6-82A5-7A10987C8459}" type="datetimeFigureOut">
               <a:rPr lang="en-US" smtClean="0"/>
-              <a:t>8/19/2021</a:t>
+              <a:t>8/20/2021</a:t>
             </a:fld>
             <a:endParaRPr lang="en-US"/>
           </a:p>
@@ -34195,7 +34193,7 @@
                     <a:lumMod val="50000"/>
                   </a:schemeClr>
                 </a:solidFill>
-                <a:hlinkClick r:id="rId2">
+                <a:hlinkClick r:id="rId3">
                   <a:extLst>
                     <a:ext uri="{A12FA001-AC4F-418D-AE19-62706E023703}">
                       <ahyp:hlinkClr xmlns:ahyp="http://schemas.microsoft.com/office/drawing/2018/hyperlinkcolor" val="tx"/>
@@ -34343,7 +34341,7 @@
                     <a:lumMod val="50000"/>
                   </a:schemeClr>
                 </a:solidFill>
-                <a:hlinkClick r:id="rId2">
+                <a:hlinkClick r:id="rId3">
                   <a:extLst>
                     <a:ext uri="{A12FA001-AC4F-418D-AE19-62706E023703}">
                       <ahyp:hlinkClr xmlns:ahyp="http://schemas.microsoft.com/office/drawing/2018/hyperlinkcolor" val="tx"/>
@@ -38057,44 +38055,6 @@
               <a:t>certified Trusted Tester</a:t>
             </a:r>
           </a:p>
-          <a:p>
-            <a:pPr marL="342900" marR="0" lvl="0" indent="-342900" algn="l" defTabSz="457200" rtl="0" eaLnBrk="1" fontAlgn="auto" latinLnBrk="0" hangingPunct="1">
-              <a:lnSpc>
-                <a:spcPct val="90000"/>
-              </a:lnSpc>
-              <a:spcBef>
-                <a:spcPts val="1000"/>
-              </a:spcBef>
-              <a:spcAft>
-                <a:spcPts val="0"/>
-              </a:spcAft>
-              <a:buClr>
-                <a:srgbClr val="B31166"/>
-              </a:buClr>
-              <a:buSzPct val="80000"/>
-              <a:buFont typeface="Wingdings 3" charset="2"/>
-              <a:buChar char=""/>
-              <a:tabLst/>
-              <a:defRPr/>
-            </a:pPr>
-            <a:r>
-              <a:rPr kumimoji="0" lang="en-US" sz="1800" b="0" i="0" u="none" strike="noStrike" kern="1200" cap="none" spc="0" normalizeH="0" baseline="0" noProof="0" dirty="0">
-                <a:ln>
-                  <a:noFill/>
-                </a:ln>
-                <a:solidFill>
-                  <a:sysClr val="windowText" lastClr="000000"/>
-                </a:solidFill>
-                <a:effectLst/>
-                <a:uLnTx/>
-                <a:uFillTx/>
-                <a:latin typeface="Century Gothic" panose="020B0502020202020204"/>
-                <a:ea typeface="+mn-ea"/>
-                <a:cs typeface="+mn-cs"/>
-              </a:rPr>
-              <a:t>Have PTSD and Spina Bifida</a:t>
-            </a:r>
-          </a:p>
         </p:txBody>
       </p:sp>
     </p:spTree>
@@ -38798,7 +38758,7 @@
             <p:ph idx="1"/>
             <p:extLst>
               <p:ext uri="{D42A27DB-BD31-4B8C-83A1-F6EECF244321}">
-                <p14:modId xmlns:p14="http://schemas.microsoft.com/office/powerpoint/2010/main" val="541315786"/>
+                <p14:modId xmlns:p14="http://schemas.microsoft.com/office/powerpoint/2010/main" val="3869024781"/>
               </p:ext>
             </p:extLst>
           </p:nvPr>
@@ -39601,7 +39561,7 @@
             <p:ph idx="1"/>
             <p:extLst>
               <p:ext uri="{D42A27DB-BD31-4B8C-83A1-F6EECF244321}">
-                <p14:modId xmlns:p14="http://schemas.microsoft.com/office/powerpoint/2010/main" val="2179913362"/>
+                <p14:modId xmlns:p14="http://schemas.microsoft.com/office/powerpoint/2010/main" val="3229151454"/>
               </p:ext>
             </p:extLst>
           </p:nvPr>

--- a/Presenations/Intro to Accessible Web Design_2021.pptx
+++ b/Presenations/Intro to Accessible Web Design_2021.pptx
@@ -145,7 +145,7 @@
 <file path=ppt/revisionInfo.xml><?xml version="1.0" encoding="utf-8"?>
 <p1510:revInfo xmlns:a="http://schemas.openxmlformats.org/drawingml/2006/main" xmlns:r="http://schemas.openxmlformats.org/officeDocument/2006/relationships" xmlns:p1510="http://schemas.microsoft.com/office/powerpoint/2015/10/main">
   <p1510:revLst>
-    <p1510:client id="{2704D1C1-7A4C-43B9-8791-2614C5C1E643}" v="312" dt="2021-08-20T16:28:25.595"/>
+    <p1510:client id="{2704D1C1-7A4C-43B9-8791-2614C5C1E643}" v="341" dt="2021-08-20T16:49:24.437"/>
     <p1510:client id="{2A358DB6-CA4A-4848-9FDE-133B79F4BA8D}" v="1924" dt="2021-08-19T19:19:58.463"/>
     <p1510:client id="{635D1EA6-9A99-422C-8E7D-C7A3B5C6E349}" v="290" dt="2021-08-19T19:32:58.370"/>
   </p1510:revLst>
@@ -1100,7 +1100,7 @@
   <pc:docChgLst>
     <pc:chgData name="Elizabeth Gray" userId="2112a60c0cddb7a4" providerId="LiveId" clId="{2704D1C1-7A4C-43B9-8791-2614C5C1E643}"/>
     <pc:docChg chg="undo redo custSel addSld delSld modSld sldOrd modNotesMaster">
-      <pc:chgData name="Elizabeth Gray" userId="2112a60c0cddb7a4" providerId="LiveId" clId="{2704D1C1-7A4C-43B9-8791-2614C5C1E643}" dt="2021-08-20T16:28:25.595" v="1769" actId="12100"/>
+      <pc:chgData name="Elizabeth Gray" userId="2112a60c0cddb7a4" providerId="LiveId" clId="{2704D1C1-7A4C-43B9-8791-2614C5C1E643}" dt="2021-08-20T16:49:24.436" v="1798" actId="20577"/>
       <pc:docMkLst>
         <pc:docMk/>
       </pc:docMkLst>
@@ -1290,7 +1290,7 @@
         </pc:picChg>
       </pc:sldChg>
       <pc:sldChg chg="addSp delSp modSp mod">
-        <pc:chgData name="Elizabeth Gray" userId="2112a60c0cddb7a4" providerId="LiveId" clId="{2704D1C1-7A4C-43B9-8791-2614C5C1E643}" dt="2021-08-20T16:28:25.595" v="1769" actId="12100"/>
+        <pc:chgData name="Elizabeth Gray" userId="2112a60c0cddb7a4" providerId="LiveId" clId="{2704D1C1-7A4C-43B9-8791-2614C5C1E643}" dt="2021-08-20T16:49:24.436" v="1798" actId="20577"/>
         <pc:sldMkLst>
           <pc:docMk/>
           <pc:sldMk cId="3673445269" sldId="265"/>
@@ -1336,7 +1336,7 @@
           </ac:spMkLst>
         </pc:spChg>
         <pc:graphicFrameChg chg="mod">
-          <ac:chgData name="Elizabeth Gray" userId="2112a60c0cddb7a4" providerId="LiveId" clId="{2704D1C1-7A4C-43B9-8791-2614C5C1E643}" dt="2021-08-20T16:28:25.595" v="1769" actId="12100"/>
+          <ac:chgData name="Elizabeth Gray" userId="2112a60c0cddb7a4" providerId="LiveId" clId="{2704D1C1-7A4C-43B9-8791-2614C5C1E643}" dt="2021-08-20T16:49:24.436" v="1798" actId="20577"/>
           <ac:graphicFrameMkLst>
             <pc:docMk/>
             <pc:sldMk cId="3673445269" sldId="265"/>
@@ -6074,7 +6074,7 @@
           </a:pPr>
           <a:r>
             <a:rPr lang="en-US" b="0" i="0" dirty="0"/>
-            <a:t>It helps everyone </a:t>
+            <a:t>It’s for everyone</a:t>
           </a:r>
           <a:endParaRPr lang="en-US" dirty="0"/>
         </a:p>
@@ -6114,7 +6114,7 @@
           </a:pPr>
           <a:r>
             <a:rPr lang="en-US" b="0" i="0" dirty="0"/>
-            <a:t>Attract / Keep diverse customers &amp; talent</a:t>
+            <a:t>Attract / Keep diverse customers &amp; employees</a:t>
           </a:r>
           <a:endParaRPr lang="en-US" dirty="0"/>
         </a:p>
@@ -8792,7 +8792,7 @@
           </a:pPr>
           <a:r>
             <a:rPr lang="en-US" sz="1100" b="0" i="0" kern="1200" dirty="0"/>
-            <a:t>It helps everyone </a:t>
+            <a:t>It’s for everyone</a:t>
           </a:r>
           <a:endParaRPr lang="en-US" sz="1100" kern="1200" dirty="0"/>
         </a:p>
@@ -8982,7 +8982,7 @@
           </a:pPr>
           <a:r>
             <a:rPr lang="en-US" sz="1100" b="0" i="0" kern="1200" dirty="0"/>
-            <a:t>Attract / Keep diverse customers &amp; talent</a:t>
+            <a:t>Attract / Keep diverse customers &amp; employees</a:t>
           </a:r>
           <a:endParaRPr lang="en-US" sz="1100" kern="1200" dirty="0"/>
         </a:p>
@@ -39561,7 +39561,7 @@
             <p:ph idx="1"/>
             <p:extLst>
               <p:ext uri="{D42A27DB-BD31-4B8C-83A1-F6EECF244321}">
-                <p14:modId xmlns:p14="http://schemas.microsoft.com/office/powerpoint/2010/main" val="3229151454"/>
+                <p14:modId xmlns:p14="http://schemas.microsoft.com/office/powerpoint/2010/main" val="1478135387"/>
               </p:ext>
             </p:extLst>
           </p:nvPr>
